--- a/slides/Transformer Review.pptx
+++ b/slides/Transformer Review.pptx
@@ -5,22 +5,23 @@
     <p:sldMasterId id="2147483672" r:id="rId1"/>
   </p:sldMasterIdLst>
   <p:notesMasterIdLst>
-    <p:notesMasterId r:id="rId15"/>
+    <p:notesMasterId r:id="rId16"/>
   </p:notesMasterIdLst>
   <p:sldIdLst>
     <p:sldId id="256" r:id="rId2"/>
-    <p:sldId id="257" r:id="rId3"/>
-    <p:sldId id="258" r:id="rId4"/>
-    <p:sldId id="259" r:id="rId5"/>
-    <p:sldId id="260" r:id="rId6"/>
-    <p:sldId id="261" r:id="rId7"/>
-    <p:sldId id="262" r:id="rId8"/>
-    <p:sldId id="263" r:id="rId9"/>
-    <p:sldId id="264" r:id="rId10"/>
-    <p:sldId id="265" r:id="rId11"/>
-    <p:sldId id="268" r:id="rId12"/>
-    <p:sldId id="266" r:id="rId13"/>
-    <p:sldId id="267" r:id="rId14"/>
+    <p:sldId id="269" r:id="rId3"/>
+    <p:sldId id="257" r:id="rId4"/>
+    <p:sldId id="258" r:id="rId5"/>
+    <p:sldId id="259" r:id="rId6"/>
+    <p:sldId id="260" r:id="rId7"/>
+    <p:sldId id="261" r:id="rId8"/>
+    <p:sldId id="262" r:id="rId9"/>
+    <p:sldId id="263" r:id="rId10"/>
+    <p:sldId id="264" r:id="rId11"/>
+    <p:sldId id="265" r:id="rId12"/>
+    <p:sldId id="268" r:id="rId13"/>
+    <p:sldId id="266" r:id="rId14"/>
+    <p:sldId id="267" r:id="rId15"/>
   </p:sldIdLst>
   <p:sldSz cx="12192000" cy="6858000"/>
   <p:notesSz cx="6858000" cy="9144000"/>
@@ -125,6 +126,7 @@
         <p14:section name="Default Section" id="{25C70183-003A-4826-8842-B6BD9E534E73}">
           <p14:sldIdLst>
             <p14:sldId id="256"/>
+            <p14:sldId id="269"/>
             <p14:sldId id="257"/>
             <p14:sldId id="258"/>
             <p14:sldId id="259"/>
@@ -660,7 +662,7 @@
     </p:spTree>
     <p:extLst>
       <p:ext uri="{BB962C8B-B14F-4D97-AF65-F5344CB8AC3E}">
-        <p14:creationId xmlns:p14="http://schemas.microsoft.com/office/powerpoint/2010/main" val="4016390254"/>
+        <p14:creationId xmlns:p14="http://schemas.microsoft.com/office/powerpoint/2010/main" val="3836158648"/>
       </p:ext>
     </p:extLst>
   </p:cSld>
@@ -744,7 +746,7 @@
     </p:spTree>
     <p:extLst>
       <p:ext uri="{BB962C8B-B14F-4D97-AF65-F5344CB8AC3E}">
-        <p14:creationId xmlns:p14="http://schemas.microsoft.com/office/powerpoint/2010/main" val="1616919015"/>
+        <p14:creationId xmlns:p14="http://schemas.microsoft.com/office/powerpoint/2010/main" val="4016390254"/>
       </p:ext>
     </p:extLst>
   </p:cSld>
@@ -820,6 +822,90 @@
             <a:fld id="{B207A580-9685-45E0-AF09-37B309E2398A}" type="slidenum">
               <a:rPr lang="en-US" smtClean="0"/>
               <a:t>12</a:t>
+            </a:fld>
+            <a:endParaRPr lang="en-US"/>
+          </a:p>
+        </p:txBody>
+      </p:sp>
+    </p:spTree>
+    <p:extLst>
+      <p:ext uri="{BB962C8B-B14F-4D97-AF65-F5344CB8AC3E}">
+        <p14:creationId xmlns:p14="http://schemas.microsoft.com/office/powerpoint/2010/main" val="1616919015"/>
+      </p:ext>
+    </p:extLst>
+  </p:cSld>
+  <p:clrMapOvr>
+    <a:masterClrMapping/>
+  </p:clrMapOvr>
+</p:notes>
+</file>
+
+<file path=ppt/notesSlides/notesSlide13.xml><?xml version="1.0" encoding="utf-8"?>
+<p:notes xmlns:a="http://schemas.openxmlformats.org/drawingml/2006/main" xmlns:r="http://schemas.openxmlformats.org/officeDocument/2006/relationships" xmlns:p="http://schemas.openxmlformats.org/presentationml/2006/main">
+  <p:cSld>
+    <p:spTree>
+      <p:nvGrpSpPr>
+        <p:cNvPr id="1" name=""/>
+        <p:cNvGrpSpPr/>
+        <p:nvPr/>
+      </p:nvGrpSpPr>
+      <p:grpSpPr>
+        <a:xfrm>
+          <a:off x="0" y="0"/>
+          <a:ext cx="0" cy="0"/>
+          <a:chOff x="0" y="0"/>
+          <a:chExt cx="0" cy="0"/>
+        </a:xfrm>
+      </p:grpSpPr>
+      <p:sp>
+        <p:nvSpPr>
+          <p:cNvPr id="2" name="Slide Image Placeholder 1"/>
+          <p:cNvSpPr>
+            <a:spLocks noGrp="1" noRot="1" noChangeAspect="1"/>
+          </p:cNvSpPr>
+          <p:nvPr>
+            <p:ph type="sldImg"/>
+          </p:nvPr>
+        </p:nvSpPr>
+        <p:spPr/>
+      </p:sp>
+      <p:sp>
+        <p:nvSpPr>
+          <p:cNvPr id="3" name="Notes Placeholder 2"/>
+          <p:cNvSpPr>
+            <a:spLocks noGrp="1"/>
+          </p:cNvSpPr>
+          <p:nvPr>
+            <p:ph type="body" idx="1"/>
+          </p:nvPr>
+        </p:nvSpPr>
+        <p:spPr/>
+        <p:txBody>
+          <a:bodyPr/>
+          <a:lstStyle/>
+          <a:p>
+            <a:endParaRPr lang="en-US" dirty="0"/>
+          </a:p>
+        </p:txBody>
+      </p:sp>
+      <p:sp>
+        <p:nvSpPr>
+          <p:cNvPr id="4" name="Slide Number Placeholder 3"/>
+          <p:cNvSpPr>
+            <a:spLocks noGrp="1"/>
+          </p:cNvSpPr>
+          <p:nvPr>
+            <p:ph type="sldNum" sz="quarter" idx="10"/>
+          </p:nvPr>
+        </p:nvSpPr>
+        <p:spPr/>
+        <p:txBody>
+          <a:bodyPr/>
+          <a:lstStyle/>
+          <a:p>
+            <a:fld id="{B207A580-9685-45E0-AF09-37B309E2398A}" type="slidenum">
+              <a:rPr lang="en-US" smtClean="0"/>
+              <a:t>13</a:t>
             </a:fld>
             <a:endParaRPr lang="en-US"/>
           </a:p>
@@ -912,7 +998,7 @@
     </p:spTree>
     <p:extLst>
       <p:ext uri="{BB962C8B-B14F-4D97-AF65-F5344CB8AC3E}">
-        <p14:creationId xmlns:p14="http://schemas.microsoft.com/office/powerpoint/2010/main" val="2637429521"/>
+        <p14:creationId xmlns:p14="http://schemas.microsoft.com/office/powerpoint/2010/main" val="2615450331"/>
       </p:ext>
     </p:extLst>
   </p:cSld>
@@ -966,80 +1052,7 @@
           <a:bodyPr/>
           <a:lstStyle/>
           <a:p>
-            <a:r>
-              <a:rPr lang="en-US" sz="1200" b="1" i="0" kern="1200" dirty="0" smtClean="0">
-                <a:solidFill>
-                  <a:schemeClr val="tx1"/>
-                </a:solidFill>
-                <a:effectLst/>
-                <a:latin typeface="+mn-lt"/>
-                <a:ea typeface="+mn-ea"/>
-                <a:cs typeface="+mn-cs"/>
-              </a:rPr>
-              <a:t>Bidirectional Encoder Representations from Transformers</a:t>
-            </a:r>
-            <a:r>
-              <a:rPr lang="en-US" sz="1200" b="0" i="0" kern="1200" dirty="0" smtClean="0">
-                <a:solidFill>
-                  <a:schemeClr val="tx1"/>
-                </a:solidFill>
-                <a:effectLst/>
-                <a:latin typeface="+mn-lt"/>
-                <a:ea typeface="+mn-ea"/>
-                <a:cs typeface="+mn-cs"/>
-              </a:rPr>
-              <a:t> (</a:t>
-            </a:r>
-            <a:r>
-              <a:rPr lang="en-US" sz="1200" b="1" i="0" kern="1200" dirty="0" smtClean="0">
-                <a:solidFill>
-                  <a:schemeClr val="tx1"/>
-                </a:solidFill>
-                <a:effectLst/>
-                <a:latin typeface="+mn-lt"/>
-                <a:ea typeface="+mn-ea"/>
-                <a:cs typeface="+mn-cs"/>
-              </a:rPr>
-              <a:t>BERT</a:t>
-            </a:r>
-            <a:r>
-              <a:rPr lang="en-US" sz="1200" b="0" i="0" kern="1200" dirty="0" smtClean="0">
-                <a:solidFill>
-                  <a:schemeClr val="tx1"/>
-                </a:solidFill>
-                <a:effectLst/>
-                <a:latin typeface="+mn-lt"/>
-                <a:ea typeface="+mn-ea"/>
-                <a:cs typeface="+mn-cs"/>
-              </a:rPr>
-              <a:t>)</a:t>
-            </a:r>
-          </a:p>
-          <a:p>
-            <a:r>
-              <a:rPr lang="en-US" sz="1200" b="1" i="0" kern="1200" dirty="0" smtClean="0">
-                <a:solidFill>
-                  <a:schemeClr val="tx1"/>
-                </a:solidFill>
-                <a:effectLst/>
-                <a:latin typeface="+mn-lt"/>
-                <a:ea typeface="+mn-ea"/>
-                <a:cs typeface="+mn-cs"/>
-              </a:rPr>
-              <a:t>Generative Pre-trained Transformer</a:t>
-            </a:r>
-            <a:endParaRPr lang="en-US" sz="1200" b="0" i="0" kern="1200" dirty="0" smtClean="0">
-              <a:solidFill>
-                <a:schemeClr val="tx1"/>
-              </a:solidFill>
-              <a:effectLst/>
-              <a:latin typeface="+mn-lt"/>
-              <a:ea typeface="+mn-ea"/>
-              <a:cs typeface="+mn-cs"/>
-            </a:endParaRPr>
-          </a:p>
-          <a:p>
-            <a:endParaRPr lang="en-US" dirty="0"/>
+            <a:endParaRPr lang="en-US"/>
           </a:p>
         </p:txBody>
       </p:sp>
@@ -1069,7 +1082,7 @@
     </p:spTree>
     <p:extLst>
       <p:ext uri="{BB962C8B-B14F-4D97-AF65-F5344CB8AC3E}">
-        <p14:creationId xmlns:p14="http://schemas.microsoft.com/office/powerpoint/2010/main" val="1579034372"/>
+        <p14:creationId xmlns:p14="http://schemas.microsoft.com/office/powerpoint/2010/main" val="2637429521"/>
       </p:ext>
     </p:extLst>
   </p:cSld>
@@ -1123,7 +1136,80 @@
           <a:bodyPr/>
           <a:lstStyle/>
           <a:p>
-            <a:endParaRPr lang="en-US"/>
+            <a:r>
+              <a:rPr lang="en-US" sz="1200" b="1" i="0" kern="1200" dirty="0" smtClean="0">
+                <a:solidFill>
+                  <a:schemeClr val="tx1"/>
+                </a:solidFill>
+                <a:effectLst/>
+                <a:latin typeface="+mn-lt"/>
+                <a:ea typeface="+mn-ea"/>
+                <a:cs typeface="+mn-cs"/>
+              </a:rPr>
+              <a:t>Bidirectional Encoder Representations from Transformers</a:t>
+            </a:r>
+            <a:r>
+              <a:rPr lang="en-US" sz="1200" b="0" i="0" kern="1200" dirty="0" smtClean="0">
+                <a:solidFill>
+                  <a:schemeClr val="tx1"/>
+                </a:solidFill>
+                <a:effectLst/>
+                <a:latin typeface="+mn-lt"/>
+                <a:ea typeface="+mn-ea"/>
+                <a:cs typeface="+mn-cs"/>
+              </a:rPr>
+              <a:t> (</a:t>
+            </a:r>
+            <a:r>
+              <a:rPr lang="en-US" sz="1200" b="1" i="0" kern="1200" dirty="0" smtClean="0">
+                <a:solidFill>
+                  <a:schemeClr val="tx1"/>
+                </a:solidFill>
+                <a:effectLst/>
+                <a:latin typeface="+mn-lt"/>
+                <a:ea typeface="+mn-ea"/>
+                <a:cs typeface="+mn-cs"/>
+              </a:rPr>
+              <a:t>BERT</a:t>
+            </a:r>
+            <a:r>
+              <a:rPr lang="en-US" sz="1200" b="0" i="0" kern="1200" dirty="0" smtClean="0">
+                <a:solidFill>
+                  <a:schemeClr val="tx1"/>
+                </a:solidFill>
+                <a:effectLst/>
+                <a:latin typeface="+mn-lt"/>
+                <a:ea typeface="+mn-ea"/>
+                <a:cs typeface="+mn-cs"/>
+              </a:rPr>
+              <a:t>)</a:t>
+            </a:r>
+          </a:p>
+          <a:p>
+            <a:r>
+              <a:rPr lang="en-US" sz="1200" b="1" i="0" kern="1200" dirty="0" smtClean="0">
+                <a:solidFill>
+                  <a:schemeClr val="tx1"/>
+                </a:solidFill>
+                <a:effectLst/>
+                <a:latin typeface="+mn-lt"/>
+                <a:ea typeface="+mn-ea"/>
+                <a:cs typeface="+mn-cs"/>
+              </a:rPr>
+              <a:t>Generative Pre-trained Transformer</a:t>
+            </a:r>
+            <a:endParaRPr lang="en-US" sz="1200" b="0" i="0" kern="1200" dirty="0" smtClean="0">
+              <a:solidFill>
+                <a:schemeClr val="tx1"/>
+              </a:solidFill>
+              <a:effectLst/>
+              <a:latin typeface="+mn-lt"/>
+              <a:ea typeface="+mn-ea"/>
+              <a:cs typeface="+mn-cs"/>
+            </a:endParaRPr>
+          </a:p>
+          <a:p>
+            <a:endParaRPr lang="en-US" dirty="0"/>
           </a:p>
         </p:txBody>
       </p:sp>
@@ -1153,7 +1239,7 @@
     </p:spTree>
     <p:extLst>
       <p:ext uri="{BB962C8B-B14F-4D97-AF65-F5344CB8AC3E}">
-        <p14:creationId xmlns:p14="http://schemas.microsoft.com/office/powerpoint/2010/main" val="453639541"/>
+        <p14:creationId xmlns:p14="http://schemas.microsoft.com/office/powerpoint/2010/main" val="1579034372"/>
       </p:ext>
     </p:extLst>
   </p:cSld>
@@ -1237,7 +1323,7 @@
     </p:spTree>
     <p:extLst>
       <p:ext uri="{BB962C8B-B14F-4D97-AF65-F5344CB8AC3E}">
-        <p14:creationId xmlns:p14="http://schemas.microsoft.com/office/powerpoint/2010/main" val="2693267960"/>
+        <p14:creationId xmlns:p14="http://schemas.microsoft.com/office/powerpoint/2010/main" val="453639541"/>
       </p:ext>
     </p:extLst>
   </p:cSld>
@@ -1321,7 +1407,7 @@
     </p:spTree>
     <p:extLst>
       <p:ext uri="{BB962C8B-B14F-4D97-AF65-F5344CB8AC3E}">
-        <p14:creationId xmlns:p14="http://schemas.microsoft.com/office/powerpoint/2010/main" val="2867171701"/>
+        <p14:creationId xmlns:p14="http://schemas.microsoft.com/office/powerpoint/2010/main" val="2693267960"/>
       </p:ext>
     </p:extLst>
   </p:cSld>
@@ -1375,11 +1461,7 @@
           <a:bodyPr/>
           <a:lstStyle/>
           <a:p>
-            <a:r>
-              <a:rPr lang="en-US" dirty="0" smtClean="0"/>
-              <a:t>Demo on mask layer </a:t>
-            </a:r>
-            <a:endParaRPr lang="en-US" dirty="0"/>
+            <a:endParaRPr lang="en-US"/>
           </a:p>
         </p:txBody>
       </p:sp>
@@ -1409,7 +1491,7 @@
     </p:spTree>
     <p:extLst>
       <p:ext uri="{BB962C8B-B14F-4D97-AF65-F5344CB8AC3E}">
-        <p14:creationId xmlns:p14="http://schemas.microsoft.com/office/powerpoint/2010/main" val="2763133403"/>
+        <p14:creationId xmlns:p14="http://schemas.microsoft.com/office/powerpoint/2010/main" val="2867171701"/>
       </p:ext>
     </p:extLst>
   </p:cSld>
@@ -1465,29 +1547,7 @@
           <a:p>
             <a:r>
               <a:rPr lang="en-US" dirty="0" smtClean="0"/>
-              <a:t>Drawing</a:t>
-            </a:r>
-            <a:r>
-              <a:rPr lang="en-US" baseline="0" dirty="0" smtClean="0"/>
-              <a:t> of layer </a:t>
-            </a:r>
-          </a:p>
-          <a:p>
-            <a:r>
-              <a:rPr lang="en-US" baseline="0" dirty="0" err="1" smtClean="0"/>
-              <a:t>H_t</a:t>
-            </a:r>
-            <a:r>
-              <a:rPr lang="en-US" baseline="0" dirty="0" smtClean="0"/>
-              <a:t> = k1, k2, …k_t-1 </a:t>
-            </a:r>
-            <a:r>
-              <a:rPr lang="en-US" baseline="0" dirty="0" err="1" smtClean="0"/>
-              <a:t>kn</a:t>
-            </a:r>
-            <a:r>
-              <a:rPr lang="en-US" baseline="0" dirty="0" smtClean="0"/>
-              <a:t> masked </a:t>
+              <a:t>Demo on mask layer </a:t>
             </a:r>
             <a:endParaRPr lang="en-US" dirty="0"/>
           </a:p>
@@ -1519,7 +1579,7 @@
     </p:spTree>
     <p:extLst>
       <p:ext uri="{BB962C8B-B14F-4D97-AF65-F5344CB8AC3E}">
-        <p14:creationId xmlns:p14="http://schemas.microsoft.com/office/powerpoint/2010/main" val="3729693692"/>
+        <p14:creationId xmlns:p14="http://schemas.microsoft.com/office/powerpoint/2010/main" val="2763133403"/>
       </p:ext>
     </p:extLst>
   </p:cSld>
@@ -1573,6 +1633,32 @@
           <a:bodyPr/>
           <a:lstStyle/>
           <a:p>
+            <a:r>
+              <a:rPr lang="en-US" dirty="0" smtClean="0"/>
+              <a:t>Drawing</a:t>
+            </a:r>
+            <a:r>
+              <a:rPr lang="en-US" baseline="0" dirty="0" smtClean="0"/>
+              <a:t> of layer </a:t>
+            </a:r>
+          </a:p>
+          <a:p>
+            <a:r>
+              <a:rPr lang="en-US" baseline="0" dirty="0" err="1" smtClean="0"/>
+              <a:t>H_t</a:t>
+            </a:r>
+            <a:r>
+              <a:rPr lang="en-US" baseline="0" dirty="0" smtClean="0"/>
+              <a:t> = k1, k2, …k_t-1 </a:t>
+            </a:r>
+            <a:r>
+              <a:rPr lang="en-US" baseline="0" dirty="0" err="1" smtClean="0"/>
+              <a:t>kn</a:t>
+            </a:r>
+            <a:r>
+              <a:rPr lang="en-US" baseline="0" dirty="0" smtClean="0"/>
+              <a:t> masked </a:t>
+            </a:r>
             <a:endParaRPr lang="en-US" dirty="0"/>
           </a:p>
         </p:txBody>
@@ -1603,7 +1689,7 @@
     </p:spTree>
     <p:extLst>
       <p:ext uri="{BB962C8B-B14F-4D97-AF65-F5344CB8AC3E}">
-        <p14:creationId xmlns:p14="http://schemas.microsoft.com/office/powerpoint/2010/main" val="3836158648"/>
+        <p14:creationId xmlns:p14="http://schemas.microsoft.com/office/powerpoint/2010/main" val="3729693692"/>
       </p:ext>
     </p:extLst>
   </p:cSld>
@@ -14859,6 +14945,144 @@
           <a:lstStyle/>
           <a:p>
             <a:r>
+              <a:rPr lang="en-US" dirty="0" smtClean="0"/>
+              <a:t>Result</a:t>
+            </a:r>
+            <a:endParaRPr lang="en-US" dirty="0"/>
+          </a:p>
+        </p:txBody>
+      </p:sp>
+      <p:sp>
+        <p:nvSpPr>
+          <p:cNvPr id="3" name="Content Placeholder 2"/>
+          <p:cNvSpPr>
+            <a:spLocks noGrp="1"/>
+          </p:cNvSpPr>
+          <p:nvPr>
+            <p:ph idx="1"/>
+          </p:nvPr>
+        </p:nvSpPr>
+        <p:spPr>
+          <a:xfrm>
+            <a:off x="838200" y="1825625"/>
+            <a:ext cx="5593504" cy="4351338"/>
+          </a:xfrm>
+        </p:spPr>
+        <p:txBody>
+          <a:bodyPr/>
+          <a:lstStyle/>
+          <a:p>
+            <a:endParaRPr lang="en-US" dirty="0" smtClean="0"/>
+          </a:p>
+          <a:p>
+            <a:pPr marL="0" indent="0">
+              <a:buNone/>
+            </a:pPr>
+            <a:endParaRPr lang="en-US" dirty="0"/>
+          </a:p>
+        </p:txBody>
+      </p:sp>
+      <p:pic>
+        <p:nvPicPr>
+          <p:cNvPr id="4" name="Picture 3"/>
+          <p:cNvPicPr>
+            <a:picLocks noChangeAspect="1"/>
+          </p:cNvPicPr>
+          <p:nvPr/>
+        </p:nvPicPr>
+        <p:blipFill>
+          <a:blip r:embed="rId3"/>
+          <a:stretch>
+            <a:fillRect/>
+          </a:stretch>
+        </p:blipFill>
+        <p:spPr>
+          <a:xfrm>
+            <a:off x="4306253" y="529187"/>
+            <a:ext cx="6064568" cy="2592875"/>
+          </a:xfrm>
+          <a:prstGeom prst="rect">
+            <a:avLst/>
+          </a:prstGeom>
+        </p:spPr>
+      </p:pic>
+      <p:pic>
+        <p:nvPicPr>
+          <p:cNvPr id="5" name="Picture 4"/>
+          <p:cNvPicPr>
+            <a:picLocks noChangeAspect="1"/>
+          </p:cNvPicPr>
+          <p:nvPr/>
+        </p:nvPicPr>
+        <p:blipFill>
+          <a:blip r:embed="rId4"/>
+          <a:stretch>
+            <a:fillRect/>
+          </a:stretch>
+        </p:blipFill>
+        <p:spPr>
+          <a:xfrm>
+            <a:off x="4306253" y="3779520"/>
+            <a:ext cx="6561735" cy="2827020"/>
+          </a:xfrm>
+          <a:prstGeom prst="rect">
+            <a:avLst/>
+          </a:prstGeom>
+        </p:spPr>
+      </p:pic>
+    </p:spTree>
+    <p:extLst>
+      <p:ext uri="{BB962C8B-B14F-4D97-AF65-F5344CB8AC3E}">
+        <p14:creationId xmlns:p14="http://schemas.microsoft.com/office/powerpoint/2010/main" val="1907221823"/>
+      </p:ext>
+    </p:extLst>
+  </p:cSld>
+  <p:clrMapOvr>
+    <a:masterClrMapping/>
+  </p:clrMapOvr>
+  <p:timing>
+    <p:tnLst>
+      <p:par>
+        <p:cTn id="1" dur="indefinite" restart="never" nodeType="tmRoot"/>
+      </p:par>
+    </p:tnLst>
+  </p:timing>
+</p:sld>
+</file>
+
+<file path=ppt/slides/slide11.xml><?xml version="1.0" encoding="utf-8"?>
+<p:sld xmlns:a="http://schemas.openxmlformats.org/drawingml/2006/main" xmlns:r="http://schemas.openxmlformats.org/officeDocument/2006/relationships" xmlns:p="http://schemas.openxmlformats.org/presentationml/2006/main">
+  <p:cSld>
+    <p:spTree>
+      <p:nvGrpSpPr>
+        <p:cNvPr id="1" name=""/>
+        <p:cNvGrpSpPr/>
+        <p:nvPr/>
+      </p:nvGrpSpPr>
+      <p:grpSpPr>
+        <a:xfrm>
+          <a:off x="0" y="0"/>
+          <a:ext cx="0" cy="0"/>
+          <a:chOff x="0" y="0"/>
+          <a:chExt cx="0" cy="0"/>
+        </a:xfrm>
+      </p:grpSpPr>
+      <p:sp>
+        <p:nvSpPr>
+          <p:cNvPr id="2" name="Title 1"/>
+          <p:cNvSpPr>
+            <a:spLocks noGrp="1"/>
+          </p:cNvSpPr>
+          <p:nvPr>
+            <p:ph type="title"/>
+          </p:nvPr>
+        </p:nvSpPr>
+        <p:spPr/>
+        <p:txBody>
+          <a:bodyPr/>
+          <a:lstStyle/>
+          <a:p>
+            <a:r>
               <a:rPr lang="en-US" dirty="0"/>
               <a:t>Derived models </a:t>
             </a:r>
@@ -15053,7 +15277,7 @@
 </p:sld>
 </file>
 
-<file path=ppt/slides/slide11.xml><?xml version="1.0" encoding="utf-8"?>
+<file path=ppt/slides/slide12.xml><?xml version="1.0" encoding="utf-8"?>
 <p:sld xmlns:a="http://schemas.openxmlformats.org/drawingml/2006/main" xmlns:r="http://schemas.openxmlformats.org/officeDocument/2006/relationships" xmlns:p="http://schemas.openxmlformats.org/presentationml/2006/main">
   <p:cSld>
     <p:spTree>
@@ -15191,7 +15415,7 @@
 </p:sld>
 </file>
 
-<file path=ppt/slides/slide12.xml><?xml version="1.0" encoding="utf-8"?>
+<file path=ppt/slides/slide13.xml><?xml version="1.0" encoding="utf-8"?>
 <p:sld xmlns:a="http://schemas.openxmlformats.org/drawingml/2006/main" xmlns:r="http://schemas.openxmlformats.org/officeDocument/2006/relationships" xmlns:p="http://schemas.openxmlformats.org/presentationml/2006/main">
   <p:cSld>
     <p:spTree>
@@ -15248,7 +15472,9 @@
           </a:xfrm>
         </p:spPr>
         <p:txBody>
-          <a:bodyPr/>
+          <a:bodyPr>
+            <a:normAutofit fontScale="92500"/>
+          </a:bodyPr>
           <a:lstStyle/>
           <a:p>
             <a:endParaRPr lang="en-US" dirty="0" smtClean="0"/>
@@ -15282,8 +15508,25 @@
             </a:r>
             <a:r>
               <a:rPr lang="en-US" dirty="0" smtClean="0"/>
-              <a:t> (2020)</a:t>
-            </a:r>
+              <a:t> (</a:t>
+            </a:r>
+            <a:r>
+              <a:rPr lang="en-US" dirty="0"/>
+              <a:t>2020) </a:t>
+            </a:r>
+            <a:r>
+              <a:rPr lang="en-US" dirty="0">
+                <a:hlinkClick r:id="rId3"/>
+              </a:rPr>
+              <a:t>https://</a:t>
+            </a:r>
+            <a:r>
+              <a:rPr lang="en-US" dirty="0" smtClean="0">
+                <a:hlinkClick r:id="rId3"/>
+              </a:rPr>
+              <a:t>arxiv.org/pdf/2010.11929.pdf</a:t>
+            </a:r>
+            <a:endParaRPr lang="en-US" dirty="0" smtClean="0"/>
           </a:p>
           <a:p>
             <a:pPr lvl="1"/>
@@ -15301,31 +15544,115 @@
             </a:r>
             <a:r>
               <a:rPr lang="en-US" dirty="0" smtClean="0"/>
-              <a:t>(2021) </a:t>
-            </a:r>
+              <a:t>(2021</a:t>
+            </a:r>
+            <a:r>
+              <a:rPr lang="en-US" dirty="0"/>
+              <a:t>) </a:t>
+            </a:r>
+            <a:r>
+              <a:rPr lang="en-US" dirty="0">
+                <a:hlinkClick r:id="rId4"/>
+              </a:rPr>
+              <a:t>https://</a:t>
+            </a:r>
+            <a:r>
+              <a:rPr lang="en-US" dirty="0" smtClean="0">
+                <a:hlinkClick r:id="rId4"/>
+              </a:rPr>
+              <a:t>arxiv.org/pdf/2103.14030.pdf</a:t>
+            </a:r>
+            <a:endParaRPr lang="en-US" dirty="0" smtClean="0"/>
           </a:p>
           <a:p>
             <a:pPr lvl="1"/>
             <a:r>
               <a:rPr lang="en-US" dirty="0" smtClean="0"/>
-              <a:t>DINO, </a:t>
+              <a:t>DINO </a:t>
+            </a:r>
+            <a:r>
+              <a:rPr lang="en-US" dirty="0">
+                <a:hlinkClick r:id="rId5"/>
+              </a:rPr>
+              <a:t>https://</a:t>
             </a:r>
             <a:r>
               <a:rPr lang="en-US" dirty="0" smtClean="0">
                 <a:hlinkClick r:id="rId5"/>
               </a:rPr>
+              <a:t>arxiv.org/pdf/2104.14294.pdf</a:t>
+            </a:r>
+            <a:endParaRPr lang="en-US" dirty="0" smtClean="0"/>
+          </a:p>
+          <a:p>
+            <a:pPr lvl="1"/>
+            <a:r>
+              <a:rPr lang="en-US" dirty="0" smtClean="0"/>
+              <a:t> </a:t>
+            </a:r>
+            <a:r>
+              <a:rPr lang="en-US" dirty="0" smtClean="0">
+                <a:hlinkClick r:id="rId6"/>
+              </a:rPr>
               <a:t>DETR</a:t>
             </a:r>
             <a:r>
-              <a:rPr lang="en-US" dirty="0" smtClean="0"/>
-              <a:t> …</a:t>
-            </a:r>
+              <a:rPr lang="en-US" dirty="0"/>
+              <a:t> </a:t>
+            </a:r>
+            <a:r>
+              <a:rPr lang="en-US" dirty="0">
+                <a:hlinkClick r:id="rId5"/>
+              </a:rPr>
+              <a:t>https://</a:t>
+            </a:r>
+            <a:r>
+              <a:rPr lang="en-US" dirty="0" smtClean="0">
+                <a:hlinkClick r:id="rId5"/>
+              </a:rPr>
+              <a:t>arxiv.org/pdf/2104.14294.pdf</a:t>
+            </a:r>
+            <a:endParaRPr lang="en-US" dirty="0" smtClean="0"/>
           </a:p>
           <a:p>
             <a:r>
               <a:rPr lang="en-US" dirty="0" smtClean="0"/>
               <a:t>Audio</a:t>
             </a:r>
+          </a:p>
+          <a:p>
+            <a:r>
+              <a:rPr lang="en-US" dirty="0" smtClean="0"/>
+              <a:t>Video </a:t>
+            </a:r>
+          </a:p>
+          <a:p>
+            <a:pPr lvl="1"/>
+            <a:r>
+              <a:rPr lang="en-US" dirty="0" err="1" smtClean="0"/>
+              <a:t>TimeSformer</a:t>
+            </a:r>
+            <a:r>
+              <a:rPr lang="en-US" dirty="0"/>
+              <a:t> </a:t>
+            </a:r>
+            <a:r>
+              <a:rPr lang="en-US" dirty="0">
+                <a:hlinkClick r:id="rId7"/>
+              </a:rPr>
+              <a:t>https://</a:t>
+            </a:r>
+            <a:r>
+              <a:rPr lang="en-US" dirty="0" smtClean="0">
+                <a:hlinkClick r:id="rId7"/>
+              </a:rPr>
+              <a:t>arxiv.org/pdf/2102.05095.pdf</a:t>
+            </a:r>
+            <a:endParaRPr lang="en-US" dirty="0" smtClean="0"/>
+          </a:p>
+          <a:p>
+            <a:pPr lvl="1"/>
+            <a:endParaRPr lang="en-US" dirty="0" smtClean="0"/>
           </a:p>
           <a:p>
             <a:endParaRPr lang="en-US" dirty="0" smtClean="0"/>
@@ -15350,7 +15677,7 @@
           <p:nvPr/>
         </p:nvPicPr>
         <p:blipFill>
-          <a:blip r:embed="rId6"/>
+          <a:blip r:embed="rId8"/>
           <a:stretch>
             <a:fillRect/>
           </a:stretch>
@@ -15385,7 +15712,7 @@
 </p:sld>
 </file>
 
-<file path=ppt/slides/slide13.xml><?xml version="1.0" encoding="utf-8"?>
+<file path=ppt/slides/slide14.xml><?xml version="1.0" encoding="utf-8"?>
 <p:sld xmlns:a="http://schemas.openxmlformats.org/drawingml/2006/main" xmlns:r="http://schemas.openxmlformats.org/officeDocument/2006/relationships" xmlns:p="http://schemas.openxmlformats.org/presentationml/2006/main">
   <p:cSld>
     <p:spTree>
@@ -15498,7 +15825,7 @@
           <a:p>
             <a:r>
               <a:rPr lang="en-US" dirty="0" smtClean="0"/>
-              <a:t>Outline	</a:t>
+              <a:t>About</a:t>
             </a:r>
             <a:endParaRPr lang="en-US" dirty="0"/>
           </a:p>
@@ -15519,41 +15846,127 @@
           <a:bodyPr/>
           <a:lstStyle/>
           <a:p>
+            <a:endParaRPr lang="en-US" dirty="0" smtClean="0"/>
+          </a:p>
+          <a:p>
+            <a:endParaRPr lang="en-US" dirty="0"/>
+          </a:p>
+        </p:txBody>
+      </p:sp>
+      <p:pic>
+        <p:nvPicPr>
+          <p:cNvPr id="3074" name="Picture 2" descr="https://lh3.googleusercontent.com/a/AEdFTp5CHDVPqJttCByYoSfqlIhdxy5QEQqtGcPnppiUiA=s80-p"/>
+          <p:cNvPicPr>
+            <a:picLocks noChangeAspect="1" noChangeArrowheads="1"/>
+          </p:cNvPicPr>
+          <p:nvPr/>
+        </p:nvPicPr>
+        <p:blipFill>
+          <a:blip r:embed="rId3">
+            <a:extLst>
+              <a:ext uri="{28A0092B-C50C-407E-A947-70E740481C1C}">
+                <a14:useLocalDpi xmlns:a14="http://schemas.microsoft.com/office/drawing/2010/main" val="0"/>
+              </a:ext>
+            </a:extLst>
+          </a:blip>
+          <a:srcRect/>
+          <a:stretch>
+            <a:fillRect/>
+          </a:stretch>
+        </p:blipFill>
+        <p:spPr bwMode="auto">
+          <a:xfrm>
+            <a:off x="9713417" y="2603500"/>
+            <a:ext cx="1569811" cy="1569811"/>
+          </a:xfrm>
+          <a:prstGeom prst="rect">
+            <a:avLst/>
+          </a:prstGeom>
+          <a:noFill/>
+          <a:extLst>
+            <a:ext uri="{909E8E84-426E-40DD-AFC4-6F175D3DCCD1}">
+              <a14:hiddenFill xmlns:a14="http://schemas.microsoft.com/office/drawing/2010/main">
+                <a:solidFill>
+                  <a:srgbClr val="FFFFFF"/>
+                </a:solidFill>
+              </a14:hiddenFill>
+            </a:ext>
+          </a:extLst>
+        </p:spPr>
+      </p:pic>
+      <p:sp>
+        <p:nvSpPr>
+          <p:cNvPr id="4" name="TextBox 3"/>
+          <p:cNvSpPr txBox="1"/>
+          <p:nvPr/>
+        </p:nvSpPr>
+        <p:spPr>
+          <a:xfrm>
+            <a:off x="637244" y="2701591"/>
+            <a:ext cx="5859296" cy="2862322"/>
+          </a:xfrm>
+          <a:prstGeom prst="rect">
+            <a:avLst/>
+          </a:prstGeom>
+          <a:noFill/>
+        </p:spPr>
+        <p:txBody>
+          <a:bodyPr wrap="none" rtlCol="0">
+            <a:spAutoFit/>
+          </a:bodyPr>
+          <a:lstStyle/>
+          <a:p>
             <a:r>
               <a:rPr lang="en-US" dirty="0" smtClean="0"/>
-              <a:t>Introduction</a:t>
-            </a:r>
+              <a:t>Dequan Er, Ph.D.</a:t>
+            </a:r>
+          </a:p>
+          <a:p>
+            <a:endParaRPr lang="en-US" dirty="0"/>
+          </a:p>
+          <a:p>
+            <a:endParaRPr lang="en-US" dirty="0" smtClean="0"/>
+          </a:p>
+          <a:p>
+            <a:endParaRPr lang="en-US" dirty="0"/>
           </a:p>
           <a:p>
             <a:r>
               <a:rPr lang="en-US" dirty="0" smtClean="0"/>
-              <a:t>Model architecture</a:t>
-            </a:r>
-          </a:p>
-          <a:p>
-            <a:r>
-              <a:rPr lang="en-US" dirty="0"/>
-              <a:t>R</a:t>
-            </a:r>
+              <a:t>Lead Data Scientist @ NDR</a:t>
+            </a:r>
+          </a:p>
+          <a:p>
+            <a:endParaRPr lang="en-US" dirty="0" smtClean="0"/>
+          </a:p>
+          <a:p>
+            <a:r>
+              <a:rPr lang="en-US" dirty="0" smtClean="0">
+                <a:hlinkClick r:id="rId4"/>
+              </a:rPr>
+              <a:t>erdeq.upenn@gmail.com</a:t>
+            </a:r>
+            <a:endParaRPr lang="en-US" dirty="0" smtClean="0"/>
+          </a:p>
+          <a:p>
             <a:r>
               <a:rPr lang="en-US" dirty="0" smtClean="0"/>
-              <a:t>esult</a:t>
-            </a:r>
-          </a:p>
-          <a:p>
-            <a:r>
-              <a:rPr lang="en-US" dirty="0" smtClean="0"/>
-              <a:t>Derived models </a:t>
-            </a:r>
-            <a:endParaRPr lang="en-US" dirty="0" smtClean="0"/>
-          </a:p>
-          <a:p>
-            <a:r>
-              <a:rPr lang="en-US" dirty="0" smtClean="0"/>
-              <a:t>Applications</a:t>
-            </a:r>
-          </a:p>
-          <a:p>
+              <a:t>LinkedIn: </a:t>
+            </a:r>
+          </a:p>
+          <a:p>
+            <a:r>
+              <a:rPr lang="en-US" dirty="0">
+                <a:hlinkClick r:id="rId5"/>
+              </a:rPr>
+              <a:t>https://www.linkedin.com/in/dequan-er-69518643</a:t>
+            </a:r>
+            <a:r>
+              <a:rPr lang="en-US" dirty="0" smtClean="0">
+                <a:hlinkClick r:id="rId5"/>
+              </a:rPr>
+              <a:t>/</a:t>
+            </a:r>
             <a:endParaRPr lang="en-US" dirty="0" smtClean="0"/>
           </a:p>
           <a:p>
@@ -15564,7 +15977,7 @@
     </p:spTree>
     <p:extLst>
       <p:ext uri="{BB962C8B-B14F-4D97-AF65-F5344CB8AC3E}">
-        <p14:creationId xmlns:p14="http://schemas.microsoft.com/office/powerpoint/2010/main" val="3703842574"/>
+        <p14:creationId xmlns:p14="http://schemas.microsoft.com/office/powerpoint/2010/main" val="1109569968"/>
       </p:ext>
     </p:extLst>
   </p:cSld>
@@ -15615,7 +16028,7 @@
           <a:p>
             <a:r>
               <a:rPr lang="en-US" dirty="0" smtClean="0"/>
-              <a:t>Introduction	</a:t>
+              <a:t>Outline	</a:t>
             </a:r>
             <a:endParaRPr lang="en-US" dirty="0"/>
           </a:p>
@@ -15633,6 +16046,128 @@
         </p:nvSpPr>
         <p:spPr/>
         <p:txBody>
+          <a:bodyPr/>
+          <a:lstStyle/>
+          <a:p>
+            <a:r>
+              <a:rPr lang="en-US" dirty="0" smtClean="0"/>
+              <a:t>Introduction</a:t>
+            </a:r>
+          </a:p>
+          <a:p>
+            <a:r>
+              <a:rPr lang="en-US" dirty="0" smtClean="0"/>
+              <a:t>Model architecture</a:t>
+            </a:r>
+          </a:p>
+          <a:p>
+            <a:r>
+              <a:rPr lang="en-US" dirty="0"/>
+              <a:t>R</a:t>
+            </a:r>
+            <a:r>
+              <a:rPr lang="en-US" dirty="0" smtClean="0"/>
+              <a:t>esult</a:t>
+            </a:r>
+          </a:p>
+          <a:p>
+            <a:r>
+              <a:rPr lang="en-US" dirty="0" smtClean="0"/>
+              <a:t>Derived models </a:t>
+            </a:r>
+            <a:endParaRPr lang="en-US" dirty="0" smtClean="0"/>
+          </a:p>
+          <a:p>
+            <a:r>
+              <a:rPr lang="en-US" dirty="0" smtClean="0"/>
+              <a:t>Applications</a:t>
+            </a:r>
+          </a:p>
+          <a:p>
+            <a:endParaRPr lang="en-US" dirty="0" smtClean="0"/>
+          </a:p>
+          <a:p>
+            <a:endParaRPr lang="en-US" dirty="0"/>
+          </a:p>
+        </p:txBody>
+      </p:sp>
+    </p:spTree>
+    <p:extLst>
+      <p:ext uri="{BB962C8B-B14F-4D97-AF65-F5344CB8AC3E}">
+        <p14:creationId xmlns:p14="http://schemas.microsoft.com/office/powerpoint/2010/main" val="3703842574"/>
+      </p:ext>
+    </p:extLst>
+  </p:cSld>
+  <p:clrMapOvr>
+    <a:masterClrMapping/>
+  </p:clrMapOvr>
+  <p:timing>
+    <p:tnLst>
+      <p:par>
+        <p:cTn id="1" dur="indefinite" restart="never" nodeType="tmRoot"/>
+      </p:par>
+    </p:tnLst>
+  </p:timing>
+</p:sld>
+</file>
+
+<file path=ppt/slides/slide4.xml><?xml version="1.0" encoding="utf-8"?>
+<p:sld xmlns:a="http://schemas.openxmlformats.org/drawingml/2006/main" xmlns:r="http://schemas.openxmlformats.org/officeDocument/2006/relationships" xmlns:p="http://schemas.openxmlformats.org/presentationml/2006/main">
+  <p:cSld>
+    <p:spTree>
+      <p:nvGrpSpPr>
+        <p:cNvPr id="1" name=""/>
+        <p:cNvGrpSpPr/>
+        <p:nvPr/>
+      </p:nvGrpSpPr>
+      <p:grpSpPr>
+        <a:xfrm>
+          <a:off x="0" y="0"/>
+          <a:ext cx="0" cy="0"/>
+          <a:chOff x="0" y="0"/>
+          <a:chExt cx="0" cy="0"/>
+        </a:xfrm>
+      </p:grpSpPr>
+      <p:sp>
+        <p:nvSpPr>
+          <p:cNvPr id="2" name="Title 1"/>
+          <p:cNvSpPr>
+            <a:spLocks noGrp="1"/>
+          </p:cNvSpPr>
+          <p:nvPr>
+            <p:ph type="title"/>
+          </p:nvPr>
+        </p:nvSpPr>
+        <p:spPr/>
+        <p:txBody>
+          <a:bodyPr/>
+          <a:lstStyle/>
+          <a:p>
+            <a:r>
+              <a:rPr lang="en-US" dirty="0" smtClean="0"/>
+              <a:t>Introduction	</a:t>
+            </a:r>
+            <a:endParaRPr lang="en-US" dirty="0"/>
+          </a:p>
+        </p:txBody>
+      </p:sp>
+      <p:sp>
+        <p:nvSpPr>
+          <p:cNvPr id="3" name="Content Placeholder 2"/>
+          <p:cNvSpPr>
+            <a:spLocks noGrp="1"/>
+          </p:cNvSpPr>
+          <p:nvPr>
+            <p:ph idx="1"/>
+          </p:nvPr>
+        </p:nvSpPr>
+        <p:spPr>
+          <a:xfrm>
+            <a:off x="1154954" y="2309740"/>
+            <a:ext cx="6145498" cy="3708810"/>
+          </a:xfrm>
+        </p:spPr>
+        <p:txBody>
           <a:bodyPr>
             <a:noAutofit/>
           </a:bodyPr>
@@ -15648,19 +16183,28 @@
             <a:pPr lvl="1"/>
             <a:r>
               <a:rPr lang="en-US" sz="1000" dirty="0" smtClean="0"/>
-              <a:t>From NLP problem</a:t>
+              <a:t>From NLP(Nature Language Processing) problem</a:t>
             </a:r>
           </a:p>
           <a:p>
             <a:pPr lvl="1"/>
             <a:r>
               <a:rPr lang="en-US" sz="1000" dirty="0" smtClean="0"/>
-              <a:t>RNN</a:t>
+              <a:t>RNN (Recurrent Neural Network), LSTM (l</a:t>
             </a:r>
             <a:r>
               <a:rPr lang="en-US" sz="1000" dirty="0" smtClean="0"/>
-              <a:t>, LSTM, GRU</a:t>
-            </a:r>
+              <a:t>ong </a:t>
+            </a:r>
+            <a:r>
+              <a:rPr lang="en-US" sz="1000" dirty="0"/>
+              <a:t>short-term memory networks</a:t>
+            </a:r>
+            <a:r>
+              <a:rPr lang="en-US" sz="1000" dirty="0" smtClean="0"/>
+              <a:t>), GRU (Gated Recurrent Unit)</a:t>
+            </a:r>
+            <a:endParaRPr lang="en-US" sz="1000" dirty="0" smtClean="0"/>
           </a:p>
           <a:p>
             <a:pPr lvl="1"/>
@@ -15756,7 +16300,63 @@
             <a:pPr lvl="1"/>
             <a:r>
               <a:rPr lang="en-US" sz="1000" dirty="0" smtClean="0"/>
-              <a:t>BERT (2018), GPT3 (2020) </a:t>
+              <a:t>BERT (</a:t>
+            </a:r>
+            <a:r>
+              <a:rPr lang="en-US" sz="1000" dirty="0" smtClean="0">
+                <a:solidFill>
+                  <a:schemeClr val="tx1"/>
+                </a:solidFill>
+              </a:rPr>
+              <a:t>Bidirectional Encoder Representations from Transformers </a:t>
+            </a:r>
+            <a:r>
+              <a:rPr lang="en-US" sz="1000" dirty="0" smtClean="0"/>
+              <a:t>2018</a:t>
+            </a:r>
+            <a:r>
+              <a:rPr lang="en-US" sz="1000" dirty="0"/>
+              <a:t>) </a:t>
+            </a:r>
+            <a:r>
+              <a:rPr lang="en-US" sz="1000" dirty="0">
+                <a:hlinkClick r:id="rId3"/>
+              </a:rPr>
+              <a:t>https://</a:t>
+            </a:r>
+            <a:r>
+              <a:rPr lang="en-US" sz="1000" dirty="0" smtClean="0">
+                <a:hlinkClick r:id="rId3"/>
+              </a:rPr>
+              <a:t>arxiv.org/abs/1810.04805</a:t>
+            </a:r>
+            <a:endParaRPr lang="en-US" sz="1000" dirty="0" smtClean="0"/>
+          </a:p>
+          <a:p>
+            <a:pPr lvl="1"/>
+            <a:r>
+              <a:rPr lang="en-US" sz="1000" dirty="0" smtClean="0"/>
+              <a:t> GPT3 (</a:t>
+            </a:r>
+            <a:r>
+              <a:rPr lang="en-US" sz="1000" dirty="0">
+                <a:solidFill>
+                  <a:schemeClr val="tx1"/>
+                </a:solidFill>
+              </a:rPr>
+              <a:t>Generative Pre-trained </a:t>
+            </a:r>
+            <a:r>
+              <a:rPr lang="en-US" sz="1000" dirty="0" smtClean="0">
+                <a:solidFill>
+                  <a:schemeClr val="tx1"/>
+                </a:solidFill>
+              </a:rPr>
+              <a:t>Transformer </a:t>
+            </a:r>
+            <a:r>
+              <a:rPr lang="en-US" sz="1000" dirty="0" smtClean="0"/>
+              <a:t>2020) </a:t>
             </a:r>
           </a:p>
           <a:p>
@@ -15766,12 +16366,21 @@
               <a:t>ChatGPT</a:t>
             </a:r>
             <a:r>
-              <a:rPr lang="en-US" sz="1000" dirty="0" smtClean="0"/>
-              <a:t>(2022)</a:t>
-            </a:r>
-          </a:p>
-          <a:p>
-            <a:pPr lvl="1"/>
+              <a:rPr lang="en-US" sz="1000" dirty="0"/>
+              <a:t>(2022) </a:t>
+            </a:r>
+            <a:r>
+              <a:rPr lang="en-US" sz="1000" dirty="0">
+                <a:hlinkClick r:id="rId4"/>
+              </a:rPr>
+              <a:t>https://openai.com/blog/chatgpt</a:t>
+            </a:r>
+            <a:r>
+              <a:rPr lang="en-US" sz="1000" dirty="0" smtClean="0">
+                <a:hlinkClick r:id="rId4"/>
+              </a:rPr>
+              <a:t>/</a:t>
+            </a:r>
             <a:endParaRPr lang="en-US" sz="1000" dirty="0"/>
           </a:p>
           <a:p>
@@ -15792,7 +16401,7 @@
           <p:nvPr/>
         </p:nvPicPr>
         <p:blipFill>
-          <a:blip r:embed="rId3" cstate="print">
+          <a:blip r:embed="rId5" cstate="print">
             <a:extLst>
               <a:ext uri="{28A0092B-C50C-407E-A947-70E740481C1C}">
                 <a14:useLocalDpi xmlns:a14="http://schemas.microsoft.com/office/drawing/2010/main" val="0"/>
@@ -15806,7 +16415,7 @@
         </p:blipFill>
         <p:spPr bwMode="auto">
           <a:xfrm>
-            <a:off x="7010399" y="3272665"/>
+            <a:off x="7128387" y="2587092"/>
             <a:ext cx="4869089" cy="3432708"/>
           </a:xfrm>
           <a:prstGeom prst="rect">
@@ -15844,7 +16453,7 @@
 </p:sld>
 </file>
 
-<file path=ppt/slides/slide4.xml><?xml version="1.0" encoding="utf-8"?>
+<file path=ppt/slides/slide5.xml><?xml version="1.0" encoding="utf-8"?>
 <p:sld xmlns:a="http://schemas.openxmlformats.org/drawingml/2006/main" xmlns:r="http://schemas.openxmlformats.org/officeDocument/2006/relationships" xmlns:p="http://schemas.openxmlformats.org/presentationml/2006/main">
   <p:cSld>
     <p:spTree>
@@ -15961,6 +16570,36 @@
           </a:extLst>
         </p:spPr>
       </p:pic>
+      <p:sp>
+        <p:nvSpPr>
+          <p:cNvPr id="8" name="TextBox 7"/>
+          <p:cNvSpPr txBox="1"/>
+          <p:nvPr/>
+        </p:nvSpPr>
+        <p:spPr>
+          <a:xfrm>
+            <a:off x="8023123" y="3097161"/>
+            <a:ext cx="3060290" cy="923330"/>
+          </a:xfrm>
+          <a:prstGeom prst="rect">
+            <a:avLst/>
+          </a:prstGeom>
+          <a:noFill/>
+        </p:spPr>
+        <p:txBody>
+          <a:bodyPr wrap="square" rtlCol="0">
+            <a:spAutoFit/>
+          </a:bodyPr>
+          <a:lstStyle/>
+          <a:p>
+            <a:r>
+              <a:rPr lang="en-US" dirty="0" smtClean="0"/>
+              <a:t>Encoding-decoding architecture is the basic of transformers  </a:t>
+            </a:r>
+            <a:endParaRPr lang="en-US" dirty="0"/>
+          </a:p>
+        </p:txBody>
+      </p:sp>
     </p:spTree>
     <p:extLst>
       <p:ext uri="{BB962C8B-B14F-4D97-AF65-F5344CB8AC3E}">
@@ -15981,7 +16620,7 @@
 </p:sld>
 </file>
 
-<file path=ppt/slides/slide5.xml><?xml version="1.0" encoding="utf-8"?>
+<file path=ppt/slides/slide6.xml><?xml version="1.0" encoding="utf-8"?>
 <p:sld xmlns:a="http://schemas.openxmlformats.org/drawingml/2006/main" xmlns:r="http://schemas.openxmlformats.org/officeDocument/2006/relationships" xmlns:p="http://schemas.openxmlformats.org/presentationml/2006/main">
   <p:cSld>
     <p:spTree>
@@ -16085,25 +16724,6 @@
       </p:sp>
       <p:sp>
         <p:nvSpPr>
-          <p:cNvPr id="9" name="Content Placeholder 8"/>
-          <p:cNvSpPr>
-            <a:spLocks noGrp="1"/>
-          </p:cNvSpPr>
-          <p:nvPr>
-            <p:ph idx="1"/>
-          </p:nvPr>
-        </p:nvSpPr>
-        <p:spPr/>
-        <p:txBody>
-          <a:bodyPr/>
-          <a:lstStyle/>
-          <a:p>
-            <a:endParaRPr lang="en-US"/>
-          </a:p>
-        </p:txBody>
-      </p:sp>
-      <p:sp>
-        <p:nvSpPr>
           <p:cNvPr id="10" name="Title 1"/>
           <p:cNvSpPr>
             <a:spLocks noGrp="1"/>
@@ -16134,422 +16754,6 @@
     <p:extLst>
       <p:ext uri="{BB962C8B-B14F-4D97-AF65-F5344CB8AC3E}">
         <p14:creationId xmlns:p14="http://schemas.microsoft.com/office/powerpoint/2010/main" val="1494677380"/>
-      </p:ext>
-    </p:extLst>
-  </p:cSld>
-  <p:clrMapOvr>
-    <a:masterClrMapping/>
-  </p:clrMapOvr>
-  <p:timing>
-    <p:tnLst>
-      <p:par>
-        <p:cTn id="1" dur="indefinite" restart="never" nodeType="tmRoot"/>
-      </p:par>
-    </p:tnLst>
-  </p:timing>
-</p:sld>
-</file>
-
-<file path=ppt/slides/slide6.xml><?xml version="1.0" encoding="utf-8"?>
-<p:sld xmlns:a="http://schemas.openxmlformats.org/drawingml/2006/main" xmlns:r="http://schemas.openxmlformats.org/officeDocument/2006/relationships" xmlns:p="http://schemas.openxmlformats.org/presentationml/2006/main">
-  <p:cSld>
-    <p:spTree>
-      <p:nvGrpSpPr>
-        <p:cNvPr id="1" name=""/>
-        <p:cNvGrpSpPr/>
-        <p:nvPr/>
-      </p:nvGrpSpPr>
-      <p:grpSpPr>
-        <a:xfrm>
-          <a:off x="0" y="0"/>
-          <a:ext cx="0" cy="0"/>
-          <a:chOff x="0" y="0"/>
-          <a:chExt cx="0" cy="0"/>
-        </a:xfrm>
-      </p:grpSpPr>
-      <p:sp>
-        <p:nvSpPr>
-          <p:cNvPr id="2" name="Title 1"/>
-          <p:cNvSpPr>
-            <a:spLocks noGrp="1"/>
-          </p:cNvSpPr>
-          <p:nvPr>
-            <p:ph type="title"/>
-          </p:nvPr>
-        </p:nvSpPr>
-        <p:spPr/>
-        <p:txBody>
-          <a:bodyPr/>
-          <a:lstStyle/>
-          <a:p>
-            <a:r>
-              <a:rPr lang="en-US" dirty="0"/>
-              <a:t>Model Architecture</a:t>
-            </a:r>
-            <a:endParaRPr lang="en-US" dirty="0"/>
-          </a:p>
-        </p:txBody>
-      </p:sp>
-      <p:sp>
-        <p:nvSpPr>
-          <p:cNvPr id="3" name="Content Placeholder 2"/>
-          <p:cNvSpPr>
-            <a:spLocks noGrp="1"/>
-          </p:cNvSpPr>
-          <p:nvPr>
-            <p:ph idx="1"/>
-          </p:nvPr>
-        </p:nvSpPr>
-        <p:spPr/>
-        <p:txBody>
-          <a:bodyPr/>
-          <a:lstStyle/>
-          <a:p>
-            <a:r>
-              <a:rPr lang="en-US" dirty="0" smtClean="0"/>
-              <a:t>Attention layer: </a:t>
-            </a:r>
-            <a:r>
-              <a:rPr lang="en-US" dirty="0" smtClean="0"/>
-              <a:t>mapping a query and a set of key-value pairs to an output in vector form. </a:t>
-            </a:r>
-          </a:p>
-          <a:p>
-            <a:endParaRPr lang="en-US" dirty="0" smtClean="0"/>
-          </a:p>
-          <a:p>
-            <a:endParaRPr lang="en-US" dirty="0"/>
-          </a:p>
-        </p:txBody>
-      </p:sp>
-      <p:sp>
-        <p:nvSpPr>
-          <p:cNvPr id="5" name="Oval 4"/>
-          <p:cNvSpPr/>
-          <p:nvPr/>
-        </p:nvSpPr>
-        <p:spPr>
-          <a:xfrm>
-            <a:off x="1576137" y="4186989"/>
-            <a:ext cx="300789" cy="300789"/>
-          </a:xfrm>
-          <a:prstGeom prst="ellipse">
-            <a:avLst/>
-          </a:prstGeom>
-        </p:spPr>
-        <p:style>
-          <a:lnRef idx="2">
-            <a:schemeClr val="accent1">
-              <a:shade val="50000"/>
-            </a:schemeClr>
-          </a:lnRef>
-          <a:fillRef idx="1">
-            <a:schemeClr val="accent1"/>
-          </a:fillRef>
-          <a:effectRef idx="0">
-            <a:schemeClr val="accent1"/>
-          </a:effectRef>
-          <a:fontRef idx="minor">
-            <a:schemeClr val="lt1"/>
-          </a:fontRef>
-        </p:style>
-        <p:txBody>
-          <a:bodyPr rtlCol="0" anchor="ctr"/>
-          <a:lstStyle/>
-          <a:p>
-            <a:pPr algn="ctr"/>
-            <a:endParaRPr lang="en-US"/>
-          </a:p>
-        </p:txBody>
-      </p:sp>
-      <p:sp>
-        <p:nvSpPr>
-          <p:cNvPr id="6" name="Oval 5"/>
-          <p:cNvSpPr/>
-          <p:nvPr/>
-        </p:nvSpPr>
-        <p:spPr>
-          <a:xfrm>
-            <a:off x="2474495" y="4186988"/>
-            <a:ext cx="300789" cy="300789"/>
-          </a:xfrm>
-          <a:prstGeom prst="ellipse">
-            <a:avLst/>
-          </a:prstGeom>
-        </p:spPr>
-        <p:style>
-          <a:lnRef idx="2">
-            <a:schemeClr val="accent1">
-              <a:shade val="50000"/>
-            </a:schemeClr>
-          </a:lnRef>
-          <a:fillRef idx="1">
-            <a:schemeClr val="accent1"/>
-          </a:fillRef>
-          <a:effectRef idx="0">
-            <a:schemeClr val="accent1"/>
-          </a:effectRef>
-          <a:fontRef idx="minor">
-            <a:schemeClr val="lt1"/>
-          </a:fontRef>
-        </p:style>
-        <p:txBody>
-          <a:bodyPr rtlCol="0" anchor="ctr"/>
-          <a:lstStyle/>
-          <a:p>
-            <a:pPr algn="ctr"/>
-            <a:endParaRPr lang="en-US"/>
-          </a:p>
-        </p:txBody>
-      </p:sp>
-      <p:sp>
-        <p:nvSpPr>
-          <p:cNvPr id="7" name="Oval 6"/>
-          <p:cNvSpPr/>
-          <p:nvPr/>
-        </p:nvSpPr>
-        <p:spPr>
-          <a:xfrm>
-            <a:off x="3372853" y="4186988"/>
-            <a:ext cx="300789" cy="300789"/>
-          </a:xfrm>
-          <a:prstGeom prst="ellipse">
-            <a:avLst/>
-          </a:prstGeom>
-        </p:spPr>
-        <p:style>
-          <a:lnRef idx="2">
-            <a:schemeClr val="accent1">
-              <a:shade val="50000"/>
-            </a:schemeClr>
-          </a:lnRef>
-          <a:fillRef idx="1">
-            <a:schemeClr val="accent1"/>
-          </a:fillRef>
-          <a:effectRef idx="0">
-            <a:schemeClr val="accent1"/>
-          </a:effectRef>
-          <a:fontRef idx="minor">
-            <a:schemeClr val="lt1"/>
-          </a:fontRef>
-        </p:style>
-        <p:txBody>
-          <a:bodyPr rtlCol="0" anchor="ctr"/>
-          <a:lstStyle/>
-          <a:p>
-            <a:pPr algn="ctr"/>
-            <a:endParaRPr lang="en-US"/>
-          </a:p>
-        </p:txBody>
-      </p:sp>
-      <p:sp>
-        <p:nvSpPr>
-          <p:cNvPr id="8" name="Oval 7"/>
-          <p:cNvSpPr/>
-          <p:nvPr/>
-        </p:nvSpPr>
-        <p:spPr>
-          <a:xfrm>
-            <a:off x="1576137" y="5181975"/>
-            <a:ext cx="300789" cy="300789"/>
-          </a:xfrm>
-          <a:prstGeom prst="ellipse">
-            <a:avLst/>
-          </a:prstGeom>
-        </p:spPr>
-        <p:style>
-          <a:lnRef idx="3">
-            <a:schemeClr val="lt1"/>
-          </a:lnRef>
-          <a:fillRef idx="1">
-            <a:schemeClr val="accent2"/>
-          </a:fillRef>
-          <a:effectRef idx="1">
-            <a:schemeClr val="accent2"/>
-          </a:effectRef>
-          <a:fontRef idx="minor">
-            <a:schemeClr val="lt1"/>
-          </a:fontRef>
-        </p:style>
-        <p:txBody>
-          <a:bodyPr rtlCol="0" anchor="ctr"/>
-          <a:lstStyle/>
-          <a:p>
-            <a:pPr algn="ctr"/>
-            <a:endParaRPr lang="en-US"/>
-          </a:p>
-        </p:txBody>
-      </p:sp>
-      <p:sp>
-        <p:nvSpPr>
-          <p:cNvPr id="9" name="Oval 8"/>
-          <p:cNvSpPr/>
-          <p:nvPr/>
-        </p:nvSpPr>
-        <p:spPr>
-          <a:xfrm>
-            <a:off x="2474495" y="5181974"/>
-            <a:ext cx="300789" cy="300789"/>
-          </a:xfrm>
-          <a:prstGeom prst="ellipse">
-            <a:avLst/>
-          </a:prstGeom>
-        </p:spPr>
-        <p:style>
-          <a:lnRef idx="3">
-            <a:schemeClr val="lt1"/>
-          </a:lnRef>
-          <a:fillRef idx="1">
-            <a:schemeClr val="accent2"/>
-          </a:fillRef>
-          <a:effectRef idx="1">
-            <a:schemeClr val="accent2"/>
-          </a:effectRef>
-          <a:fontRef idx="minor">
-            <a:schemeClr val="lt1"/>
-          </a:fontRef>
-        </p:style>
-        <p:txBody>
-          <a:bodyPr rtlCol="0" anchor="ctr"/>
-          <a:lstStyle/>
-          <a:p>
-            <a:pPr algn="ctr"/>
-            <a:endParaRPr lang="en-US"/>
-          </a:p>
-        </p:txBody>
-      </p:sp>
-      <p:sp>
-        <p:nvSpPr>
-          <p:cNvPr id="10" name="Oval 9"/>
-          <p:cNvSpPr/>
-          <p:nvPr/>
-        </p:nvSpPr>
-        <p:spPr>
-          <a:xfrm>
-            <a:off x="3372852" y="5181974"/>
-            <a:ext cx="300789" cy="300789"/>
-          </a:xfrm>
-          <a:prstGeom prst="ellipse">
-            <a:avLst/>
-          </a:prstGeom>
-        </p:spPr>
-        <p:style>
-          <a:lnRef idx="3">
-            <a:schemeClr val="lt1"/>
-          </a:lnRef>
-          <a:fillRef idx="1">
-            <a:schemeClr val="accent2"/>
-          </a:fillRef>
-          <a:effectRef idx="1">
-            <a:schemeClr val="accent2"/>
-          </a:effectRef>
-          <a:fontRef idx="minor">
-            <a:schemeClr val="lt1"/>
-          </a:fontRef>
-        </p:style>
-        <p:txBody>
-          <a:bodyPr rtlCol="0" anchor="ctr"/>
-          <a:lstStyle/>
-          <a:p>
-            <a:pPr algn="ctr"/>
-            <a:endParaRPr lang="en-US"/>
-          </a:p>
-        </p:txBody>
-      </p:sp>
-      <p:sp>
-        <p:nvSpPr>
-          <p:cNvPr id="4" name="TextBox 3"/>
-          <p:cNvSpPr txBox="1"/>
-          <p:nvPr/>
-        </p:nvSpPr>
-        <p:spPr>
-          <a:xfrm>
-            <a:off x="4411579" y="4152716"/>
-            <a:ext cx="316112" cy="369332"/>
-          </a:xfrm>
-          <a:prstGeom prst="rect">
-            <a:avLst/>
-          </a:prstGeom>
-          <a:noFill/>
-        </p:spPr>
-        <p:txBody>
-          <a:bodyPr wrap="none" rtlCol="0">
-            <a:spAutoFit/>
-          </a:bodyPr>
-          <a:lstStyle/>
-          <a:p>
-            <a:r>
-              <a:rPr lang="en-US" dirty="0" smtClean="0"/>
-              <a:t>V</a:t>
-            </a:r>
-            <a:endParaRPr lang="en-US" dirty="0"/>
-          </a:p>
-        </p:txBody>
-      </p:sp>
-      <p:sp>
-        <p:nvSpPr>
-          <p:cNvPr id="11" name="TextBox 10"/>
-          <p:cNvSpPr txBox="1"/>
-          <p:nvPr/>
-        </p:nvSpPr>
-        <p:spPr>
-          <a:xfrm>
-            <a:off x="4411579" y="5181974"/>
-            <a:ext cx="288862" cy="369332"/>
-          </a:xfrm>
-          <a:prstGeom prst="rect">
-            <a:avLst/>
-          </a:prstGeom>
-          <a:noFill/>
-        </p:spPr>
-        <p:txBody>
-          <a:bodyPr wrap="none" rtlCol="0">
-            <a:spAutoFit/>
-          </a:bodyPr>
-          <a:lstStyle/>
-          <a:p>
-            <a:r>
-              <a:rPr lang="en-US" dirty="0" smtClean="0"/>
-              <a:t>k</a:t>
-            </a:r>
-            <a:endParaRPr lang="en-US" dirty="0"/>
-          </a:p>
-        </p:txBody>
-      </p:sp>
-      <p:sp>
-        <p:nvSpPr>
-          <p:cNvPr id="12" name="TextBox 11"/>
-          <p:cNvSpPr txBox="1"/>
-          <p:nvPr/>
-        </p:nvSpPr>
-        <p:spPr>
-          <a:xfrm>
-            <a:off x="3056740" y="3375476"/>
-            <a:ext cx="340158" cy="369332"/>
-          </a:xfrm>
-          <a:prstGeom prst="rect">
-            <a:avLst/>
-          </a:prstGeom>
-          <a:noFill/>
-        </p:spPr>
-        <p:txBody>
-          <a:bodyPr wrap="none" rtlCol="0">
-            <a:spAutoFit/>
-          </a:bodyPr>
-          <a:lstStyle/>
-          <a:p>
-            <a:r>
-              <a:rPr lang="en-US" dirty="0" smtClean="0"/>
-              <a:t>Q</a:t>
-            </a:r>
-            <a:endParaRPr lang="en-US" dirty="0"/>
-          </a:p>
-        </p:txBody>
-      </p:sp>
-    </p:spTree>
-    <p:extLst>
-      <p:ext uri="{BB962C8B-B14F-4D97-AF65-F5344CB8AC3E}">
-        <p14:creationId xmlns:p14="http://schemas.microsoft.com/office/powerpoint/2010/main" val="1080596209"/>
       </p:ext>
     </p:extLst>
   </p:cSld>
@@ -16623,6 +16827,749 @@
           <a:p>
             <a:r>
               <a:rPr lang="en-US" dirty="0" smtClean="0"/>
+              <a:t>Attention layer: </a:t>
+            </a:r>
+            <a:r>
+              <a:rPr lang="en-US" dirty="0" smtClean="0"/>
+              <a:t>mapping a query and a set of key-value pairs to an output in vector form. </a:t>
+            </a:r>
+            <a:r>
+              <a:rPr lang="en-US" dirty="0" smtClean="0"/>
+              <a:t>{Q,K,V}</a:t>
+            </a:r>
+            <a:endParaRPr lang="en-US" dirty="0" smtClean="0"/>
+          </a:p>
+          <a:p>
+            <a:endParaRPr lang="en-US" dirty="0" smtClean="0"/>
+          </a:p>
+          <a:p>
+            <a:endParaRPr lang="en-US" dirty="0"/>
+          </a:p>
+        </p:txBody>
+      </p:sp>
+      <p:sp>
+        <p:nvSpPr>
+          <p:cNvPr id="5" name="Oval 4"/>
+          <p:cNvSpPr/>
+          <p:nvPr/>
+        </p:nvSpPr>
+        <p:spPr>
+          <a:xfrm>
+            <a:off x="1576137" y="4186989"/>
+            <a:ext cx="300789" cy="300789"/>
+          </a:xfrm>
+          <a:prstGeom prst="ellipse">
+            <a:avLst/>
+          </a:prstGeom>
+        </p:spPr>
+        <p:style>
+          <a:lnRef idx="2">
+            <a:schemeClr val="accent1">
+              <a:shade val="50000"/>
+            </a:schemeClr>
+          </a:lnRef>
+          <a:fillRef idx="1">
+            <a:schemeClr val="accent1"/>
+          </a:fillRef>
+          <a:effectRef idx="0">
+            <a:schemeClr val="accent1"/>
+          </a:effectRef>
+          <a:fontRef idx="minor">
+            <a:schemeClr val="lt1"/>
+          </a:fontRef>
+        </p:style>
+        <p:txBody>
+          <a:bodyPr rtlCol="0" anchor="ctr"/>
+          <a:lstStyle/>
+          <a:p>
+            <a:pPr algn="ctr"/>
+            <a:endParaRPr lang="en-US"/>
+          </a:p>
+        </p:txBody>
+      </p:sp>
+      <p:sp>
+        <p:nvSpPr>
+          <p:cNvPr id="6" name="Oval 5"/>
+          <p:cNvSpPr/>
+          <p:nvPr/>
+        </p:nvSpPr>
+        <p:spPr>
+          <a:xfrm>
+            <a:off x="2474495" y="4186988"/>
+            <a:ext cx="300789" cy="300789"/>
+          </a:xfrm>
+          <a:prstGeom prst="ellipse">
+            <a:avLst/>
+          </a:prstGeom>
+        </p:spPr>
+        <p:style>
+          <a:lnRef idx="2">
+            <a:schemeClr val="accent1">
+              <a:shade val="50000"/>
+            </a:schemeClr>
+          </a:lnRef>
+          <a:fillRef idx="1">
+            <a:schemeClr val="accent1"/>
+          </a:fillRef>
+          <a:effectRef idx="0">
+            <a:schemeClr val="accent1"/>
+          </a:effectRef>
+          <a:fontRef idx="minor">
+            <a:schemeClr val="lt1"/>
+          </a:fontRef>
+        </p:style>
+        <p:txBody>
+          <a:bodyPr rtlCol="0" anchor="ctr"/>
+          <a:lstStyle/>
+          <a:p>
+            <a:pPr algn="ctr"/>
+            <a:endParaRPr lang="en-US"/>
+          </a:p>
+        </p:txBody>
+      </p:sp>
+      <p:sp>
+        <p:nvSpPr>
+          <p:cNvPr id="7" name="Oval 6"/>
+          <p:cNvSpPr/>
+          <p:nvPr/>
+        </p:nvSpPr>
+        <p:spPr>
+          <a:xfrm>
+            <a:off x="3372853" y="4186988"/>
+            <a:ext cx="300789" cy="300789"/>
+          </a:xfrm>
+          <a:prstGeom prst="ellipse">
+            <a:avLst/>
+          </a:prstGeom>
+        </p:spPr>
+        <p:style>
+          <a:lnRef idx="2">
+            <a:schemeClr val="accent1">
+              <a:shade val="50000"/>
+            </a:schemeClr>
+          </a:lnRef>
+          <a:fillRef idx="1">
+            <a:schemeClr val="accent1"/>
+          </a:fillRef>
+          <a:effectRef idx="0">
+            <a:schemeClr val="accent1"/>
+          </a:effectRef>
+          <a:fontRef idx="minor">
+            <a:schemeClr val="lt1"/>
+          </a:fontRef>
+        </p:style>
+        <p:txBody>
+          <a:bodyPr rtlCol="0" anchor="ctr"/>
+          <a:lstStyle/>
+          <a:p>
+            <a:pPr algn="ctr"/>
+            <a:endParaRPr lang="en-US"/>
+          </a:p>
+        </p:txBody>
+      </p:sp>
+      <p:sp>
+        <p:nvSpPr>
+          <p:cNvPr id="8" name="Oval 7"/>
+          <p:cNvSpPr/>
+          <p:nvPr/>
+        </p:nvSpPr>
+        <p:spPr>
+          <a:xfrm>
+            <a:off x="1576137" y="5181975"/>
+            <a:ext cx="300789" cy="300789"/>
+          </a:xfrm>
+          <a:prstGeom prst="ellipse">
+            <a:avLst/>
+          </a:prstGeom>
+        </p:spPr>
+        <p:style>
+          <a:lnRef idx="3">
+            <a:schemeClr val="lt1"/>
+          </a:lnRef>
+          <a:fillRef idx="1">
+            <a:schemeClr val="accent2"/>
+          </a:fillRef>
+          <a:effectRef idx="1">
+            <a:schemeClr val="accent2"/>
+          </a:effectRef>
+          <a:fontRef idx="minor">
+            <a:schemeClr val="lt1"/>
+          </a:fontRef>
+        </p:style>
+        <p:txBody>
+          <a:bodyPr rtlCol="0" anchor="ctr"/>
+          <a:lstStyle/>
+          <a:p>
+            <a:pPr algn="ctr"/>
+            <a:endParaRPr lang="en-US"/>
+          </a:p>
+        </p:txBody>
+      </p:sp>
+      <p:sp>
+        <p:nvSpPr>
+          <p:cNvPr id="9" name="Oval 8"/>
+          <p:cNvSpPr/>
+          <p:nvPr/>
+        </p:nvSpPr>
+        <p:spPr>
+          <a:xfrm>
+            <a:off x="2474495" y="5181974"/>
+            <a:ext cx="300789" cy="300789"/>
+          </a:xfrm>
+          <a:prstGeom prst="ellipse">
+            <a:avLst/>
+          </a:prstGeom>
+        </p:spPr>
+        <p:style>
+          <a:lnRef idx="3">
+            <a:schemeClr val="lt1"/>
+          </a:lnRef>
+          <a:fillRef idx="1">
+            <a:schemeClr val="accent2"/>
+          </a:fillRef>
+          <a:effectRef idx="1">
+            <a:schemeClr val="accent2"/>
+          </a:effectRef>
+          <a:fontRef idx="minor">
+            <a:schemeClr val="lt1"/>
+          </a:fontRef>
+        </p:style>
+        <p:txBody>
+          <a:bodyPr rtlCol="0" anchor="ctr"/>
+          <a:lstStyle/>
+          <a:p>
+            <a:pPr algn="ctr"/>
+            <a:endParaRPr lang="en-US"/>
+          </a:p>
+        </p:txBody>
+      </p:sp>
+      <p:sp>
+        <p:nvSpPr>
+          <p:cNvPr id="10" name="Oval 9"/>
+          <p:cNvSpPr/>
+          <p:nvPr/>
+        </p:nvSpPr>
+        <p:spPr>
+          <a:xfrm>
+            <a:off x="3372852" y="5181974"/>
+            <a:ext cx="300789" cy="300789"/>
+          </a:xfrm>
+          <a:prstGeom prst="ellipse">
+            <a:avLst/>
+          </a:prstGeom>
+        </p:spPr>
+        <p:style>
+          <a:lnRef idx="3">
+            <a:schemeClr val="lt1"/>
+          </a:lnRef>
+          <a:fillRef idx="1">
+            <a:schemeClr val="accent2"/>
+          </a:fillRef>
+          <a:effectRef idx="1">
+            <a:schemeClr val="accent2"/>
+          </a:effectRef>
+          <a:fontRef idx="minor">
+            <a:schemeClr val="lt1"/>
+          </a:fontRef>
+        </p:style>
+        <p:txBody>
+          <a:bodyPr rtlCol="0" anchor="ctr"/>
+          <a:lstStyle/>
+          <a:p>
+            <a:pPr algn="ctr"/>
+            <a:endParaRPr lang="en-US"/>
+          </a:p>
+        </p:txBody>
+      </p:sp>
+      <p:sp>
+        <p:nvSpPr>
+          <p:cNvPr id="4" name="TextBox 3"/>
+          <p:cNvSpPr txBox="1"/>
+          <p:nvPr/>
+        </p:nvSpPr>
+        <p:spPr>
+          <a:xfrm>
+            <a:off x="4411579" y="4152716"/>
+            <a:ext cx="300082" cy="369332"/>
+          </a:xfrm>
+          <a:prstGeom prst="rect">
+            <a:avLst/>
+          </a:prstGeom>
+          <a:noFill/>
+        </p:spPr>
+        <p:txBody>
+          <a:bodyPr wrap="none" rtlCol="0">
+            <a:spAutoFit/>
+          </a:bodyPr>
+          <a:lstStyle/>
+          <a:p>
+            <a:r>
+              <a:rPr lang="en-US" dirty="0" smtClean="0"/>
+              <a:t>k</a:t>
+            </a:r>
+            <a:endParaRPr lang="en-US" dirty="0"/>
+          </a:p>
+        </p:txBody>
+      </p:sp>
+      <p:sp>
+        <p:nvSpPr>
+          <p:cNvPr id="11" name="TextBox 10"/>
+          <p:cNvSpPr txBox="1"/>
+          <p:nvPr/>
+        </p:nvSpPr>
+        <p:spPr>
+          <a:xfrm>
+            <a:off x="4411579" y="5181974"/>
+            <a:ext cx="312906" cy="369332"/>
+          </a:xfrm>
+          <a:prstGeom prst="rect">
+            <a:avLst/>
+          </a:prstGeom>
+          <a:noFill/>
+        </p:spPr>
+        <p:txBody>
+          <a:bodyPr wrap="none" rtlCol="0">
+            <a:spAutoFit/>
+          </a:bodyPr>
+          <a:lstStyle/>
+          <a:p>
+            <a:r>
+              <a:rPr lang="en-US" dirty="0" smtClean="0"/>
+              <a:t>v</a:t>
+            </a:r>
+            <a:endParaRPr lang="en-US" dirty="0"/>
+          </a:p>
+        </p:txBody>
+      </p:sp>
+      <p:sp>
+        <p:nvSpPr>
+          <p:cNvPr id="12" name="TextBox 11"/>
+          <p:cNvSpPr txBox="1"/>
+          <p:nvPr/>
+        </p:nvSpPr>
+        <p:spPr>
+          <a:xfrm>
+            <a:off x="3069262" y="3308463"/>
+            <a:ext cx="470000" cy="369332"/>
+          </a:xfrm>
+          <a:prstGeom prst="rect">
+            <a:avLst/>
+          </a:prstGeom>
+          <a:noFill/>
+        </p:spPr>
+        <p:txBody>
+          <a:bodyPr wrap="none" rtlCol="0">
+            <a:spAutoFit/>
+          </a:bodyPr>
+          <a:lstStyle/>
+          <a:p>
+            <a:r>
+              <a:rPr lang="en-US" dirty="0" smtClean="0"/>
+              <a:t>Q</a:t>
+            </a:r>
+            <a:r>
+              <a:rPr lang="en-US" baseline="30000" dirty="0" smtClean="0"/>
+              <a:t>2</a:t>
+            </a:r>
+            <a:endParaRPr lang="en-US" baseline="30000" dirty="0"/>
+          </a:p>
+        </p:txBody>
+      </p:sp>
+      <p:cxnSp>
+        <p:nvCxnSpPr>
+          <p:cNvPr id="18" name="Straight Connector 17"/>
+          <p:cNvCxnSpPr/>
+          <p:nvPr/>
+        </p:nvCxnSpPr>
+        <p:spPr>
+          <a:xfrm flipV="1">
+            <a:off x="2744295" y="3720574"/>
+            <a:ext cx="439669" cy="411206"/>
+          </a:xfrm>
+          <a:prstGeom prst="line">
+            <a:avLst/>
+          </a:prstGeom>
+          <a:ln w="38100"/>
+        </p:spPr>
+        <p:style>
+          <a:lnRef idx="1">
+            <a:schemeClr val="accent1"/>
+          </a:lnRef>
+          <a:fillRef idx="0">
+            <a:schemeClr val="accent1"/>
+          </a:fillRef>
+          <a:effectRef idx="0">
+            <a:schemeClr val="accent1"/>
+          </a:effectRef>
+          <a:fontRef idx="minor">
+            <a:schemeClr val="tx1"/>
+          </a:fontRef>
+        </p:style>
+      </p:cxnSp>
+      <p:cxnSp>
+        <p:nvCxnSpPr>
+          <p:cNvPr id="20" name="Straight Connector 19"/>
+          <p:cNvCxnSpPr>
+            <a:stCxn id="5" idx="0"/>
+          </p:cNvCxnSpPr>
+          <p:nvPr/>
+        </p:nvCxnSpPr>
+        <p:spPr>
+          <a:xfrm flipV="1">
+            <a:off x="1726532" y="3689988"/>
+            <a:ext cx="1330207" cy="497001"/>
+          </a:xfrm>
+          <a:prstGeom prst="line">
+            <a:avLst/>
+          </a:prstGeom>
+        </p:spPr>
+        <p:style>
+          <a:lnRef idx="1">
+            <a:schemeClr val="accent1"/>
+          </a:lnRef>
+          <a:fillRef idx="0">
+            <a:schemeClr val="accent1"/>
+          </a:fillRef>
+          <a:effectRef idx="0">
+            <a:schemeClr val="accent1"/>
+          </a:effectRef>
+          <a:fontRef idx="minor">
+            <a:schemeClr val="tx1"/>
+          </a:fontRef>
+        </p:style>
+      </p:cxnSp>
+      <p:cxnSp>
+        <p:nvCxnSpPr>
+          <p:cNvPr id="22" name="Straight Connector 21"/>
+          <p:cNvCxnSpPr/>
+          <p:nvPr/>
+        </p:nvCxnSpPr>
+        <p:spPr>
+          <a:xfrm flipH="1" flipV="1">
+            <a:off x="3372852" y="3744808"/>
+            <a:ext cx="93019" cy="296250"/>
+          </a:xfrm>
+          <a:prstGeom prst="line">
+            <a:avLst/>
+          </a:prstGeom>
+          <a:ln w="76200"/>
+        </p:spPr>
+        <p:style>
+          <a:lnRef idx="1">
+            <a:schemeClr val="accent1"/>
+          </a:lnRef>
+          <a:fillRef idx="0">
+            <a:schemeClr val="accent1"/>
+          </a:fillRef>
+          <a:effectRef idx="0">
+            <a:schemeClr val="accent1"/>
+          </a:effectRef>
+          <a:fontRef idx="minor">
+            <a:schemeClr val="tx1"/>
+          </a:fontRef>
+        </p:style>
+      </p:cxnSp>
+      <p:sp>
+        <p:nvSpPr>
+          <p:cNvPr id="24" name="TextBox 23"/>
+          <p:cNvSpPr txBox="1"/>
+          <p:nvPr/>
+        </p:nvSpPr>
+        <p:spPr>
+          <a:xfrm>
+            <a:off x="4686274" y="3292157"/>
+            <a:ext cx="3182281" cy="646331"/>
+          </a:xfrm>
+          <a:prstGeom prst="rect">
+            <a:avLst/>
+          </a:prstGeom>
+          <a:noFill/>
+        </p:spPr>
+        <p:txBody>
+          <a:bodyPr wrap="none" rtlCol="0">
+            <a:spAutoFit/>
+          </a:bodyPr>
+          <a:lstStyle/>
+          <a:p>
+            <a:r>
+              <a:rPr lang="en-US" dirty="0" smtClean="0"/>
+              <a:t>Similarity in k space </a:t>
+            </a:r>
+          </a:p>
+          <a:p>
+            <a:r>
+              <a:rPr lang="en-US" dirty="0" smtClean="0"/>
+              <a:t>Using Q·K = |Q||</a:t>
+            </a:r>
+            <a:r>
+              <a:rPr lang="en-US" dirty="0" err="1" smtClean="0"/>
+              <a:t>K|cos</a:t>
+            </a:r>
+            <a:r>
+              <a:rPr lang="en-US" dirty="0" smtClean="0"/>
+              <a:t>(</a:t>
+            </a:r>
+            <a:r>
+              <a:rPr lang="el-GR" dirty="0" smtClean="0"/>
+              <a:t>θ</a:t>
+            </a:r>
+            <a:r>
+              <a:rPr lang="en-US" dirty="0" smtClean="0"/>
+              <a:t>)</a:t>
+            </a:r>
+            <a:endParaRPr lang="en-US" dirty="0"/>
+          </a:p>
+        </p:txBody>
+      </p:sp>
+      <p:sp>
+        <p:nvSpPr>
+          <p:cNvPr id="25" name="TextBox 24"/>
+          <p:cNvSpPr txBox="1"/>
+          <p:nvPr/>
+        </p:nvSpPr>
+        <p:spPr>
+          <a:xfrm>
+            <a:off x="1576137" y="3304019"/>
+            <a:ext cx="470000" cy="369332"/>
+          </a:xfrm>
+          <a:prstGeom prst="rect">
+            <a:avLst/>
+          </a:prstGeom>
+          <a:noFill/>
+        </p:spPr>
+        <p:txBody>
+          <a:bodyPr wrap="none" rtlCol="0">
+            <a:spAutoFit/>
+          </a:bodyPr>
+          <a:lstStyle/>
+          <a:p>
+            <a:r>
+              <a:rPr lang="en-US" dirty="0"/>
+              <a:t>Q</a:t>
+            </a:r>
+            <a:r>
+              <a:rPr lang="en-US" baseline="30000" dirty="0"/>
+              <a:t>1</a:t>
+            </a:r>
+            <a:endParaRPr lang="en-US" baseline="30000" dirty="0"/>
+          </a:p>
+        </p:txBody>
+      </p:sp>
+      <p:cxnSp>
+        <p:nvCxnSpPr>
+          <p:cNvPr id="27" name="Straight Connector 26"/>
+          <p:cNvCxnSpPr/>
+          <p:nvPr/>
+        </p:nvCxnSpPr>
+        <p:spPr>
+          <a:xfrm flipV="1">
+            <a:off x="1726531" y="3689988"/>
+            <a:ext cx="0" cy="351070"/>
+          </a:xfrm>
+          <a:prstGeom prst="line">
+            <a:avLst/>
+          </a:prstGeom>
+          <a:ln w="76200">
+            <a:solidFill>
+              <a:srgbClr val="00B050"/>
+            </a:solidFill>
+          </a:ln>
+        </p:spPr>
+        <p:style>
+          <a:lnRef idx="1">
+            <a:schemeClr val="accent1"/>
+          </a:lnRef>
+          <a:fillRef idx="0">
+            <a:schemeClr val="accent1"/>
+          </a:fillRef>
+          <a:effectRef idx="0">
+            <a:schemeClr val="accent1"/>
+          </a:effectRef>
+          <a:fontRef idx="minor">
+            <a:schemeClr val="tx1"/>
+          </a:fontRef>
+        </p:style>
+      </p:cxnSp>
+      <p:cxnSp>
+        <p:nvCxnSpPr>
+          <p:cNvPr id="29" name="Straight Connector 28"/>
+          <p:cNvCxnSpPr>
+            <a:stCxn id="25" idx="2"/>
+          </p:cNvCxnSpPr>
+          <p:nvPr/>
+        </p:nvCxnSpPr>
+        <p:spPr>
+          <a:xfrm>
+            <a:off x="1811137" y="3673351"/>
+            <a:ext cx="725586" cy="458429"/>
+          </a:xfrm>
+          <a:prstGeom prst="line">
+            <a:avLst/>
+          </a:prstGeom>
+          <a:ln w="38100">
+            <a:solidFill>
+              <a:srgbClr val="00B050"/>
+            </a:solidFill>
+          </a:ln>
+        </p:spPr>
+        <p:style>
+          <a:lnRef idx="1">
+            <a:schemeClr val="accent1"/>
+          </a:lnRef>
+          <a:fillRef idx="0">
+            <a:schemeClr val="accent1"/>
+          </a:fillRef>
+          <a:effectRef idx="0">
+            <a:schemeClr val="accent1"/>
+          </a:effectRef>
+          <a:fontRef idx="minor">
+            <a:schemeClr val="tx1"/>
+          </a:fontRef>
+        </p:style>
+      </p:cxnSp>
+      <p:cxnSp>
+        <p:nvCxnSpPr>
+          <p:cNvPr id="31" name="Straight Connector 30"/>
+          <p:cNvCxnSpPr>
+            <a:endCxn id="7" idx="1"/>
+          </p:cNvCxnSpPr>
+          <p:nvPr/>
+        </p:nvCxnSpPr>
+        <p:spPr>
+          <a:xfrm>
+            <a:off x="1976284" y="3673351"/>
+            <a:ext cx="1440619" cy="557687"/>
+          </a:xfrm>
+          <a:prstGeom prst="line">
+            <a:avLst/>
+          </a:prstGeom>
+          <a:ln>
+            <a:solidFill>
+              <a:srgbClr val="00B050"/>
+            </a:solidFill>
+          </a:ln>
+        </p:spPr>
+        <p:style>
+          <a:lnRef idx="1">
+            <a:schemeClr val="accent1"/>
+          </a:lnRef>
+          <a:fillRef idx="0">
+            <a:schemeClr val="accent1"/>
+          </a:fillRef>
+          <a:effectRef idx="0">
+            <a:schemeClr val="accent1"/>
+          </a:effectRef>
+          <a:fontRef idx="minor">
+            <a:schemeClr val="tx1"/>
+          </a:fontRef>
+        </p:style>
+      </p:cxnSp>
+      <p:pic>
+        <p:nvPicPr>
+          <p:cNvPr id="32" name="Picture 31"/>
+          <p:cNvPicPr>
+            <a:picLocks noChangeAspect="1"/>
+          </p:cNvPicPr>
+          <p:nvPr/>
+        </p:nvPicPr>
+        <p:blipFill>
+          <a:blip r:embed="rId3"/>
+          <a:stretch>
+            <a:fillRect/>
+          </a:stretch>
+        </p:blipFill>
+        <p:spPr>
+          <a:xfrm>
+            <a:off x="8927414" y="3496425"/>
+            <a:ext cx="2047875" cy="1381125"/>
+          </a:xfrm>
+          <a:prstGeom prst="rect">
+            <a:avLst/>
+          </a:prstGeom>
+        </p:spPr>
+      </p:pic>
+    </p:spTree>
+    <p:extLst>
+      <p:ext uri="{BB962C8B-B14F-4D97-AF65-F5344CB8AC3E}">
+        <p14:creationId xmlns:p14="http://schemas.microsoft.com/office/powerpoint/2010/main" val="1080596209"/>
+      </p:ext>
+    </p:extLst>
+  </p:cSld>
+  <p:clrMapOvr>
+    <a:masterClrMapping/>
+  </p:clrMapOvr>
+  <p:timing>
+    <p:tnLst>
+      <p:par>
+        <p:cTn id="1" dur="indefinite" restart="never" nodeType="tmRoot"/>
+      </p:par>
+    </p:tnLst>
+  </p:timing>
+</p:sld>
+</file>
+
+<file path=ppt/slides/slide8.xml><?xml version="1.0" encoding="utf-8"?>
+<p:sld xmlns:a="http://schemas.openxmlformats.org/drawingml/2006/main" xmlns:r="http://schemas.openxmlformats.org/officeDocument/2006/relationships" xmlns:p="http://schemas.openxmlformats.org/presentationml/2006/main">
+  <p:cSld>
+    <p:spTree>
+      <p:nvGrpSpPr>
+        <p:cNvPr id="1" name=""/>
+        <p:cNvGrpSpPr/>
+        <p:nvPr/>
+      </p:nvGrpSpPr>
+      <p:grpSpPr>
+        <a:xfrm>
+          <a:off x="0" y="0"/>
+          <a:ext cx="0" cy="0"/>
+          <a:chOff x="0" y="0"/>
+          <a:chExt cx="0" cy="0"/>
+        </a:xfrm>
+      </p:grpSpPr>
+      <p:sp>
+        <p:nvSpPr>
+          <p:cNvPr id="2" name="Title 1"/>
+          <p:cNvSpPr>
+            <a:spLocks noGrp="1"/>
+          </p:cNvSpPr>
+          <p:nvPr>
+            <p:ph type="title"/>
+          </p:nvPr>
+        </p:nvSpPr>
+        <p:spPr/>
+        <p:txBody>
+          <a:bodyPr/>
+          <a:lstStyle/>
+          <a:p>
+            <a:r>
+              <a:rPr lang="en-US" dirty="0"/>
+              <a:t>Model Architecture</a:t>
+            </a:r>
+            <a:endParaRPr lang="en-US" dirty="0"/>
+          </a:p>
+        </p:txBody>
+      </p:sp>
+      <p:sp>
+        <p:nvSpPr>
+          <p:cNvPr id="3" name="Content Placeholder 2"/>
+          <p:cNvSpPr>
+            <a:spLocks noGrp="1"/>
+          </p:cNvSpPr>
+          <p:nvPr>
+            <p:ph idx="1"/>
+          </p:nvPr>
+        </p:nvSpPr>
+        <p:spPr>
+          <a:xfrm>
+            <a:off x="3151630" y="2917441"/>
+            <a:ext cx="8825659" cy="3416300"/>
+          </a:xfrm>
+        </p:spPr>
+        <p:txBody>
+          <a:bodyPr/>
+          <a:lstStyle/>
+          <a:p>
+            <a:r>
+              <a:rPr lang="en-US" dirty="0" smtClean="0"/>
               <a:t>Scaled dot-product attention</a:t>
             </a:r>
           </a:p>
@@ -16642,7 +17589,7 @@
         </p:nvSpPr>
         <p:spPr>
           <a:xfrm>
-            <a:off x="1054768" y="4414336"/>
+            <a:off x="1054768" y="3699041"/>
             <a:ext cx="1507958" cy="1768642"/>
           </a:xfrm>
           <a:prstGeom prst="rect">
@@ -16670,7 +17617,11 @@
           <a:lstStyle/>
           <a:p>
             <a:pPr algn="ctr"/>
-            <a:endParaRPr lang="en-US"/>
+            <a:r>
+              <a:rPr lang="en-US" dirty="0" smtClean="0"/>
+              <a:t>Q</a:t>
+            </a:r>
+            <a:endParaRPr lang="en-US" dirty="0"/>
           </a:p>
         </p:txBody>
       </p:sp>
@@ -16682,7 +17633,7 @@
         </p:nvSpPr>
         <p:spPr>
           <a:xfrm>
-            <a:off x="3420979" y="4414336"/>
+            <a:off x="3420979" y="3699041"/>
             <a:ext cx="1507958" cy="1768642"/>
           </a:xfrm>
           <a:prstGeom prst="rect">
@@ -16710,7 +17661,15 @@
           <a:lstStyle/>
           <a:p>
             <a:pPr algn="ctr"/>
-            <a:endParaRPr lang="en-US"/>
+            <a:r>
+              <a:rPr lang="en-US" dirty="0" smtClean="0"/>
+              <a:t>K</a:t>
+            </a:r>
+            <a:r>
+              <a:rPr lang="en-US" baseline="30000" dirty="0" smtClean="0"/>
+              <a:t>T</a:t>
+            </a:r>
+            <a:endParaRPr lang="en-US" baseline="30000" dirty="0"/>
           </a:p>
         </p:txBody>
       </p:sp>
@@ -16722,7 +17681,7 @@
         </p:nvSpPr>
         <p:spPr>
           <a:xfrm>
-            <a:off x="6312568" y="4408321"/>
+            <a:off x="6312568" y="3693026"/>
             <a:ext cx="1507958" cy="1768642"/>
           </a:xfrm>
           <a:prstGeom prst="rect">
@@ -16762,7 +17721,7 @@
         </p:nvSpPr>
         <p:spPr>
           <a:xfrm>
-            <a:off x="9432758" y="4408321"/>
+            <a:off x="9432758" y="3693026"/>
             <a:ext cx="1507958" cy="1768642"/>
           </a:xfrm>
           <a:prstGeom prst="rect">
@@ -16790,7 +17749,11 @@
           <a:lstStyle/>
           <a:p>
             <a:pPr algn="ctr"/>
-            <a:endParaRPr lang="en-US"/>
+            <a:r>
+              <a:rPr lang="en-US" dirty="0" smtClean="0"/>
+              <a:t>V</a:t>
+            </a:r>
+            <a:endParaRPr lang="en-US" dirty="0"/>
           </a:p>
         </p:txBody>
       </p:sp>
@@ -16842,6 +17805,434 @@
           </a:prstGeom>
         </p:spPr>
       </p:pic>
+      <p:sp>
+        <p:nvSpPr>
+          <p:cNvPr id="7" name="TextBox 6"/>
+          <p:cNvSpPr txBox="1"/>
+          <p:nvPr/>
+        </p:nvSpPr>
+        <p:spPr>
+          <a:xfrm>
+            <a:off x="412955" y="5147187"/>
+            <a:ext cx="325730" cy="369332"/>
+          </a:xfrm>
+          <a:prstGeom prst="rect">
+            <a:avLst/>
+          </a:prstGeom>
+          <a:noFill/>
+        </p:spPr>
+        <p:txBody>
+          <a:bodyPr wrap="none" rtlCol="0">
+            <a:spAutoFit/>
+          </a:bodyPr>
+          <a:lstStyle/>
+          <a:p>
+            <a:r>
+              <a:rPr lang="en-US" dirty="0" smtClean="0"/>
+              <a:t>n</a:t>
+            </a:r>
+            <a:endParaRPr lang="en-US" dirty="0"/>
+          </a:p>
+        </p:txBody>
+      </p:sp>
+      <p:sp>
+        <p:nvSpPr>
+          <p:cNvPr id="8" name="TextBox 7"/>
+          <p:cNvSpPr txBox="1"/>
+          <p:nvPr/>
+        </p:nvSpPr>
+        <p:spPr>
+          <a:xfrm>
+            <a:off x="1598593" y="3227023"/>
+            <a:ext cx="420308" cy="369332"/>
+          </a:xfrm>
+          <a:prstGeom prst="rect">
+            <a:avLst/>
+          </a:prstGeom>
+          <a:noFill/>
+        </p:spPr>
+        <p:txBody>
+          <a:bodyPr wrap="none" rtlCol="0">
+            <a:spAutoFit/>
+          </a:bodyPr>
+          <a:lstStyle/>
+          <a:p>
+            <a:r>
+              <a:rPr lang="en-US" dirty="0" err="1" smtClean="0"/>
+              <a:t>d</a:t>
+            </a:r>
+            <a:r>
+              <a:rPr lang="en-US" baseline="-25000" dirty="0" err="1" smtClean="0"/>
+              <a:t>k</a:t>
+            </a:r>
+            <a:endParaRPr lang="en-US" baseline="-25000" dirty="0"/>
+          </a:p>
+        </p:txBody>
+      </p:sp>
+      <p:sp>
+        <p:nvSpPr>
+          <p:cNvPr id="16" name="TextBox 15"/>
+          <p:cNvSpPr txBox="1"/>
+          <p:nvPr/>
+        </p:nvSpPr>
+        <p:spPr>
+          <a:xfrm>
+            <a:off x="3013766" y="4392681"/>
+            <a:ext cx="401072" cy="369332"/>
+          </a:xfrm>
+          <a:prstGeom prst="rect">
+            <a:avLst/>
+          </a:prstGeom>
+          <a:noFill/>
+        </p:spPr>
+        <p:txBody>
+          <a:bodyPr wrap="none" rtlCol="0">
+            <a:spAutoFit/>
+          </a:bodyPr>
+          <a:lstStyle/>
+          <a:p>
+            <a:r>
+              <a:rPr lang="en-US" dirty="0"/>
+              <a:t>m</a:t>
+            </a:r>
+            <a:endParaRPr lang="en-US" dirty="0"/>
+          </a:p>
+        </p:txBody>
+      </p:sp>
+      <p:sp>
+        <p:nvSpPr>
+          <p:cNvPr id="17" name="TextBox 16"/>
+          <p:cNvSpPr txBox="1"/>
+          <p:nvPr/>
+        </p:nvSpPr>
+        <p:spPr>
+          <a:xfrm>
+            <a:off x="3964804" y="3226680"/>
+            <a:ext cx="420308" cy="369332"/>
+          </a:xfrm>
+          <a:prstGeom prst="rect">
+            <a:avLst/>
+          </a:prstGeom>
+          <a:noFill/>
+        </p:spPr>
+        <p:txBody>
+          <a:bodyPr wrap="none" rtlCol="0">
+            <a:spAutoFit/>
+          </a:bodyPr>
+          <a:lstStyle/>
+          <a:p>
+            <a:r>
+              <a:rPr lang="en-US" dirty="0" err="1" smtClean="0"/>
+              <a:t>d</a:t>
+            </a:r>
+            <a:r>
+              <a:rPr lang="en-US" baseline="-25000" dirty="0" err="1" smtClean="0"/>
+              <a:t>k</a:t>
+            </a:r>
+            <a:endParaRPr lang="en-US" baseline="-25000" dirty="0"/>
+          </a:p>
+        </p:txBody>
+      </p:sp>
+      <p:sp>
+        <p:nvSpPr>
+          <p:cNvPr id="18" name="TextBox 17"/>
+          <p:cNvSpPr txBox="1"/>
+          <p:nvPr/>
+        </p:nvSpPr>
+        <p:spPr>
+          <a:xfrm>
+            <a:off x="5412658" y="4498260"/>
+            <a:ext cx="324128" cy="369332"/>
+          </a:xfrm>
+          <a:prstGeom prst="rect">
+            <a:avLst/>
+          </a:prstGeom>
+          <a:noFill/>
+        </p:spPr>
+        <p:txBody>
+          <a:bodyPr wrap="none" rtlCol="0">
+            <a:spAutoFit/>
+          </a:bodyPr>
+          <a:lstStyle/>
+          <a:p>
+            <a:r>
+              <a:rPr lang="en-US" dirty="0" smtClean="0"/>
+              <a:t>=</a:t>
+            </a:r>
+            <a:endParaRPr lang="en-US" dirty="0"/>
+          </a:p>
+        </p:txBody>
+      </p:sp>
+      <mc:AlternateContent xmlns:mc="http://schemas.openxmlformats.org/markup-compatibility/2006">
+        <mc:Choice xmlns:a14="http://schemas.microsoft.com/office/drawing/2010/main" Requires="a14">
+          <p:sp>
+            <p:nvSpPr>
+              <p:cNvPr id="19" name="TextBox 18"/>
+              <p:cNvSpPr txBox="1"/>
+              <p:nvPr/>
+            </p:nvSpPr>
+            <p:spPr>
+              <a:xfrm>
+                <a:off x="2562726" y="4192626"/>
+                <a:ext cx="498855" cy="769441"/>
+              </a:xfrm>
+              <a:prstGeom prst="rect">
+                <a:avLst/>
+              </a:prstGeom>
+              <a:noFill/>
+            </p:spPr>
+            <p:txBody>
+              <a:bodyPr wrap="none" rtlCol="0">
+                <a:spAutoFit/>
+              </a:bodyPr>
+              <a:lstStyle/>
+              <a:p>
+                <a14:m>
+                  <m:oMathPara xmlns:m="http://schemas.openxmlformats.org/officeDocument/2006/math">
+                    <m:oMathParaPr>
+                      <m:jc m:val="centerGroup"/>
+                    </m:oMathParaPr>
+                    <m:oMath xmlns:m="http://schemas.openxmlformats.org/officeDocument/2006/math">
+                      <m:r>
+                        <a:rPr lang="en-US" sz="4400" i="1" smtClean="0">
+                          <a:latin typeface="Cambria Math" panose="02040503050406030204" pitchFamily="18" charset="0"/>
+                          <a:ea typeface="Cambria Math" panose="02040503050406030204" pitchFamily="18" charset="0"/>
+                        </a:rPr>
+                        <m:t>∙</m:t>
+                      </m:r>
+                    </m:oMath>
+                  </m:oMathPara>
+                </a14:m>
+                <a:endParaRPr lang="en-US" sz="4400" dirty="0"/>
+              </a:p>
+            </p:txBody>
+          </p:sp>
+        </mc:Choice>
+        <mc:Fallback>
+          <p:sp>
+            <p:nvSpPr>
+              <p:cNvPr id="19" name="TextBox 18"/>
+              <p:cNvSpPr txBox="1">
+                <a:spLocks noRot="1" noChangeAspect="1" noMove="1" noResize="1" noEditPoints="1" noAdjustHandles="1" noChangeArrowheads="1" noChangeShapeType="1" noTextEdit="1"/>
+              </p:cNvSpPr>
+              <p:nvPr/>
+            </p:nvSpPr>
+            <p:spPr>
+              <a:xfrm>
+                <a:off x="2562726" y="4192626"/>
+                <a:ext cx="498855" cy="769441"/>
+              </a:xfrm>
+              <a:prstGeom prst="rect">
+                <a:avLst/>
+              </a:prstGeom>
+              <a:blipFill rotWithShape="0">
+                <a:blip r:embed="rId5"/>
+                <a:stretch>
+                  <a:fillRect/>
+                </a:stretch>
+              </a:blipFill>
+            </p:spPr>
+            <p:txBody>
+              <a:bodyPr/>
+              <a:lstStyle/>
+              <a:p>
+                <a:r>
+                  <a:rPr lang="en-US">
+                    <a:noFill/>
+                  </a:rPr>
+                  <a:t> </a:t>
+                </a:r>
+              </a:p>
+            </p:txBody>
+          </p:sp>
+        </mc:Fallback>
+      </mc:AlternateContent>
+      <p:sp>
+        <p:nvSpPr>
+          <p:cNvPr id="20" name="TextBox 19"/>
+          <p:cNvSpPr txBox="1"/>
+          <p:nvPr/>
+        </p:nvSpPr>
+        <p:spPr>
+          <a:xfrm>
+            <a:off x="5865742" y="4454326"/>
+            <a:ext cx="325730" cy="369332"/>
+          </a:xfrm>
+          <a:prstGeom prst="rect">
+            <a:avLst/>
+          </a:prstGeom>
+          <a:noFill/>
+        </p:spPr>
+        <p:txBody>
+          <a:bodyPr wrap="none" rtlCol="0">
+            <a:spAutoFit/>
+          </a:bodyPr>
+          <a:lstStyle/>
+          <a:p>
+            <a:r>
+              <a:rPr lang="en-US" dirty="0" smtClean="0"/>
+              <a:t>n</a:t>
+            </a:r>
+            <a:endParaRPr lang="en-US" dirty="0"/>
+          </a:p>
+        </p:txBody>
+      </p:sp>
+      <p:sp>
+        <p:nvSpPr>
+          <p:cNvPr id="21" name="TextBox 20"/>
+          <p:cNvSpPr txBox="1"/>
+          <p:nvPr/>
+        </p:nvSpPr>
+        <p:spPr>
+          <a:xfrm>
+            <a:off x="6866011" y="3118000"/>
+            <a:ext cx="401072" cy="369332"/>
+          </a:xfrm>
+          <a:prstGeom prst="rect">
+            <a:avLst/>
+          </a:prstGeom>
+          <a:noFill/>
+        </p:spPr>
+        <p:txBody>
+          <a:bodyPr wrap="none" rtlCol="0">
+            <a:spAutoFit/>
+          </a:bodyPr>
+          <a:lstStyle/>
+          <a:p>
+            <a:r>
+              <a:rPr lang="en-US" dirty="0"/>
+              <a:t>m</a:t>
+            </a:r>
+            <a:endParaRPr lang="en-US" dirty="0"/>
+          </a:p>
+        </p:txBody>
+      </p:sp>
+      <p:sp>
+        <p:nvSpPr>
+          <p:cNvPr id="22" name="TextBox 21"/>
+          <p:cNvSpPr txBox="1"/>
+          <p:nvPr/>
+        </p:nvSpPr>
+        <p:spPr>
+          <a:xfrm>
+            <a:off x="8885689" y="4383589"/>
+            <a:ext cx="401072" cy="369332"/>
+          </a:xfrm>
+          <a:prstGeom prst="rect">
+            <a:avLst/>
+          </a:prstGeom>
+          <a:noFill/>
+        </p:spPr>
+        <p:txBody>
+          <a:bodyPr wrap="none" rtlCol="0">
+            <a:spAutoFit/>
+          </a:bodyPr>
+          <a:lstStyle/>
+          <a:p>
+            <a:r>
+              <a:rPr lang="en-US" dirty="0" smtClean="0"/>
+              <a:t>m</a:t>
+            </a:r>
+            <a:endParaRPr lang="en-US" dirty="0"/>
+          </a:p>
+        </p:txBody>
+      </p:sp>
+      <p:sp>
+        <p:nvSpPr>
+          <p:cNvPr id="23" name="TextBox 22"/>
+          <p:cNvSpPr txBox="1"/>
+          <p:nvPr/>
+        </p:nvSpPr>
+        <p:spPr>
+          <a:xfrm>
+            <a:off x="10040356" y="3120715"/>
+            <a:ext cx="420308" cy="369332"/>
+          </a:xfrm>
+          <a:prstGeom prst="rect">
+            <a:avLst/>
+          </a:prstGeom>
+          <a:noFill/>
+        </p:spPr>
+        <p:txBody>
+          <a:bodyPr wrap="none" rtlCol="0">
+            <a:spAutoFit/>
+          </a:bodyPr>
+          <a:lstStyle/>
+          <a:p>
+            <a:r>
+              <a:rPr lang="en-US" dirty="0" err="1" smtClean="0"/>
+              <a:t>d</a:t>
+            </a:r>
+            <a:r>
+              <a:rPr lang="en-US" baseline="-25000" dirty="0" err="1" smtClean="0"/>
+              <a:t>k</a:t>
+            </a:r>
+            <a:endParaRPr lang="en-US" baseline="-25000" dirty="0"/>
+          </a:p>
+        </p:txBody>
+      </p:sp>
+      <p:sp>
+        <p:nvSpPr>
+          <p:cNvPr id="24" name="TextBox 23"/>
+          <p:cNvSpPr txBox="1"/>
+          <p:nvPr/>
+        </p:nvSpPr>
+        <p:spPr>
+          <a:xfrm>
+            <a:off x="870155" y="6231194"/>
+            <a:ext cx="2912977" cy="369332"/>
+          </a:xfrm>
+          <a:prstGeom prst="rect">
+            <a:avLst/>
+          </a:prstGeom>
+          <a:noFill/>
+        </p:spPr>
+        <p:txBody>
+          <a:bodyPr wrap="none" rtlCol="0">
+            <a:spAutoFit/>
+          </a:bodyPr>
+          <a:lstStyle/>
+          <a:p>
+            <a:r>
+              <a:rPr lang="en-US" dirty="0" smtClean="0"/>
+              <a:t>Role of Mask: see until </a:t>
+            </a:r>
+            <a:r>
+              <a:rPr lang="en-US" dirty="0" err="1" smtClean="0"/>
+              <a:t>K</a:t>
+            </a:r>
+            <a:r>
+              <a:rPr lang="en-US" baseline="-25000" dirty="0" err="1" smtClean="0"/>
+              <a:t>t</a:t>
+            </a:r>
+            <a:endParaRPr lang="en-US" baseline="-25000" dirty="0"/>
+          </a:p>
+        </p:txBody>
+      </p:sp>
+      <p:pic>
+        <p:nvPicPr>
+          <p:cNvPr id="25" name="Picture 24"/>
+          <p:cNvPicPr>
+            <a:picLocks noChangeAspect="1"/>
+          </p:cNvPicPr>
+          <p:nvPr/>
+        </p:nvPicPr>
+        <p:blipFill>
+          <a:blip r:embed="rId6"/>
+          <a:stretch>
+            <a:fillRect/>
+          </a:stretch>
+        </p:blipFill>
+        <p:spPr>
+          <a:xfrm>
+            <a:off x="5160050" y="6190337"/>
+            <a:ext cx="5780666" cy="593690"/>
+          </a:xfrm>
+          <a:prstGeom prst="rect">
+            <a:avLst/>
+          </a:prstGeom>
+        </p:spPr>
+      </p:pic>
     </p:spTree>
     <p:extLst>
       <p:ext uri="{BB962C8B-B14F-4D97-AF65-F5344CB8AC3E}">
@@ -16862,7 +18253,7 @@
 </p:sld>
 </file>
 
-<file path=ppt/slides/slide8.xml><?xml version="1.0" encoding="utf-8"?>
+<file path=ppt/slides/slide9.xml><?xml version="1.0" encoding="utf-8"?>
 <p:sld xmlns:a="http://schemas.openxmlformats.org/drawingml/2006/main" xmlns:r="http://schemas.openxmlformats.org/officeDocument/2006/relationships" xmlns:p="http://schemas.openxmlformats.org/presentationml/2006/main">
   <p:cSld>
     <p:spTree>
@@ -17000,144 +18391,6 @@
     <p:extLst>
       <p:ext uri="{BB962C8B-B14F-4D97-AF65-F5344CB8AC3E}">
         <p14:creationId xmlns:p14="http://schemas.microsoft.com/office/powerpoint/2010/main" val="3478385588"/>
-      </p:ext>
-    </p:extLst>
-  </p:cSld>
-  <p:clrMapOvr>
-    <a:masterClrMapping/>
-  </p:clrMapOvr>
-  <p:timing>
-    <p:tnLst>
-      <p:par>
-        <p:cTn id="1" dur="indefinite" restart="never" nodeType="tmRoot"/>
-      </p:par>
-    </p:tnLst>
-  </p:timing>
-</p:sld>
-</file>
-
-<file path=ppt/slides/slide9.xml><?xml version="1.0" encoding="utf-8"?>
-<p:sld xmlns:a="http://schemas.openxmlformats.org/drawingml/2006/main" xmlns:r="http://schemas.openxmlformats.org/officeDocument/2006/relationships" xmlns:p="http://schemas.openxmlformats.org/presentationml/2006/main">
-  <p:cSld>
-    <p:spTree>
-      <p:nvGrpSpPr>
-        <p:cNvPr id="1" name=""/>
-        <p:cNvGrpSpPr/>
-        <p:nvPr/>
-      </p:nvGrpSpPr>
-      <p:grpSpPr>
-        <a:xfrm>
-          <a:off x="0" y="0"/>
-          <a:ext cx="0" cy="0"/>
-          <a:chOff x="0" y="0"/>
-          <a:chExt cx="0" cy="0"/>
-        </a:xfrm>
-      </p:grpSpPr>
-      <p:sp>
-        <p:nvSpPr>
-          <p:cNvPr id="2" name="Title 1"/>
-          <p:cNvSpPr>
-            <a:spLocks noGrp="1"/>
-          </p:cNvSpPr>
-          <p:nvPr>
-            <p:ph type="title"/>
-          </p:nvPr>
-        </p:nvSpPr>
-        <p:spPr/>
-        <p:txBody>
-          <a:bodyPr/>
-          <a:lstStyle/>
-          <a:p>
-            <a:r>
-              <a:rPr lang="en-US" dirty="0" smtClean="0"/>
-              <a:t>Result</a:t>
-            </a:r>
-            <a:endParaRPr lang="en-US" dirty="0"/>
-          </a:p>
-        </p:txBody>
-      </p:sp>
-      <p:sp>
-        <p:nvSpPr>
-          <p:cNvPr id="3" name="Content Placeholder 2"/>
-          <p:cNvSpPr>
-            <a:spLocks noGrp="1"/>
-          </p:cNvSpPr>
-          <p:nvPr>
-            <p:ph idx="1"/>
-          </p:nvPr>
-        </p:nvSpPr>
-        <p:spPr>
-          <a:xfrm>
-            <a:off x="838200" y="1825625"/>
-            <a:ext cx="5593504" cy="4351338"/>
-          </a:xfrm>
-        </p:spPr>
-        <p:txBody>
-          <a:bodyPr/>
-          <a:lstStyle/>
-          <a:p>
-            <a:endParaRPr lang="en-US" dirty="0" smtClean="0"/>
-          </a:p>
-          <a:p>
-            <a:pPr marL="0" indent="0">
-              <a:buNone/>
-            </a:pPr>
-            <a:endParaRPr lang="en-US" dirty="0"/>
-          </a:p>
-        </p:txBody>
-      </p:sp>
-      <p:pic>
-        <p:nvPicPr>
-          <p:cNvPr id="4" name="Picture 3"/>
-          <p:cNvPicPr>
-            <a:picLocks noChangeAspect="1"/>
-          </p:cNvPicPr>
-          <p:nvPr/>
-        </p:nvPicPr>
-        <p:blipFill>
-          <a:blip r:embed="rId3"/>
-          <a:stretch>
-            <a:fillRect/>
-          </a:stretch>
-        </p:blipFill>
-        <p:spPr>
-          <a:xfrm>
-            <a:off x="4306253" y="529187"/>
-            <a:ext cx="6064568" cy="2592875"/>
-          </a:xfrm>
-          <a:prstGeom prst="rect">
-            <a:avLst/>
-          </a:prstGeom>
-        </p:spPr>
-      </p:pic>
-      <p:pic>
-        <p:nvPicPr>
-          <p:cNvPr id="5" name="Picture 4"/>
-          <p:cNvPicPr>
-            <a:picLocks noChangeAspect="1"/>
-          </p:cNvPicPr>
-          <p:nvPr/>
-        </p:nvPicPr>
-        <p:blipFill>
-          <a:blip r:embed="rId4"/>
-          <a:stretch>
-            <a:fillRect/>
-          </a:stretch>
-        </p:blipFill>
-        <p:spPr>
-          <a:xfrm>
-            <a:off x="4306253" y="3779520"/>
-            <a:ext cx="6561735" cy="2827020"/>
-          </a:xfrm>
-          <a:prstGeom prst="rect">
-            <a:avLst/>
-          </a:prstGeom>
-        </p:spPr>
-      </p:pic>
-    </p:spTree>
-    <p:extLst>
-      <p:ext uri="{BB962C8B-B14F-4D97-AF65-F5344CB8AC3E}">
-        <p14:creationId xmlns:p14="http://schemas.microsoft.com/office/powerpoint/2010/main" val="1907221823"/>
       </p:ext>
     </p:extLst>
   </p:cSld>

--- a/slides/Transformer Review.pptx
+++ b/slides/Transformer Review.pptx
@@ -18335,6 +18335,24 @@
               <a:rPr lang="en-US" dirty="0" smtClean="0"/>
               <a:t>Ensure sequence of tokens </a:t>
             </a:r>
+          </a:p>
+          <a:p>
+            <a:pPr lvl="1"/>
+            <a:endParaRPr lang="en-US" dirty="0"/>
+          </a:p>
+          <a:p>
+            <a:r>
+              <a:rPr lang="en-US" dirty="0" smtClean="0"/>
+              <a:t>Why it can extract information in a non-</a:t>
+            </a:r>
+            <a:r>
+              <a:rPr lang="en-US" dirty="0" err="1" smtClean="0"/>
+              <a:t>sequencial</a:t>
+            </a:r>
+            <a:r>
+              <a:rPr lang="en-US" dirty="0" smtClean="0"/>
+              <a:t> way?</a:t>
+            </a:r>
             <a:endParaRPr lang="en-US" dirty="0"/>
           </a:p>
         </p:txBody>
@@ -18385,6 +18403,125 @@
           <a:prstGeom prst="rect">
             <a:avLst/>
           </a:prstGeom>
+        </p:spPr>
+      </p:pic>
+      <p:sp>
+        <p:nvSpPr>
+          <p:cNvPr id="19" name="AutoShape 2" descr="CS 230 - Recurrent Neural Networks Cheatsheet"/>
+          <p:cNvSpPr>
+            <a:spLocks noChangeAspect="1" noChangeArrowheads="1"/>
+          </p:cNvSpPr>
+          <p:nvPr/>
+        </p:nvSpPr>
+        <p:spPr bwMode="auto">
+          <a:xfrm>
+            <a:off x="155575" y="-144463"/>
+            <a:ext cx="304800" cy="304801"/>
+          </a:xfrm>
+          <a:prstGeom prst="rect">
+            <a:avLst/>
+          </a:prstGeom>
+          <a:noFill/>
+          <a:extLst>
+            <a:ext uri="{909E8E84-426E-40DD-AFC4-6F175D3DCCD1}">
+              <a14:hiddenFill xmlns:a14="http://schemas.microsoft.com/office/drawing/2010/main">
+                <a:solidFill>
+                  <a:srgbClr val="FFFFFF"/>
+                </a:solidFill>
+              </a14:hiddenFill>
+            </a:ext>
+          </a:extLst>
+        </p:spPr>
+        <p:txBody>
+          <a:bodyPr vert="horz" wrap="square" lIns="91440" tIns="45720" rIns="91440" bIns="45720" numCol="1" anchor="t" anchorCtr="0" compatLnSpc="1">
+            <a:prstTxWarp prst="textNoShape">
+              <a:avLst/>
+            </a:prstTxWarp>
+          </a:bodyPr>
+          <a:lstStyle/>
+          <a:p>
+            <a:endParaRPr lang="en-US"/>
+          </a:p>
+        </p:txBody>
+      </p:sp>
+      <p:sp>
+        <p:nvSpPr>
+          <p:cNvPr id="20" name="AutoShape 4" descr="CS 230 - Recurrent Neural Networks Cheatsheet"/>
+          <p:cNvSpPr>
+            <a:spLocks noChangeAspect="1" noChangeArrowheads="1"/>
+          </p:cNvSpPr>
+          <p:nvPr/>
+        </p:nvSpPr>
+        <p:spPr bwMode="auto">
+          <a:xfrm>
+            <a:off x="307975" y="7937"/>
+            <a:ext cx="304800" cy="304801"/>
+          </a:xfrm>
+          <a:prstGeom prst="rect">
+            <a:avLst/>
+          </a:prstGeom>
+          <a:noFill/>
+          <a:extLst>
+            <a:ext uri="{909E8E84-426E-40DD-AFC4-6F175D3DCCD1}">
+              <a14:hiddenFill xmlns:a14="http://schemas.microsoft.com/office/drawing/2010/main">
+                <a:solidFill>
+                  <a:srgbClr val="FFFFFF"/>
+                </a:solidFill>
+              </a14:hiddenFill>
+            </a:ext>
+          </a:extLst>
+        </p:spPr>
+        <p:txBody>
+          <a:bodyPr vert="horz" wrap="square" lIns="91440" tIns="45720" rIns="91440" bIns="45720" numCol="1" anchor="t" anchorCtr="0" compatLnSpc="1">
+            <a:prstTxWarp prst="textNoShape">
+              <a:avLst/>
+            </a:prstTxWarp>
+          </a:bodyPr>
+          <a:lstStyle/>
+          <a:p>
+            <a:endParaRPr lang="en-US"/>
+          </a:p>
+        </p:txBody>
+      </p:sp>
+      <p:pic>
+        <p:nvPicPr>
+          <p:cNvPr id="4102" name="Picture 6" descr="CS 230 - Recurrent Neural Networks Cheatsheet"/>
+          <p:cNvPicPr>
+            <a:picLocks noChangeAspect="1" noChangeArrowheads="1"/>
+          </p:cNvPicPr>
+          <p:nvPr/>
+        </p:nvPicPr>
+        <p:blipFill>
+          <a:blip r:embed="rId5">
+            <a:extLst>
+              <a:ext uri="{28A0092B-C50C-407E-A947-70E740481C1C}">
+                <a14:useLocalDpi xmlns:a14="http://schemas.microsoft.com/office/drawing/2010/main" val="0"/>
+              </a:ext>
+            </a:extLst>
+          </a:blip>
+          <a:srcRect/>
+          <a:stretch>
+            <a:fillRect/>
+          </a:stretch>
+        </p:blipFill>
+        <p:spPr bwMode="auto">
+          <a:xfrm>
+            <a:off x="8224092" y="4319247"/>
+            <a:ext cx="3990975" cy="1773767"/>
+          </a:xfrm>
+          <a:prstGeom prst="rect">
+            <a:avLst/>
+          </a:prstGeom>
+          <a:noFill/>
+          <a:extLst>
+            <a:ext uri="{909E8E84-426E-40DD-AFC4-6F175D3DCCD1}">
+              <a14:hiddenFill xmlns:a14="http://schemas.microsoft.com/office/drawing/2010/main">
+                <a:solidFill>
+                  <a:srgbClr val="FFFFFF"/>
+                </a:solidFill>
+              </a14:hiddenFill>
+            </a:ext>
+          </a:extLst>
         </p:spPr>
       </p:pic>
     </p:spTree>

--- a/slides/Transformer Review.pptx
+++ b/slides/Transformer Review.pptx
@@ -5,23 +5,25 @@
     <p:sldMasterId id="2147483672" r:id="rId1"/>
   </p:sldMasterIdLst>
   <p:notesMasterIdLst>
-    <p:notesMasterId r:id="rId16"/>
+    <p:notesMasterId r:id="rId18"/>
   </p:notesMasterIdLst>
   <p:sldIdLst>
     <p:sldId id="256" r:id="rId2"/>
     <p:sldId id="269" r:id="rId3"/>
     <p:sldId id="257" r:id="rId4"/>
     <p:sldId id="258" r:id="rId5"/>
-    <p:sldId id="259" r:id="rId6"/>
-    <p:sldId id="260" r:id="rId7"/>
-    <p:sldId id="261" r:id="rId8"/>
-    <p:sldId id="262" r:id="rId9"/>
-    <p:sldId id="263" r:id="rId10"/>
-    <p:sldId id="264" r:id="rId11"/>
-    <p:sldId id="265" r:id="rId12"/>
-    <p:sldId id="268" r:id="rId13"/>
-    <p:sldId id="266" r:id="rId14"/>
-    <p:sldId id="267" r:id="rId15"/>
+    <p:sldId id="270" r:id="rId6"/>
+    <p:sldId id="259" r:id="rId7"/>
+    <p:sldId id="260" r:id="rId8"/>
+    <p:sldId id="261" r:id="rId9"/>
+    <p:sldId id="262" r:id="rId10"/>
+    <p:sldId id="263" r:id="rId11"/>
+    <p:sldId id="264" r:id="rId12"/>
+    <p:sldId id="265" r:id="rId13"/>
+    <p:sldId id="268" r:id="rId14"/>
+    <p:sldId id="271" r:id="rId15"/>
+    <p:sldId id="266" r:id="rId16"/>
+    <p:sldId id="267" r:id="rId17"/>
   </p:sldIdLst>
   <p:sldSz cx="12192000" cy="6858000"/>
   <p:notesSz cx="6858000" cy="9144000"/>
@@ -129,6 +131,7 @@
             <p14:sldId id="269"/>
             <p14:sldId id="257"/>
             <p14:sldId id="258"/>
+            <p14:sldId id="270"/>
             <p14:sldId id="259"/>
             <p14:sldId id="260"/>
             <p14:sldId id="261"/>
@@ -141,6 +144,7 @@
             <p14:sldId id="264"/>
             <p14:sldId id="265"/>
             <p14:sldId id="268"/>
+            <p14:sldId id="271"/>
             <p14:sldId id="266"/>
             <p14:sldId id="267"/>
           </p14:sldIdLst>
@@ -236,7 +240,7 @@
           <a:p>
             <a:fld id="{A8B8A198-453B-4C08-9CAA-D61EC096EB6E}" type="datetimeFigureOut">
               <a:rPr lang="en-US" smtClean="0"/>
-              <a:t>12/14/2022</a:t>
+              <a:t>12/16/2022</a:t>
             </a:fld>
             <a:endParaRPr lang="en-US"/>
           </a:p>
@@ -632,6 +636,32 @@
           <a:bodyPr/>
           <a:lstStyle/>
           <a:p>
+            <a:r>
+              <a:rPr lang="en-US" dirty="0" smtClean="0"/>
+              <a:t>Drawing</a:t>
+            </a:r>
+            <a:r>
+              <a:rPr lang="en-US" baseline="0" dirty="0" smtClean="0"/>
+              <a:t> of layer </a:t>
+            </a:r>
+          </a:p>
+          <a:p>
+            <a:r>
+              <a:rPr lang="en-US" baseline="0" dirty="0" err="1" smtClean="0"/>
+              <a:t>H_t</a:t>
+            </a:r>
+            <a:r>
+              <a:rPr lang="en-US" baseline="0" dirty="0" smtClean="0"/>
+              <a:t> = k1, k2, …k_t-1 </a:t>
+            </a:r>
+            <a:r>
+              <a:rPr lang="en-US" baseline="0" dirty="0" err="1" smtClean="0"/>
+              <a:t>kn</a:t>
+            </a:r>
+            <a:r>
+              <a:rPr lang="en-US" baseline="0" dirty="0" smtClean="0"/>
+              <a:t> masked </a:t>
+            </a:r>
             <a:endParaRPr lang="en-US" dirty="0"/>
           </a:p>
         </p:txBody>
@@ -662,7 +692,7 @@
     </p:spTree>
     <p:extLst>
       <p:ext uri="{BB962C8B-B14F-4D97-AF65-F5344CB8AC3E}">
-        <p14:creationId xmlns:p14="http://schemas.microsoft.com/office/powerpoint/2010/main" val="3836158648"/>
+        <p14:creationId xmlns:p14="http://schemas.microsoft.com/office/powerpoint/2010/main" val="3729693692"/>
       </p:ext>
     </p:extLst>
   </p:cSld>
@@ -746,7 +776,7 @@
     </p:spTree>
     <p:extLst>
       <p:ext uri="{BB962C8B-B14F-4D97-AF65-F5344CB8AC3E}">
-        <p14:creationId xmlns:p14="http://schemas.microsoft.com/office/powerpoint/2010/main" val="4016390254"/>
+        <p14:creationId xmlns:p14="http://schemas.microsoft.com/office/powerpoint/2010/main" val="3836158648"/>
       </p:ext>
     </p:extLst>
   </p:cSld>
@@ -830,7 +860,7 @@
     </p:spTree>
     <p:extLst>
       <p:ext uri="{BB962C8B-B14F-4D97-AF65-F5344CB8AC3E}">
-        <p14:creationId xmlns:p14="http://schemas.microsoft.com/office/powerpoint/2010/main" val="1616919015"/>
+        <p14:creationId xmlns:p14="http://schemas.microsoft.com/office/powerpoint/2010/main" val="4016390254"/>
       </p:ext>
     </p:extLst>
   </p:cSld>
@@ -906,6 +936,90 @@
             <a:fld id="{B207A580-9685-45E0-AF09-37B309E2398A}" type="slidenum">
               <a:rPr lang="en-US" smtClean="0"/>
               <a:t>13</a:t>
+            </a:fld>
+            <a:endParaRPr lang="en-US"/>
+          </a:p>
+        </p:txBody>
+      </p:sp>
+    </p:spTree>
+    <p:extLst>
+      <p:ext uri="{BB962C8B-B14F-4D97-AF65-F5344CB8AC3E}">
+        <p14:creationId xmlns:p14="http://schemas.microsoft.com/office/powerpoint/2010/main" val="1616919015"/>
+      </p:ext>
+    </p:extLst>
+  </p:cSld>
+  <p:clrMapOvr>
+    <a:masterClrMapping/>
+  </p:clrMapOvr>
+</p:notes>
+</file>
+
+<file path=ppt/notesSlides/notesSlide14.xml><?xml version="1.0" encoding="utf-8"?>
+<p:notes xmlns:a="http://schemas.openxmlformats.org/drawingml/2006/main" xmlns:r="http://schemas.openxmlformats.org/officeDocument/2006/relationships" xmlns:p="http://schemas.openxmlformats.org/presentationml/2006/main">
+  <p:cSld>
+    <p:spTree>
+      <p:nvGrpSpPr>
+        <p:cNvPr id="1" name=""/>
+        <p:cNvGrpSpPr/>
+        <p:nvPr/>
+      </p:nvGrpSpPr>
+      <p:grpSpPr>
+        <a:xfrm>
+          <a:off x="0" y="0"/>
+          <a:ext cx="0" cy="0"/>
+          <a:chOff x="0" y="0"/>
+          <a:chExt cx="0" cy="0"/>
+        </a:xfrm>
+      </p:grpSpPr>
+      <p:sp>
+        <p:nvSpPr>
+          <p:cNvPr id="2" name="Slide Image Placeholder 1"/>
+          <p:cNvSpPr>
+            <a:spLocks noGrp="1" noRot="1" noChangeAspect="1"/>
+          </p:cNvSpPr>
+          <p:nvPr>
+            <p:ph type="sldImg"/>
+          </p:nvPr>
+        </p:nvSpPr>
+        <p:spPr/>
+      </p:sp>
+      <p:sp>
+        <p:nvSpPr>
+          <p:cNvPr id="3" name="Notes Placeholder 2"/>
+          <p:cNvSpPr>
+            <a:spLocks noGrp="1"/>
+          </p:cNvSpPr>
+          <p:nvPr>
+            <p:ph type="body" idx="1"/>
+          </p:nvPr>
+        </p:nvSpPr>
+        <p:spPr/>
+        <p:txBody>
+          <a:bodyPr/>
+          <a:lstStyle/>
+          <a:p>
+            <a:endParaRPr lang="en-US" dirty="0"/>
+          </a:p>
+        </p:txBody>
+      </p:sp>
+      <p:sp>
+        <p:nvSpPr>
+          <p:cNvPr id="4" name="Slide Number Placeholder 3"/>
+          <p:cNvSpPr>
+            <a:spLocks noGrp="1"/>
+          </p:cNvSpPr>
+          <p:nvPr>
+            <p:ph type="sldNum" sz="quarter" idx="10"/>
+          </p:nvPr>
+        </p:nvSpPr>
+        <p:spPr/>
+        <p:txBody>
+          <a:bodyPr/>
+          <a:lstStyle/>
+          <a:p>
+            <a:fld id="{B207A580-9685-45E0-AF09-37B309E2398A}" type="slidenum">
+              <a:rPr lang="en-US" smtClean="0"/>
+              <a:t>15</a:t>
             </a:fld>
             <a:endParaRPr lang="en-US"/>
           </a:p>
@@ -1293,7 +1407,80 @@
           <a:bodyPr/>
           <a:lstStyle/>
           <a:p>
-            <a:endParaRPr lang="en-US"/>
+            <a:r>
+              <a:rPr lang="en-US" sz="1200" b="1" i="0" kern="1200" dirty="0" smtClean="0">
+                <a:solidFill>
+                  <a:schemeClr val="tx1"/>
+                </a:solidFill>
+                <a:effectLst/>
+                <a:latin typeface="+mn-lt"/>
+                <a:ea typeface="+mn-ea"/>
+                <a:cs typeface="+mn-cs"/>
+              </a:rPr>
+              <a:t>Bidirectional Encoder Representations from Transformers</a:t>
+            </a:r>
+            <a:r>
+              <a:rPr lang="en-US" sz="1200" b="0" i="0" kern="1200" dirty="0" smtClean="0">
+                <a:solidFill>
+                  <a:schemeClr val="tx1"/>
+                </a:solidFill>
+                <a:effectLst/>
+                <a:latin typeface="+mn-lt"/>
+                <a:ea typeface="+mn-ea"/>
+                <a:cs typeface="+mn-cs"/>
+              </a:rPr>
+              <a:t> (</a:t>
+            </a:r>
+            <a:r>
+              <a:rPr lang="en-US" sz="1200" b="1" i="0" kern="1200" dirty="0" smtClean="0">
+                <a:solidFill>
+                  <a:schemeClr val="tx1"/>
+                </a:solidFill>
+                <a:effectLst/>
+                <a:latin typeface="+mn-lt"/>
+                <a:ea typeface="+mn-ea"/>
+                <a:cs typeface="+mn-cs"/>
+              </a:rPr>
+              <a:t>BERT</a:t>
+            </a:r>
+            <a:r>
+              <a:rPr lang="en-US" sz="1200" b="0" i="0" kern="1200" dirty="0" smtClean="0">
+                <a:solidFill>
+                  <a:schemeClr val="tx1"/>
+                </a:solidFill>
+                <a:effectLst/>
+                <a:latin typeface="+mn-lt"/>
+                <a:ea typeface="+mn-ea"/>
+                <a:cs typeface="+mn-cs"/>
+              </a:rPr>
+              <a:t>)</a:t>
+            </a:r>
+          </a:p>
+          <a:p>
+            <a:r>
+              <a:rPr lang="en-US" sz="1200" b="1" i="0" kern="1200" dirty="0" smtClean="0">
+                <a:solidFill>
+                  <a:schemeClr val="tx1"/>
+                </a:solidFill>
+                <a:effectLst/>
+                <a:latin typeface="+mn-lt"/>
+                <a:ea typeface="+mn-ea"/>
+                <a:cs typeface="+mn-cs"/>
+              </a:rPr>
+              <a:t>Generative Pre-trained Transformer</a:t>
+            </a:r>
+            <a:endParaRPr lang="en-US" sz="1200" b="0" i="0" kern="1200" dirty="0" smtClean="0">
+              <a:solidFill>
+                <a:schemeClr val="tx1"/>
+              </a:solidFill>
+              <a:effectLst/>
+              <a:latin typeface="+mn-lt"/>
+              <a:ea typeface="+mn-ea"/>
+              <a:cs typeface="+mn-cs"/>
+            </a:endParaRPr>
+          </a:p>
+          <a:p>
+            <a:endParaRPr lang="en-US" dirty="0"/>
           </a:p>
         </p:txBody>
       </p:sp>
@@ -1323,7 +1510,7 @@
     </p:spTree>
     <p:extLst>
       <p:ext uri="{BB962C8B-B14F-4D97-AF65-F5344CB8AC3E}">
-        <p14:creationId xmlns:p14="http://schemas.microsoft.com/office/powerpoint/2010/main" val="453639541"/>
+        <p14:creationId xmlns:p14="http://schemas.microsoft.com/office/powerpoint/2010/main" val="1117627870"/>
       </p:ext>
     </p:extLst>
   </p:cSld>
@@ -1407,7 +1594,7 @@
     </p:spTree>
     <p:extLst>
       <p:ext uri="{BB962C8B-B14F-4D97-AF65-F5344CB8AC3E}">
-        <p14:creationId xmlns:p14="http://schemas.microsoft.com/office/powerpoint/2010/main" val="2693267960"/>
+        <p14:creationId xmlns:p14="http://schemas.microsoft.com/office/powerpoint/2010/main" val="453639541"/>
       </p:ext>
     </p:extLst>
   </p:cSld>
@@ -1491,7 +1678,7 @@
     </p:spTree>
     <p:extLst>
       <p:ext uri="{BB962C8B-B14F-4D97-AF65-F5344CB8AC3E}">
-        <p14:creationId xmlns:p14="http://schemas.microsoft.com/office/powerpoint/2010/main" val="2867171701"/>
+        <p14:creationId xmlns:p14="http://schemas.microsoft.com/office/powerpoint/2010/main" val="2693267960"/>
       </p:ext>
     </p:extLst>
   </p:cSld>
@@ -1545,11 +1732,7 @@
           <a:bodyPr/>
           <a:lstStyle/>
           <a:p>
-            <a:r>
-              <a:rPr lang="en-US" dirty="0" smtClean="0"/>
-              <a:t>Demo on mask layer </a:t>
-            </a:r>
-            <a:endParaRPr lang="en-US" dirty="0"/>
+            <a:endParaRPr lang="en-US"/>
           </a:p>
         </p:txBody>
       </p:sp>
@@ -1579,7 +1762,7 @@
     </p:spTree>
     <p:extLst>
       <p:ext uri="{BB962C8B-B14F-4D97-AF65-F5344CB8AC3E}">
-        <p14:creationId xmlns:p14="http://schemas.microsoft.com/office/powerpoint/2010/main" val="2763133403"/>
+        <p14:creationId xmlns:p14="http://schemas.microsoft.com/office/powerpoint/2010/main" val="2867171701"/>
       </p:ext>
     </p:extLst>
   </p:cSld>
@@ -1635,29 +1818,7 @@
           <a:p>
             <a:r>
               <a:rPr lang="en-US" dirty="0" smtClean="0"/>
-              <a:t>Drawing</a:t>
-            </a:r>
-            <a:r>
-              <a:rPr lang="en-US" baseline="0" dirty="0" smtClean="0"/>
-              <a:t> of layer </a:t>
-            </a:r>
-          </a:p>
-          <a:p>
-            <a:r>
-              <a:rPr lang="en-US" baseline="0" dirty="0" err="1" smtClean="0"/>
-              <a:t>H_t</a:t>
-            </a:r>
-            <a:r>
-              <a:rPr lang="en-US" baseline="0" dirty="0" smtClean="0"/>
-              <a:t> = k1, k2, …k_t-1 </a:t>
-            </a:r>
-            <a:r>
-              <a:rPr lang="en-US" baseline="0" dirty="0" err="1" smtClean="0"/>
-              <a:t>kn</a:t>
-            </a:r>
-            <a:r>
-              <a:rPr lang="en-US" baseline="0" dirty="0" smtClean="0"/>
-              <a:t> masked </a:t>
+              <a:t>Demo on mask layer </a:t>
             </a:r>
             <a:endParaRPr lang="en-US" dirty="0"/>
           </a:p>
@@ -1689,7 +1850,7 @@
     </p:spTree>
     <p:extLst>
       <p:ext uri="{BB962C8B-B14F-4D97-AF65-F5344CB8AC3E}">
-        <p14:creationId xmlns:p14="http://schemas.microsoft.com/office/powerpoint/2010/main" val="3729693692"/>
+        <p14:creationId xmlns:p14="http://schemas.microsoft.com/office/powerpoint/2010/main" val="2763133403"/>
       </p:ext>
     </p:extLst>
   </p:cSld>
@@ -2034,7 +2195,7 @@
           <a:p>
             <a:fld id="{49A7CD68-4CF0-4011-9CAD-0590FA2D280A}" type="datetimeFigureOut">
               <a:rPr lang="en-US" smtClean="0"/>
-              <a:t>12/14/2022</a:t>
+              <a:t>12/16/2022</a:t>
             </a:fld>
             <a:endParaRPr lang="en-US"/>
           </a:p>
@@ -3122,7 +3283,7 @@
           <a:p>
             <a:fld id="{49A7CD68-4CF0-4011-9CAD-0590FA2D280A}" type="datetimeFigureOut">
               <a:rPr lang="en-US" smtClean="0"/>
-              <a:t>12/14/2022</a:t>
+              <a:t>12/16/2022</a:t>
             </a:fld>
             <a:endParaRPr lang="en-US"/>
           </a:p>
@@ -4102,7 +4263,7 @@
           <a:p>
             <a:fld id="{49A7CD68-4CF0-4011-9CAD-0590FA2D280A}" type="datetimeFigureOut">
               <a:rPr lang="en-US" smtClean="0"/>
-              <a:t>12/14/2022</a:t>
+              <a:t>12/16/2022</a:t>
             </a:fld>
             <a:endParaRPr lang="en-US"/>
           </a:p>
@@ -5236,7 +5397,7 @@
           <a:p>
             <a:fld id="{49A7CD68-4CF0-4011-9CAD-0590FA2D280A}" type="datetimeFigureOut">
               <a:rPr lang="en-US" smtClean="0"/>
-              <a:t>12/14/2022</a:t>
+              <a:t>12/16/2022</a:t>
             </a:fld>
             <a:endParaRPr lang="en-US"/>
           </a:p>
@@ -6269,7 +6430,7 @@
           <a:p>
             <a:fld id="{49A7CD68-4CF0-4011-9CAD-0590FA2D280A}" type="datetimeFigureOut">
               <a:rPr lang="en-US" smtClean="0"/>
-              <a:t>12/14/2022</a:t>
+              <a:t>12/16/2022</a:t>
             </a:fld>
             <a:endParaRPr lang="en-US"/>
           </a:p>
@@ -6929,7 +7090,7 @@
           <a:p>
             <a:fld id="{49A7CD68-4CF0-4011-9CAD-0590FA2D280A}" type="datetimeFigureOut">
               <a:rPr lang="en-US" smtClean="0"/>
-              <a:t>12/14/2022</a:t>
+              <a:t>12/16/2022</a:t>
             </a:fld>
             <a:endParaRPr lang="en-US"/>
           </a:p>
@@ -7790,7 +7951,7 @@
           <a:p>
             <a:fld id="{49A7CD68-4CF0-4011-9CAD-0590FA2D280A}" type="datetimeFigureOut">
               <a:rPr lang="en-US" smtClean="0"/>
-              <a:t>12/14/2022</a:t>
+              <a:t>12/16/2022</a:t>
             </a:fld>
             <a:endParaRPr lang="en-US"/>
           </a:p>
@@ -7980,7 +8141,7 @@
           <a:p>
             <a:fld id="{49A7CD68-4CF0-4011-9CAD-0590FA2D280A}" type="datetimeFigureOut">
               <a:rPr lang="en-US" smtClean="0"/>
-              <a:t>12/14/2022</a:t>
+              <a:t>12/16/2022</a:t>
             </a:fld>
             <a:endParaRPr lang="en-US"/>
           </a:p>
@@ -8952,7 +9113,7 @@
           <a:p>
             <a:fld id="{49A7CD68-4CF0-4011-9CAD-0590FA2D280A}" type="datetimeFigureOut">
               <a:rPr lang="en-US" smtClean="0"/>
-              <a:t>12/14/2022</a:t>
+              <a:t>12/16/2022</a:t>
             </a:fld>
             <a:endParaRPr lang="en-US"/>
           </a:p>
@@ -9163,7 +9324,7 @@
           <a:p>
             <a:fld id="{49A7CD68-4CF0-4011-9CAD-0590FA2D280A}" type="datetimeFigureOut">
               <a:rPr lang="en-US" smtClean="0"/>
-              <a:t>12/14/2022</a:t>
+              <a:t>12/16/2022</a:t>
             </a:fld>
             <a:endParaRPr lang="en-US"/>
           </a:p>
@@ -10197,7 +10358,7 @@
           <a:p>
             <a:fld id="{49A7CD68-4CF0-4011-9CAD-0590FA2D280A}" type="datetimeFigureOut">
               <a:rPr lang="en-US" smtClean="0"/>
-              <a:t>12/14/2022</a:t>
+              <a:t>12/16/2022</a:t>
             </a:fld>
             <a:endParaRPr lang="en-US"/>
           </a:p>
@@ -10469,7 +10630,7 @@
           <a:p>
             <a:fld id="{49A7CD68-4CF0-4011-9CAD-0590FA2D280A}" type="datetimeFigureOut">
               <a:rPr lang="en-US" smtClean="0"/>
-              <a:t>12/14/2022</a:t>
+              <a:t>12/16/2022</a:t>
             </a:fld>
             <a:endParaRPr lang="en-US"/>
           </a:p>
@@ -10879,7 +11040,7 @@
           <a:p>
             <a:fld id="{49A7CD68-4CF0-4011-9CAD-0590FA2D280A}" type="datetimeFigureOut">
               <a:rPr lang="en-US" smtClean="0"/>
-              <a:t>12/14/2022</a:t>
+              <a:t>12/16/2022</a:t>
             </a:fld>
             <a:endParaRPr lang="en-US"/>
           </a:p>
@@ -11006,7 +11167,7 @@
           <a:p>
             <a:fld id="{49A7CD68-4CF0-4011-9CAD-0590FA2D280A}" type="datetimeFigureOut">
               <a:rPr lang="en-US" smtClean="0"/>
-              <a:t>12/14/2022</a:t>
+              <a:t>12/16/2022</a:t>
             </a:fld>
             <a:endParaRPr lang="en-US"/>
           </a:p>
@@ -11101,7 +11262,7 @@
           <a:p>
             <a:fld id="{49A7CD68-4CF0-4011-9CAD-0590FA2D280A}" type="datetimeFigureOut">
               <a:rPr lang="en-US" smtClean="0"/>
-              <a:t>12/14/2022</a:t>
+              <a:t>12/16/2022</a:t>
             </a:fld>
             <a:endParaRPr lang="en-US"/>
           </a:p>
@@ -12182,7 +12343,7 @@
           <a:p>
             <a:fld id="{49A7CD68-4CF0-4011-9CAD-0590FA2D280A}" type="datetimeFigureOut">
               <a:rPr lang="en-US" smtClean="0"/>
-              <a:t>12/14/2022</a:t>
+              <a:t>12/16/2022</a:t>
             </a:fld>
             <a:endParaRPr lang="en-US"/>
           </a:p>
@@ -13290,7 +13451,7 @@
           <a:p>
             <a:fld id="{49A7CD68-4CF0-4011-9CAD-0590FA2D280A}" type="datetimeFigureOut">
               <a:rPr lang="en-US" smtClean="0"/>
-              <a:t>12/14/2022</a:t>
+              <a:t>12/16/2022</a:t>
             </a:fld>
             <a:endParaRPr lang="en-US"/>
           </a:p>
@@ -14287,7 +14448,7 @@
           <a:p>
             <a:fld id="{49A7CD68-4CF0-4011-9CAD-0590FA2D280A}" type="datetimeFigureOut">
               <a:rPr lang="en-US" smtClean="0"/>
-              <a:t>12/14/2022</a:t>
+              <a:t>12/16/2022</a:t>
             </a:fld>
             <a:endParaRPr lang="en-US"/>
           </a:p>
@@ -14945,6 +15106,315 @@
           <a:lstStyle/>
           <a:p>
             <a:r>
+              <a:rPr lang="en-US" dirty="0"/>
+              <a:t>Model Architecture</a:t>
+            </a:r>
+          </a:p>
+        </p:txBody>
+      </p:sp>
+      <p:sp>
+        <p:nvSpPr>
+          <p:cNvPr id="3" name="Content Placeholder 2"/>
+          <p:cNvSpPr>
+            <a:spLocks noGrp="1"/>
+          </p:cNvSpPr>
+          <p:nvPr>
+            <p:ph idx="1"/>
+          </p:nvPr>
+        </p:nvSpPr>
+        <p:spPr/>
+        <p:txBody>
+          <a:bodyPr>
+            <a:normAutofit fontScale="92500" lnSpcReduction="20000"/>
+          </a:bodyPr>
+          <a:lstStyle/>
+          <a:p>
+            <a:r>
+              <a:rPr lang="en-US" dirty="0" smtClean="0"/>
+              <a:t>Position-wise Feed-Forward Networks </a:t>
+            </a:r>
+          </a:p>
+          <a:p>
+            <a:endParaRPr lang="en-US" dirty="0" smtClean="0"/>
+          </a:p>
+          <a:p>
+            <a:endParaRPr lang="en-US" dirty="0" smtClean="0"/>
+          </a:p>
+          <a:p>
+            <a:endParaRPr lang="en-US" dirty="0"/>
+          </a:p>
+          <a:p>
+            <a:r>
+              <a:rPr lang="en-US" dirty="0" smtClean="0"/>
+              <a:t>Positional Encoding </a:t>
+            </a:r>
+          </a:p>
+          <a:p>
+            <a:pPr lvl="1"/>
+            <a:r>
+              <a:rPr lang="en-US" dirty="0" smtClean="0"/>
+              <a:t>Ensure sequence of tokens </a:t>
+            </a:r>
+          </a:p>
+          <a:p>
+            <a:pPr lvl="1"/>
+            <a:endParaRPr lang="en-US" dirty="0"/>
+          </a:p>
+          <a:p>
+            <a:r>
+              <a:rPr lang="en-US" dirty="0" smtClean="0"/>
+              <a:t>Why it can extract information in a non-</a:t>
+            </a:r>
+            <a:r>
+              <a:rPr lang="en-US" dirty="0" err="1" smtClean="0"/>
+              <a:t>sequencial</a:t>
+            </a:r>
+            <a:r>
+              <a:rPr lang="en-US" dirty="0" smtClean="0"/>
+              <a:t> way</a:t>
+            </a:r>
+            <a:r>
+              <a:rPr lang="en-US" dirty="0" smtClean="0"/>
+              <a:t>?</a:t>
+            </a:r>
+          </a:p>
+          <a:p>
+            <a:pPr lvl="1"/>
+            <a:r>
+              <a:rPr lang="en-US" dirty="0" smtClean="0"/>
+              <a:t>All information at once</a:t>
+            </a:r>
+          </a:p>
+          <a:p>
+            <a:pPr lvl="1"/>
+            <a:r>
+              <a:rPr lang="en-US" dirty="0" smtClean="0"/>
+              <a:t>Unlike RNN sequential</a:t>
+            </a:r>
+            <a:endParaRPr lang="en-US" dirty="0"/>
+          </a:p>
+        </p:txBody>
+      </p:sp>
+      <p:pic>
+        <p:nvPicPr>
+          <p:cNvPr id="13" name="Picture 12"/>
+          <p:cNvPicPr>
+            <a:picLocks noChangeAspect="1"/>
+          </p:cNvPicPr>
+          <p:nvPr/>
+        </p:nvPicPr>
+        <p:blipFill>
+          <a:blip r:embed="rId3"/>
+          <a:stretch>
+            <a:fillRect/>
+          </a:stretch>
+        </p:blipFill>
+        <p:spPr>
+          <a:xfrm>
+            <a:off x="1507444" y="2832056"/>
+            <a:ext cx="6829425" cy="971550"/>
+          </a:xfrm>
+          <a:prstGeom prst="rect">
+            <a:avLst/>
+          </a:prstGeom>
+        </p:spPr>
+      </p:pic>
+      <p:pic>
+        <p:nvPicPr>
+          <p:cNvPr id="16" name="Picture 15"/>
+          <p:cNvPicPr>
+            <a:picLocks noChangeAspect="1"/>
+          </p:cNvPicPr>
+          <p:nvPr/>
+        </p:nvPicPr>
+        <p:blipFill>
+          <a:blip r:embed="rId4"/>
+          <a:stretch>
+            <a:fillRect/>
+          </a:stretch>
+        </p:blipFill>
+        <p:spPr>
+          <a:xfrm>
+            <a:off x="9144000" y="457505"/>
+            <a:ext cx="2849562" cy="3127297"/>
+          </a:xfrm>
+          <a:prstGeom prst="rect">
+            <a:avLst/>
+          </a:prstGeom>
+        </p:spPr>
+      </p:pic>
+      <p:sp>
+        <p:nvSpPr>
+          <p:cNvPr id="19" name="AutoShape 2" descr="CS 230 - Recurrent Neural Networks Cheatsheet"/>
+          <p:cNvSpPr>
+            <a:spLocks noChangeAspect="1" noChangeArrowheads="1"/>
+          </p:cNvSpPr>
+          <p:nvPr/>
+        </p:nvSpPr>
+        <p:spPr bwMode="auto">
+          <a:xfrm>
+            <a:off x="155575" y="-144463"/>
+            <a:ext cx="304800" cy="304801"/>
+          </a:xfrm>
+          <a:prstGeom prst="rect">
+            <a:avLst/>
+          </a:prstGeom>
+          <a:noFill/>
+          <a:extLst>
+            <a:ext uri="{909E8E84-426E-40DD-AFC4-6F175D3DCCD1}">
+              <a14:hiddenFill xmlns:a14="http://schemas.microsoft.com/office/drawing/2010/main">
+                <a:solidFill>
+                  <a:srgbClr val="FFFFFF"/>
+                </a:solidFill>
+              </a14:hiddenFill>
+            </a:ext>
+          </a:extLst>
+        </p:spPr>
+        <p:txBody>
+          <a:bodyPr vert="horz" wrap="square" lIns="91440" tIns="45720" rIns="91440" bIns="45720" numCol="1" anchor="t" anchorCtr="0" compatLnSpc="1">
+            <a:prstTxWarp prst="textNoShape">
+              <a:avLst/>
+            </a:prstTxWarp>
+          </a:bodyPr>
+          <a:lstStyle/>
+          <a:p>
+            <a:endParaRPr lang="en-US"/>
+          </a:p>
+        </p:txBody>
+      </p:sp>
+      <p:sp>
+        <p:nvSpPr>
+          <p:cNvPr id="20" name="AutoShape 4" descr="CS 230 - Recurrent Neural Networks Cheatsheet"/>
+          <p:cNvSpPr>
+            <a:spLocks noChangeAspect="1" noChangeArrowheads="1"/>
+          </p:cNvSpPr>
+          <p:nvPr/>
+        </p:nvSpPr>
+        <p:spPr bwMode="auto">
+          <a:xfrm>
+            <a:off x="307975" y="7937"/>
+            <a:ext cx="304800" cy="304801"/>
+          </a:xfrm>
+          <a:prstGeom prst="rect">
+            <a:avLst/>
+          </a:prstGeom>
+          <a:noFill/>
+          <a:extLst>
+            <a:ext uri="{909E8E84-426E-40DD-AFC4-6F175D3DCCD1}">
+              <a14:hiddenFill xmlns:a14="http://schemas.microsoft.com/office/drawing/2010/main">
+                <a:solidFill>
+                  <a:srgbClr val="FFFFFF"/>
+                </a:solidFill>
+              </a14:hiddenFill>
+            </a:ext>
+          </a:extLst>
+        </p:spPr>
+        <p:txBody>
+          <a:bodyPr vert="horz" wrap="square" lIns="91440" tIns="45720" rIns="91440" bIns="45720" numCol="1" anchor="t" anchorCtr="0" compatLnSpc="1">
+            <a:prstTxWarp prst="textNoShape">
+              <a:avLst/>
+            </a:prstTxWarp>
+          </a:bodyPr>
+          <a:lstStyle/>
+          <a:p>
+            <a:endParaRPr lang="en-US"/>
+          </a:p>
+        </p:txBody>
+      </p:sp>
+      <p:pic>
+        <p:nvPicPr>
+          <p:cNvPr id="4102" name="Picture 6" descr="CS 230 - Recurrent Neural Networks Cheatsheet"/>
+          <p:cNvPicPr>
+            <a:picLocks noChangeAspect="1" noChangeArrowheads="1"/>
+          </p:cNvPicPr>
+          <p:nvPr/>
+        </p:nvPicPr>
+        <p:blipFill>
+          <a:blip r:embed="rId5">
+            <a:extLst>
+              <a:ext uri="{28A0092B-C50C-407E-A947-70E740481C1C}">
+                <a14:useLocalDpi xmlns:a14="http://schemas.microsoft.com/office/drawing/2010/main" val="0"/>
+              </a:ext>
+            </a:extLst>
+          </a:blip>
+          <a:srcRect/>
+          <a:stretch>
+            <a:fillRect/>
+          </a:stretch>
+        </p:blipFill>
+        <p:spPr bwMode="auto">
+          <a:xfrm>
+            <a:off x="8224092" y="4319247"/>
+            <a:ext cx="3990975" cy="1773767"/>
+          </a:xfrm>
+          <a:prstGeom prst="rect">
+            <a:avLst/>
+          </a:prstGeom>
+          <a:noFill/>
+          <a:extLst>
+            <a:ext uri="{909E8E84-426E-40DD-AFC4-6F175D3DCCD1}">
+              <a14:hiddenFill xmlns:a14="http://schemas.microsoft.com/office/drawing/2010/main">
+                <a:solidFill>
+                  <a:srgbClr val="FFFFFF"/>
+                </a:solidFill>
+              </a14:hiddenFill>
+            </a:ext>
+          </a:extLst>
+        </p:spPr>
+      </p:pic>
+    </p:spTree>
+    <p:extLst>
+      <p:ext uri="{BB962C8B-B14F-4D97-AF65-F5344CB8AC3E}">
+        <p14:creationId xmlns:p14="http://schemas.microsoft.com/office/powerpoint/2010/main" val="3478385588"/>
+      </p:ext>
+    </p:extLst>
+  </p:cSld>
+  <p:clrMapOvr>
+    <a:masterClrMapping/>
+  </p:clrMapOvr>
+  <p:timing>
+    <p:tnLst>
+      <p:par>
+        <p:cTn id="1" dur="indefinite" restart="never" nodeType="tmRoot"/>
+      </p:par>
+    </p:tnLst>
+  </p:timing>
+</p:sld>
+</file>
+
+<file path=ppt/slides/slide11.xml><?xml version="1.0" encoding="utf-8"?>
+<p:sld xmlns:a="http://schemas.openxmlformats.org/drawingml/2006/main" xmlns:r="http://schemas.openxmlformats.org/officeDocument/2006/relationships" xmlns:p="http://schemas.openxmlformats.org/presentationml/2006/main">
+  <p:cSld>
+    <p:spTree>
+      <p:nvGrpSpPr>
+        <p:cNvPr id="1" name=""/>
+        <p:cNvGrpSpPr/>
+        <p:nvPr/>
+      </p:nvGrpSpPr>
+      <p:grpSpPr>
+        <a:xfrm>
+          <a:off x="0" y="0"/>
+          <a:ext cx="0" cy="0"/>
+          <a:chOff x="0" y="0"/>
+          <a:chExt cx="0" cy="0"/>
+        </a:xfrm>
+      </p:grpSpPr>
+      <p:sp>
+        <p:nvSpPr>
+          <p:cNvPr id="2" name="Title 1"/>
+          <p:cNvSpPr>
+            <a:spLocks noGrp="1"/>
+          </p:cNvSpPr>
+          <p:nvPr>
+            <p:ph type="title"/>
+          </p:nvPr>
+        </p:nvSpPr>
+        <p:spPr/>
+        <p:txBody>
+          <a:bodyPr/>
+          <a:lstStyle/>
+          <a:p>
+            <a:r>
               <a:rPr lang="en-US" dirty="0" smtClean="0"/>
               <a:t>Result</a:t>
             </a:r>
@@ -15050,7 +15520,7 @@
 </p:sld>
 </file>
 
-<file path=ppt/slides/slide11.xml><?xml version="1.0" encoding="utf-8"?>
+<file path=ppt/slides/slide12.xml><?xml version="1.0" encoding="utf-8"?>
 <p:sld xmlns:a="http://schemas.openxmlformats.org/drawingml/2006/main" xmlns:r="http://schemas.openxmlformats.org/officeDocument/2006/relationships" xmlns:p="http://schemas.openxmlformats.org/presentationml/2006/main">
   <p:cSld>
     <p:spTree>
@@ -15111,17 +15581,17 @@
           <a:p>
             <a:r>
               <a:rPr lang="en-US" dirty="0" smtClean="0"/>
-              <a:t>BERT</a:t>
+              <a:t>Hugging </a:t>
             </a:r>
             <a:r>
               <a:rPr lang="en-US" dirty="0"/>
-              <a:t>: </a:t>
+              <a:t>Face Transformers </a:t>
             </a:r>
             <a:r>
               <a:rPr lang="en-US" dirty="0">
                 <a:hlinkClick r:id="rId3"/>
               </a:rPr>
-              <a:t>https://www.codemotion.com/magazine/ai-ml/bert-how-google-changed-nlp-and-how-to-benefit-from-this</a:t>
+              <a:t>https://huggingface.co/transformers</a:t>
             </a:r>
             <a:r>
               <a:rPr lang="en-US" dirty="0" smtClean="0">
@@ -15129,80 +15599,106 @@
               </a:rPr>
               <a:t>/</a:t>
             </a:r>
-            <a:endParaRPr lang="en-US" dirty="0" smtClean="0"/>
-          </a:p>
-          <a:p>
-            <a:pPr marL="0" indent="0">
-              <a:buNone/>
-            </a:pPr>
-            <a:endParaRPr lang="en-US" dirty="0" smtClean="0"/>
+            <a:endParaRPr lang="en-US" dirty="0"/>
+          </a:p>
+          <a:p>
+            <a:endParaRPr lang="en-US" dirty="0"/>
           </a:p>
           <a:p>
             <a:r>
               <a:rPr lang="en-US" dirty="0" smtClean="0"/>
-              <a:t>GPT: </a:t>
+              <a:t>BERT</a:t>
+            </a:r>
+            <a:r>
+              <a:rPr lang="en-US" dirty="0"/>
+              <a:t>: </a:t>
+            </a:r>
+            <a:r>
+              <a:rPr lang="en-US" dirty="0">
+                <a:hlinkClick r:id="rId4"/>
+              </a:rPr>
+              <a:t>https://www.codemotion.com/magazine/ai-ml/bert-how-google-changed-nlp-and-how-to-benefit-from-this</a:t>
             </a:r>
             <a:r>
               <a:rPr lang="en-US" dirty="0" smtClean="0">
                 <a:hlinkClick r:id="rId4"/>
               </a:rPr>
+              <a:t>/</a:t>
+            </a:r>
+            <a:endParaRPr lang="en-US" dirty="0" smtClean="0"/>
+          </a:p>
+          <a:p>
+            <a:pPr marL="0" indent="0">
+              <a:buNone/>
+            </a:pPr>
+            <a:endParaRPr lang="en-US" dirty="0" smtClean="0"/>
+          </a:p>
+          <a:p>
+            <a:r>
+              <a:rPr lang="en-US" dirty="0" smtClean="0"/>
+              <a:t>GPT: </a:t>
+            </a:r>
+            <a:r>
+              <a:rPr lang="en-US" dirty="0" smtClean="0">
+                <a:hlinkClick r:id="rId5"/>
+              </a:rPr>
               <a:t>https</a:t>
-            </a:r>
-            <a:r>
-              <a:rPr lang="en-US" dirty="0">
-                <a:hlinkClick r:id="rId4"/>
-              </a:rPr>
-              <a:t>://</a:t>
-            </a:r>
-            <a:r>
-              <a:rPr lang="en-US" dirty="0" smtClean="0">
-                <a:hlinkClick r:id="rId4"/>
-              </a:rPr>
-              <a:t>huggingface.co/docs/transformers/model_doc/openai-gpt</a:t>
-            </a:r>
-            <a:endParaRPr lang="en-US" dirty="0" smtClean="0"/>
-          </a:p>
-          <a:p>
-            <a:r>
-              <a:rPr lang="en-US" dirty="0"/>
-              <a:t>GPT3: </a:t>
             </a:r>
             <a:r>
               <a:rPr lang="en-US" dirty="0">
                 <a:hlinkClick r:id="rId5"/>
               </a:rPr>
-              <a:t>https://</a:t>
+              <a:t>://</a:t>
             </a:r>
             <a:r>
               <a:rPr lang="en-US" dirty="0" smtClean="0">
                 <a:hlinkClick r:id="rId5"/>
               </a:rPr>
-              <a:t>github.com/openai/gpt-3</a:t>
+              <a:t>huggingface.co/docs/transformers/model_doc/openai-gpt</a:t>
             </a:r>
             <a:endParaRPr lang="en-US" dirty="0" smtClean="0"/>
           </a:p>
           <a:p>
-            <a:endParaRPr lang="en-US" dirty="0" smtClean="0"/>
-          </a:p>
-          <a:p>
-            <a:r>
-              <a:rPr lang="en-US" dirty="0" err="1" smtClean="0"/>
-              <a:t>ChatGPT</a:t>
-            </a:r>
             <a:r>
               <a:rPr lang="en-US" dirty="0"/>
-              <a:t>: </a:t>
+              <a:t>GPT3: </a:t>
             </a:r>
             <a:r>
               <a:rPr lang="en-US" dirty="0">
                 <a:hlinkClick r:id="rId6"/>
               </a:rPr>
-              <a:t>https://openai.com/blog/chatgpt</a:t>
+              <a:t>https://</a:t>
             </a:r>
             <a:r>
               <a:rPr lang="en-US" dirty="0" smtClean="0">
                 <a:hlinkClick r:id="rId6"/>
               </a:rPr>
+              <a:t>github.com/openai/gpt-3</a:t>
+            </a:r>
+            <a:endParaRPr lang="en-US" dirty="0" smtClean="0"/>
+          </a:p>
+          <a:p>
+            <a:endParaRPr lang="en-US" dirty="0" smtClean="0"/>
+          </a:p>
+          <a:p>
+            <a:r>
+              <a:rPr lang="en-US" dirty="0" err="1" smtClean="0"/>
+              <a:t>ChatGPT</a:t>
+            </a:r>
+            <a:r>
+              <a:rPr lang="en-US" dirty="0"/>
+              <a:t>: </a:t>
+            </a:r>
+            <a:r>
+              <a:rPr lang="en-US" dirty="0">
+                <a:hlinkClick r:id="rId7"/>
+              </a:rPr>
+              <a:t>https://openai.com/blog/chatgpt</a:t>
+            </a:r>
+            <a:r>
+              <a:rPr lang="en-US" dirty="0" smtClean="0">
+                <a:hlinkClick r:id="rId7"/>
+              </a:rPr>
               <a:t>/</a:t>
             </a:r>
             <a:endParaRPr lang="en-US" dirty="0" smtClean="0"/>
@@ -15211,7 +15707,11 @@
             <a:pPr lvl="1"/>
             <a:r>
               <a:rPr lang="en-US" dirty="0" smtClean="0"/>
-              <a:t>It has 175 </a:t>
+              <a:t>It has </a:t>
+            </a:r>
+            <a:r>
+              <a:rPr lang="en-US" dirty="0" smtClean="0"/>
+              <a:t>&gt;175 </a:t>
             </a:r>
             <a:r>
               <a:rPr lang="en-US" dirty="0" err="1" smtClean="0"/>
@@ -15242,7 +15742,7 @@
           <p:nvPr/>
         </p:nvPicPr>
         <p:blipFill>
-          <a:blip r:embed="rId7"/>
+          <a:blip r:embed="rId8"/>
           <a:stretch>
             <a:fillRect/>
           </a:stretch>
@@ -15277,7 +15777,7 @@
 </p:sld>
 </file>
 
-<file path=ppt/slides/slide12.xml><?xml version="1.0" encoding="utf-8"?>
+<file path=ppt/slides/slide13.xml><?xml version="1.0" encoding="utf-8"?>
 <p:sld xmlns:a="http://schemas.openxmlformats.org/drawingml/2006/main" xmlns:r="http://schemas.openxmlformats.org/officeDocument/2006/relationships" xmlns:p="http://schemas.openxmlformats.org/presentationml/2006/main">
   <p:cSld>
     <p:spTree>
@@ -15415,7 +15915,7 @@
 </p:sld>
 </file>
 
-<file path=ppt/slides/slide13.xml><?xml version="1.0" encoding="utf-8"?>
+<file path=ppt/slides/slide14.xml><?xml version="1.0" encoding="utf-8"?>
 <p:sld xmlns:a="http://schemas.openxmlformats.org/drawingml/2006/main" xmlns:r="http://schemas.openxmlformats.org/officeDocument/2006/relationships" xmlns:p="http://schemas.openxmlformats.org/presentationml/2006/main">
   <p:cSld>
     <p:spTree>
@@ -15449,7 +15949,7 @@
           <a:p>
             <a:r>
               <a:rPr lang="en-US" dirty="0" smtClean="0"/>
-              <a:t>Applications</a:t>
+              <a:t>Why Transformers are everywhere</a:t>
             </a:r>
             <a:endParaRPr lang="en-US" dirty="0"/>
           </a:p>
@@ -15465,6 +15965,117 @@
             <p:ph idx="1"/>
           </p:nvPr>
         </p:nvSpPr>
+        <p:spPr/>
+        <p:txBody>
+          <a:bodyPr/>
+          <a:lstStyle/>
+          <a:p>
+            <a:pPr lvl="1"/>
+            <a:r>
+              <a:rPr lang="en-US" dirty="0" smtClean="0"/>
+              <a:t>Parallel</a:t>
+            </a:r>
+            <a:endParaRPr lang="en-US" dirty="0"/>
+          </a:p>
+          <a:p>
+            <a:pPr lvl="1"/>
+            <a:r>
+              <a:rPr lang="en-US" dirty="0"/>
+              <a:t>All </a:t>
+            </a:r>
+            <a:r>
+              <a:rPr lang="en-US" dirty="0" smtClean="0"/>
+              <a:t>input </a:t>
+            </a:r>
+            <a:r>
+              <a:rPr lang="en-US" dirty="0"/>
+              <a:t>at once, unlike </a:t>
+            </a:r>
+            <a:r>
+              <a:rPr lang="en-US" dirty="0" smtClean="0"/>
+              <a:t>RNN</a:t>
+            </a:r>
+          </a:p>
+          <a:p>
+            <a:pPr lvl="1"/>
+            <a:r>
+              <a:rPr lang="en-US" dirty="0" smtClean="0"/>
+              <a:t>Process larger amount of text, then to video, audio, etc.</a:t>
+            </a:r>
+          </a:p>
+          <a:p>
+            <a:pPr lvl="1"/>
+            <a:r>
+              <a:rPr lang="en-US" dirty="0" smtClean="0"/>
+              <a:t>Use pre-trained models, fast </a:t>
+            </a:r>
+            <a:endParaRPr lang="en-US" dirty="0"/>
+          </a:p>
+        </p:txBody>
+      </p:sp>
+    </p:spTree>
+    <p:extLst>
+      <p:ext uri="{BB962C8B-B14F-4D97-AF65-F5344CB8AC3E}">
+        <p14:creationId xmlns:p14="http://schemas.microsoft.com/office/powerpoint/2010/main" val="4183426684"/>
+      </p:ext>
+    </p:extLst>
+  </p:cSld>
+  <p:clrMapOvr>
+    <a:masterClrMapping/>
+  </p:clrMapOvr>
+</p:sld>
+</file>
+
+<file path=ppt/slides/slide15.xml><?xml version="1.0" encoding="utf-8"?>
+<p:sld xmlns:a="http://schemas.openxmlformats.org/drawingml/2006/main" xmlns:r="http://schemas.openxmlformats.org/officeDocument/2006/relationships" xmlns:p="http://schemas.openxmlformats.org/presentationml/2006/main">
+  <p:cSld>
+    <p:spTree>
+      <p:nvGrpSpPr>
+        <p:cNvPr id="1" name=""/>
+        <p:cNvGrpSpPr/>
+        <p:nvPr/>
+      </p:nvGrpSpPr>
+      <p:grpSpPr>
+        <a:xfrm>
+          <a:off x="0" y="0"/>
+          <a:ext cx="0" cy="0"/>
+          <a:chOff x="0" y="0"/>
+          <a:chExt cx="0" cy="0"/>
+        </a:xfrm>
+      </p:grpSpPr>
+      <p:sp>
+        <p:nvSpPr>
+          <p:cNvPr id="2" name="Title 1"/>
+          <p:cNvSpPr>
+            <a:spLocks noGrp="1"/>
+          </p:cNvSpPr>
+          <p:nvPr>
+            <p:ph type="title"/>
+          </p:nvPr>
+        </p:nvSpPr>
+        <p:spPr/>
+        <p:txBody>
+          <a:bodyPr/>
+          <a:lstStyle/>
+          <a:p>
+            <a:r>
+              <a:rPr lang="en-US" dirty="0" smtClean="0"/>
+              <a:t>Applications</a:t>
+            </a:r>
+            <a:endParaRPr lang="en-US" dirty="0"/>
+          </a:p>
+        </p:txBody>
+      </p:sp>
+      <p:sp>
+        <p:nvSpPr>
+          <p:cNvPr id="3" name="Content Placeholder 2"/>
+          <p:cNvSpPr>
+            <a:spLocks noGrp="1"/>
+          </p:cNvSpPr>
+          <p:nvPr>
+            <p:ph idx="1"/>
+          </p:nvPr>
+        </p:nvSpPr>
         <p:spPr>
           <a:xfrm>
             <a:off x="838200" y="1825625"/>
@@ -15484,6 +16095,7 @@
               <a:rPr lang="en-US" dirty="0" smtClean="0"/>
               <a:t>NLP </a:t>
             </a:r>
+            <a:endParaRPr lang="en-US" dirty="0" smtClean="0"/>
           </a:p>
           <a:p>
             <a:pPr lvl="1"/>
@@ -15712,7 +16324,7 @@
 </p:sld>
 </file>
 
-<file path=ppt/slides/slide14.xml><?xml version="1.0" encoding="utf-8"?>
+<file path=ppt/slides/slide16.xml><?xml version="1.0" encoding="utf-8"?>
 <p:sld xmlns:a="http://schemas.openxmlformats.org/drawingml/2006/main" xmlns:r="http://schemas.openxmlformats.org/officeDocument/2006/relationships" xmlns:p="http://schemas.openxmlformats.org/presentationml/2006/main">
   <p:cSld>
     <p:spTree>
@@ -16075,7 +16687,6 @@
               <a:rPr lang="en-US" dirty="0" smtClean="0"/>
               <a:t>Derived models </a:t>
             </a:r>
-            <a:endParaRPr lang="en-US" dirty="0" smtClean="0"/>
           </a:p>
           <a:p>
             <a:r>
@@ -16174,221 +16785,102 @@
           <a:lstStyle/>
           <a:p>
             <a:r>
-              <a:rPr lang="en-US" sz="1100" dirty="0" smtClean="0"/>
+              <a:rPr lang="en-US" sz="1600" dirty="0" smtClean="0"/>
               <a:t>From Sequence Modeling to Attention (2017)</a:t>
             </a:r>
-            <a:endParaRPr lang="en-US" sz="1100" dirty="0" smtClean="0"/>
           </a:p>
           <a:p>
             <a:pPr lvl="1"/>
             <a:r>
-              <a:rPr lang="en-US" sz="1000" dirty="0" smtClean="0"/>
+              <a:rPr lang="en-US" dirty="0" smtClean="0"/>
               <a:t>From NLP(Nature Language Processing) problem</a:t>
             </a:r>
           </a:p>
           <a:p>
             <a:pPr lvl="1"/>
             <a:r>
-              <a:rPr lang="en-US" sz="1000" dirty="0" smtClean="0"/>
-              <a:t>RNN (Recurrent Neural Network), LSTM (l</a:t>
-            </a:r>
-            <a:r>
-              <a:rPr lang="en-US" sz="1000" dirty="0" smtClean="0"/>
-              <a:t>ong </a:t>
-            </a:r>
-            <a:r>
-              <a:rPr lang="en-US" sz="1000" dirty="0"/>
+              <a:rPr lang="en-US" dirty="0" smtClean="0"/>
+              <a:t>RNN (Recurrent Neural Network), LSTM (long </a:t>
+            </a:r>
+            <a:r>
+              <a:rPr lang="en-US" dirty="0"/>
               <a:t>short-term memory networks</a:t>
             </a:r>
             <a:r>
-              <a:rPr lang="en-US" sz="1000" dirty="0" smtClean="0"/>
+              <a:rPr lang="en-US" dirty="0" smtClean="0"/>
               <a:t>), GRU (Gated Recurrent Unit)</a:t>
             </a:r>
-            <a:endParaRPr lang="en-US" sz="1000" dirty="0" smtClean="0"/>
           </a:p>
           <a:p>
             <a:pPr lvl="1"/>
             <a:r>
-              <a:rPr lang="en-US" sz="1000" dirty="0" smtClean="0"/>
+              <a:rPr lang="en-US" dirty="0" smtClean="0"/>
               <a:t>From recurrent language models to encoder-decoder model </a:t>
             </a:r>
           </a:p>
           <a:p>
             <a:pPr lvl="2"/>
             <a:r>
-              <a:rPr lang="en-US" sz="900" dirty="0" smtClean="0"/>
+              <a:rPr lang="en-US" sz="1600" dirty="0" smtClean="0"/>
               <a:t>H</a:t>
             </a:r>
             <a:r>
-              <a:rPr lang="en-US" sz="900" baseline="-25000" dirty="0" smtClean="0"/>
+              <a:rPr lang="en-US" sz="1600" baseline="-25000" dirty="0" smtClean="0"/>
               <a:t>t-1</a:t>
             </a:r>
             <a:r>
-              <a:rPr lang="en-US" sz="900" dirty="0" smtClean="0"/>
+              <a:rPr lang="en-US" sz="1600" dirty="0" smtClean="0"/>
+              <a:t> to </a:t>
+            </a:r>
+            <a:r>
+              <a:rPr lang="en-US" sz="1600" dirty="0" err="1" smtClean="0"/>
+              <a:t>h</a:t>
+            </a:r>
+            <a:r>
+              <a:rPr lang="en-US" sz="1600" baseline="-25000" dirty="0" err="1" smtClean="0"/>
+              <a:t>t</a:t>
+            </a:r>
+            <a:r>
+              <a:rPr lang="en-US" sz="1600" dirty="0" smtClean="0"/>
               <a:t> </a:t>
             </a:r>
-            <a:r>
-              <a:rPr lang="en-US" sz="900" dirty="0" smtClean="0"/>
-              <a:t>to </a:t>
-            </a:r>
-            <a:r>
-              <a:rPr lang="en-US" sz="900" dirty="0" err="1" smtClean="0"/>
-              <a:t>h</a:t>
-            </a:r>
-            <a:r>
-              <a:rPr lang="en-US" sz="900" baseline="-25000" dirty="0" err="1" smtClean="0"/>
+          </a:p>
+          <a:p>
+            <a:pPr lvl="2"/>
+            <a:r>
+              <a:rPr lang="en-US" sz="1600" dirty="0" smtClean="0"/>
+              <a:t>Hard to parallelize </a:t>
+            </a:r>
+          </a:p>
+          <a:p>
+            <a:pPr lvl="2"/>
+            <a:r>
+              <a:rPr lang="en-US" sz="1600" dirty="0" smtClean="0"/>
+              <a:t>Long sequence memory lose, large </a:t>
+            </a:r>
+            <a:r>
+              <a:rPr lang="en-US" sz="1600" dirty="0" err="1" smtClean="0"/>
+              <a:t>H</a:t>
+            </a:r>
+            <a:r>
+              <a:rPr lang="en-US" sz="1600" baseline="-25000" dirty="0" err="1" smtClean="0"/>
               <a:t>t</a:t>
             </a:r>
             <a:r>
-              <a:rPr lang="en-US" sz="900" dirty="0" smtClean="0"/>
+              <a:rPr lang="en-US" sz="1600" dirty="0" smtClean="0"/>
               <a:t> </a:t>
             </a:r>
-            <a:endParaRPr lang="en-US" sz="900" dirty="0" smtClean="0"/>
-          </a:p>
-          <a:p>
-            <a:pPr lvl="2"/>
-            <a:r>
-              <a:rPr lang="en-US" sz="900" dirty="0" smtClean="0"/>
-              <a:t>Hard to </a:t>
-            </a:r>
-            <a:r>
-              <a:rPr lang="en-US" sz="900" dirty="0" smtClean="0"/>
-              <a:t>parallelize </a:t>
-            </a:r>
-            <a:endParaRPr lang="en-US" sz="900" dirty="0" smtClean="0"/>
-          </a:p>
-          <a:p>
-            <a:pPr lvl="2"/>
-            <a:r>
-              <a:rPr lang="en-US" sz="900" dirty="0" smtClean="0"/>
-              <a:t>Long sequence memory lose, large </a:t>
-            </a:r>
-            <a:r>
-              <a:rPr lang="en-US" sz="900" dirty="0" err="1" smtClean="0"/>
-              <a:t>H</a:t>
-            </a:r>
-            <a:r>
-              <a:rPr lang="en-US" sz="900" baseline="-25000" dirty="0" err="1" smtClean="0"/>
-              <a:t>t</a:t>
-            </a:r>
-            <a:r>
-              <a:rPr lang="en-US" sz="900" dirty="0" smtClean="0"/>
-              <a:t> </a:t>
-            </a:r>
-            <a:endParaRPr lang="en-US" sz="900" dirty="0" smtClean="0"/>
           </a:p>
           <a:p>
             <a:pPr lvl="1"/>
             <a:r>
-              <a:rPr lang="en-US" sz="1000" dirty="0" smtClean="0"/>
+              <a:rPr lang="en-US" dirty="0" smtClean="0"/>
               <a:t>Attention used from encoder to decoder </a:t>
             </a:r>
-            <a:endParaRPr lang="en-US" sz="1000" dirty="0" smtClean="0"/>
           </a:p>
           <a:p>
             <a:pPr lvl="1"/>
-            <a:endParaRPr lang="en-US" sz="1000" dirty="0"/>
-          </a:p>
-          <a:p>
-            <a:r>
-              <a:rPr lang="en-US" sz="1100" dirty="0" smtClean="0"/>
-              <a:t>Derivatives of Transformers </a:t>
-            </a:r>
-            <a:endParaRPr lang="en-US" sz="1100" dirty="0" smtClean="0"/>
-          </a:p>
-          <a:p>
-            <a:pPr lvl="1"/>
-            <a:r>
-              <a:rPr lang="en-US" sz="1000" dirty="0" smtClean="0"/>
-              <a:t>BERT (</a:t>
-            </a:r>
-            <a:r>
-              <a:rPr lang="en-US" sz="1000" dirty="0" smtClean="0">
-                <a:solidFill>
-                  <a:schemeClr val="tx1"/>
-                </a:solidFill>
-              </a:rPr>
-              <a:t>Bidirectional Encoder Representations from Transformers </a:t>
-            </a:r>
-            <a:r>
-              <a:rPr lang="en-US" sz="1000" dirty="0" smtClean="0"/>
-              <a:t>2018</a:t>
-            </a:r>
-            <a:r>
-              <a:rPr lang="en-US" sz="1000" dirty="0"/>
-              <a:t>) </a:t>
-            </a:r>
-            <a:r>
-              <a:rPr lang="en-US" sz="1000" dirty="0">
-                <a:hlinkClick r:id="rId3"/>
-              </a:rPr>
-              <a:t>https://</a:t>
-            </a:r>
-            <a:r>
-              <a:rPr lang="en-US" sz="1000" dirty="0" smtClean="0">
-                <a:hlinkClick r:id="rId3"/>
-              </a:rPr>
-              <a:t>arxiv.org/abs/1810.04805</a:t>
-            </a:r>
-            <a:endParaRPr lang="en-US" sz="1000" dirty="0" smtClean="0"/>
-          </a:p>
-          <a:p>
-            <a:pPr lvl="1"/>
-            <a:r>
-              <a:rPr lang="en-US" sz="1000" dirty="0" smtClean="0"/>
-              <a:t> GPT3 (</a:t>
-            </a:r>
-            <a:r>
-              <a:rPr lang="en-US" sz="1000" dirty="0">
-                <a:solidFill>
-                  <a:schemeClr val="tx1"/>
-                </a:solidFill>
-              </a:rPr>
-              <a:t>Generative Pre-trained </a:t>
-            </a:r>
-            <a:r>
-              <a:rPr lang="en-US" sz="1000" dirty="0" smtClean="0">
-                <a:solidFill>
-                  <a:schemeClr val="tx1"/>
-                </a:solidFill>
-              </a:rPr>
-              <a:t>Transformer </a:t>
-            </a:r>
-            <a:r>
-              <a:rPr lang="en-US" sz="1000" dirty="0" smtClean="0"/>
-              <a:t>2020) </a:t>
-            </a:r>
-          </a:p>
-          <a:p>
-            <a:pPr lvl="1"/>
-            <a:r>
-              <a:rPr lang="en-US" sz="1000" dirty="0" err="1" smtClean="0"/>
-              <a:t>ChatGPT</a:t>
-            </a:r>
-            <a:r>
-              <a:rPr lang="en-US" sz="1000" dirty="0"/>
-              <a:t>(2022) </a:t>
-            </a:r>
-            <a:r>
-              <a:rPr lang="en-US" sz="1000" dirty="0">
-                <a:hlinkClick r:id="rId4"/>
-              </a:rPr>
-              <a:t>https://openai.com/blog/chatgpt</a:t>
-            </a:r>
-            <a:r>
-              <a:rPr lang="en-US" sz="1000" dirty="0" smtClean="0">
-                <a:hlinkClick r:id="rId4"/>
-              </a:rPr>
-              <a:t>/</a:t>
-            </a:r>
-            <a:endParaRPr lang="en-US" sz="1000" dirty="0"/>
-          </a:p>
-          <a:p>
-            <a:r>
-              <a:rPr lang="en-US" sz="1100" dirty="0" smtClean="0"/>
-              <a:t>From NLP to audio, video, etc. </a:t>
-            </a:r>
-            <a:endParaRPr lang="en-US" sz="1100" dirty="0"/>
+            <a:endParaRPr lang="en-US" dirty="0"/>
           </a:p>
         </p:txBody>
       </p:sp>
@@ -16401,7 +16893,7 @@
           <p:nvPr/>
         </p:nvPicPr>
         <p:blipFill>
-          <a:blip r:embed="rId5" cstate="print">
+          <a:blip r:embed="rId3" cstate="print">
             <a:extLst>
               <a:ext uri="{28A0092B-C50C-407E-A947-70E740481C1C}">
                 <a14:useLocalDpi xmlns:a14="http://schemas.microsoft.com/office/drawing/2010/main" val="0"/>
@@ -16487,6 +16979,208 @@
           <a:p>
             <a:r>
               <a:rPr lang="en-US" dirty="0" smtClean="0"/>
+              <a:t>Introduction	</a:t>
+            </a:r>
+            <a:endParaRPr lang="en-US" dirty="0"/>
+          </a:p>
+        </p:txBody>
+      </p:sp>
+      <p:sp>
+        <p:nvSpPr>
+          <p:cNvPr id="3" name="Content Placeholder 2"/>
+          <p:cNvSpPr>
+            <a:spLocks noGrp="1"/>
+          </p:cNvSpPr>
+          <p:nvPr>
+            <p:ph idx="1"/>
+          </p:nvPr>
+        </p:nvSpPr>
+        <p:spPr>
+          <a:xfrm>
+            <a:off x="1154954" y="2309740"/>
+            <a:ext cx="6145498" cy="3708810"/>
+          </a:xfrm>
+        </p:spPr>
+        <p:txBody>
+          <a:bodyPr>
+            <a:noAutofit/>
+          </a:bodyPr>
+          <a:lstStyle/>
+          <a:p>
+            <a:pPr lvl="1"/>
+            <a:endParaRPr lang="en-US" dirty="0"/>
+          </a:p>
+          <a:p>
+            <a:r>
+              <a:rPr lang="en-US" sz="1600" dirty="0" smtClean="0"/>
+              <a:t>Advantages: Fast, Parallelism, </a:t>
+            </a:r>
+            <a:r>
+              <a:rPr lang="en-US" sz="1600" dirty="0" err="1" smtClean="0"/>
+              <a:t>pretrained</a:t>
+            </a:r>
+            <a:endParaRPr lang="en-US" sz="1600" dirty="0" smtClean="0"/>
+          </a:p>
+          <a:p>
+            <a:r>
+              <a:rPr lang="en-US" sz="1600" dirty="0" smtClean="0"/>
+              <a:t>Derivatives </a:t>
+            </a:r>
+            <a:r>
+              <a:rPr lang="en-US" sz="1600" dirty="0" smtClean="0"/>
+              <a:t>of Transformers </a:t>
+            </a:r>
+          </a:p>
+          <a:p>
+            <a:pPr lvl="1"/>
+            <a:r>
+              <a:rPr lang="en-US" dirty="0" smtClean="0"/>
+              <a:t>BERT (</a:t>
+            </a:r>
+            <a:r>
+              <a:rPr lang="en-US" dirty="0" smtClean="0">
+                <a:solidFill>
+                  <a:schemeClr val="tx1"/>
+                </a:solidFill>
+              </a:rPr>
+              <a:t>Bidirectional Encoder Representations from Transformers </a:t>
+            </a:r>
+            <a:r>
+              <a:rPr lang="en-US" dirty="0" smtClean="0"/>
+              <a:t>2018</a:t>
+            </a:r>
+            <a:r>
+              <a:rPr lang="en-US" dirty="0"/>
+              <a:t>) </a:t>
+            </a:r>
+            <a:r>
+              <a:rPr lang="en-US" dirty="0">
+                <a:hlinkClick r:id="rId3"/>
+              </a:rPr>
+              <a:t>https://</a:t>
+            </a:r>
+            <a:r>
+              <a:rPr lang="en-US" dirty="0" smtClean="0">
+                <a:hlinkClick r:id="rId3"/>
+              </a:rPr>
+              <a:t>arxiv.org/abs/1810.04805</a:t>
+            </a:r>
+            <a:endParaRPr lang="en-US" dirty="0" smtClean="0"/>
+          </a:p>
+          <a:p>
+            <a:pPr lvl="1"/>
+            <a:r>
+              <a:rPr lang="en-US" dirty="0" smtClean="0"/>
+              <a:t> GPT3 (</a:t>
+            </a:r>
+            <a:r>
+              <a:rPr lang="en-US" dirty="0">
+                <a:solidFill>
+                  <a:schemeClr val="tx1"/>
+                </a:solidFill>
+              </a:rPr>
+              <a:t>Generative Pre-trained </a:t>
+            </a:r>
+            <a:r>
+              <a:rPr lang="en-US" dirty="0" smtClean="0">
+                <a:solidFill>
+                  <a:schemeClr val="tx1"/>
+                </a:solidFill>
+              </a:rPr>
+              <a:t>Transformer </a:t>
+            </a:r>
+            <a:r>
+              <a:rPr lang="en-US" dirty="0" smtClean="0"/>
+              <a:t>2020) </a:t>
+            </a:r>
+          </a:p>
+          <a:p>
+            <a:pPr lvl="1"/>
+            <a:r>
+              <a:rPr lang="en-US" dirty="0" err="1" smtClean="0"/>
+              <a:t>ChatGPT</a:t>
+            </a:r>
+            <a:r>
+              <a:rPr lang="en-US" dirty="0"/>
+              <a:t>(2022) </a:t>
+            </a:r>
+            <a:r>
+              <a:rPr lang="en-US" dirty="0">
+                <a:hlinkClick r:id="rId4"/>
+              </a:rPr>
+              <a:t>https://openai.com/blog/chatgpt</a:t>
+            </a:r>
+            <a:r>
+              <a:rPr lang="en-US" dirty="0" smtClean="0">
+                <a:hlinkClick r:id="rId4"/>
+              </a:rPr>
+              <a:t>/</a:t>
+            </a:r>
+            <a:endParaRPr lang="en-US" dirty="0"/>
+          </a:p>
+          <a:p>
+            <a:r>
+              <a:rPr lang="en-US" sz="1600" dirty="0" smtClean="0"/>
+              <a:t>From NLP to audio, video, etc. </a:t>
+            </a:r>
+            <a:endParaRPr lang="en-US" sz="1600" dirty="0"/>
+          </a:p>
+        </p:txBody>
+      </p:sp>
+    </p:spTree>
+    <p:extLst>
+      <p:ext uri="{BB962C8B-B14F-4D97-AF65-F5344CB8AC3E}">
+        <p14:creationId xmlns:p14="http://schemas.microsoft.com/office/powerpoint/2010/main" val="380841831"/>
+      </p:ext>
+    </p:extLst>
+  </p:cSld>
+  <p:clrMapOvr>
+    <a:masterClrMapping/>
+  </p:clrMapOvr>
+  <p:timing>
+    <p:tnLst>
+      <p:par>
+        <p:cTn id="1" dur="indefinite" restart="never" nodeType="tmRoot"/>
+      </p:par>
+    </p:tnLst>
+  </p:timing>
+</p:sld>
+</file>
+
+<file path=ppt/slides/slide6.xml><?xml version="1.0" encoding="utf-8"?>
+<p:sld xmlns:a="http://schemas.openxmlformats.org/drawingml/2006/main" xmlns:r="http://schemas.openxmlformats.org/officeDocument/2006/relationships" xmlns:p="http://schemas.openxmlformats.org/presentationml/2006/main">
+  <p:cSld>
+    <p:spTree>
+      <p:nvGrpSpPr>
+        <p:cNvPr id="1" name=""/>
+        <p:cNvGrpSpPr/>
+        <p:nvPr/>
+      </p:nvGrpSpPr>
+      <p:grpSpPr>
+        <a:xfrm>
+          <a:off x="0" y="0"/>
+          <a:ext cx="0" cy="0"/>
+          <a:chOff x="0" y="0"/>
+          <a:chExt cx="0" cy="0"/>
+        </a:xfrm>
+      </p:grpSpPr>
+      <p:sp>
+        <p:nvSpPr>
+          <p:cNvPr id="2" name="Title 1"/>
+          <p:cNvSpPr>
+            <a:spLocks noGrp="1"/>
+          </p:cNvSpPr>
+          <p:nvPr>
+            <p:ph type="title"/>
+          </p:nvPr>
+        </p:nvSpPr>
+        <p:spPr/>
+        <p:txBody>
+          <a:bodyPr/>
+          <a:lstStyle/>
+          <a:p>
+            <a:r>
+              <a:rPr lang="en-US" dirty="0" smtClean="0"/>
               <a:t>Model Architecture</a:t>
             </a:r>
             <a:endParaRPr lang="en-US" dirty="0"/>
@@ -16579,7 +17273,7 @@
         <p:spPr>
           <a:xfrm>
             <a:off x="8023123" y="3097161"/>
-            <a:ext cx="3060290" cy="923330"/>
+            <a:ext cx="3060290" cy="830997"/>
           </a:xfrm>
           <a:prstGeom prst="rect">
             <a:avLst/>
@@ -16593,10 +17287,14 @@
           <a:lstStyle/>
           <a:p>
             <a:r>
-              <a:rPr lang="en-US" dirty="0" smtClean="0"/>
-              <a:t>Encoding-decoding architecture is the basic of transformers  </a:t>
-            </a:r>
-            <a:endParaRPr lang="en-US" dirty="0"/>
+              <a:rPr lang="en-US" sz="1600" dirty="0" smtClean="0"/>
+              <a:t>Encoding-decoding </a:t>
+            </a:r>
+            <a:r>
+              <a:rPr lang="en-US" sz="1600" dirty="0" smtClean="0"/>
+              <a:t>architecture is the basic of transformers  </a:t>
+            </a:r>
+            <a:endParaRPr lang="en-US" sz="1600" dirty="0"/>
           </a:p>
         </p:txBody>
       </p:sp>
@@ -16620,7 +17318,7 @@
 </p:sld>
 </file>
 
-<file path=ppt/slides/slide6.xml><?xml version="1.0" encoding="utf-8"?>
+<file path=ppt/slides/slide7.xml><?xml version="1.0" encoding="utf-8"?>
 <p:sld xmlns:a="http://schemas.openxmlformats.org/drawingml/2006/main" xmlns:r="http://schemas.openxmlformats.org/officeDocument/2006/relationships" xmlns:p="http://schemas.openxmlformats.org/presentationml/2006/main">
   <p:cSld>
     <p:spTree>
@@ -16746,7 +17444,6 @@
               <a:rPr lang="en-US" dirty="0"/>
               <a:t>Model Architecture</a:t>
             </a:r>
-            <a:endParaRPr lang="en-US" dirty="0"/>
           </a:p>
         </p:txBody>
       </p:sp>
@@ -16770,7 +17467,7 @@
 </p:sld>
 </file>
 
-<file path=ppt/slides/slide7.xml><?xml version="1.0" encoding="utf-8"?>
+<file path=ppt/slides/slide8.xml><?xml version="1.0" encoding="utf-8"?>
 <p:sld xmlns:a="http://schemas.openxmlformats.org/drawingml/2006/main" xmlns:r="http://schemas.openxmlformats.org/officeDocument/2006/relationships" xmlns:p="http://schemas.openxmlformats.org/presentationml/2006/main">
   <p:cSld>
     <p:spTree>
@@ -16806,7 +17503,6 @@
               <a:rPr lang="en-US" dirty="0"/>
               <a:t>Model Architecture</a:t>
             </a:r>
-            <a:endParaRPr lang="en-US" dirty="0"/>
           </a:p>
         </p:txBody>
       </p:sp>
@@ -16827,17 +17523,8 @@
           <a:p>
             <a:r>
               <a:rPr lang="en-US" dirty="0" smtClean="0"/>
-              <a:t>Attention layer: </a:t>
-            </a:r>
-            <a:r>
-              <a:rPr lang="en-US" dirty="0" smtClean="0"/>
-              <a:t>mapping a query and a set of key-value pairs to an output in vector form. </a:t>
-            </a:r>
-            <a:r>
-              <a:rPr lang="en-US" dirty="0" smtClean="0"/>
-              <a:t>{Q,K,V}</a:t>
-            </a:r>
-            <a:endParaRPr lang="en-US" dirty="0" smtClean="0"/>
+              <a:t>Attention layer: mapping a query and a set of key-value pairs to an output in vector form. {Q,K,V}</a:t>
+            </a:r>
           </a:p>
           <a:p>
             <a:endParaRPr lang="en-US" dirty="0" smtClean="0"/>
@@ -17351,7 +18038,6 @@
               <a:rPr lang="en-US" baseline="30000" dirty="0"/>
               <a:t>1</a:t>
             </a:r>
-            <a:endParaRPr lang="en-US" baseline="30000" dirty="0"/>
           </a:p>
         </p:txBody>
       </p:sp>
@@ -17508,7 +18194,7 @@
 </p:sld>
 </file>
 
-<file path=ppt/slides/slide8.xml><?xml version="1.0" encoding="utf-8"?>
+<file path=ppt/slides/slide9.xml><?xml version="1.0" encoding="utf-8"?>
 <p:sld xmlns:a="http://schemas.openxmlformats.org/drawingml/2006/main" xmlns:r="http://schemas.openxmlformats.org/officeDocument/2006/relationships" xmlns:p="http://schemas.openxmlformats.org/presentationml/2006/main">
   <p:cSld>
     <p:spTree>
@@ -17544,7 +18230,6 @@
               <a:rPr lang="en-US" dirty="0"/>
               <a:t>Model Architecture</a:t>
             </a:r>
-            <a:endParaRPr lang="en-US" dirty="0"/>
           </a:p>
         </p:txBody>
       </p:sp>
@@ -17895,7 +18580,6 @@
               <a:rPr lang="en-US" dirty="0"/>
               <a:t>m</a:t>
             </a:r>
-            <a:endParaRPr lang="en-US" dirty="0"/>
           </a:p>
         </p:txBody>
       </p:sp>
@@ -17963,8 +18647,8 @@
           </a:p>
         </p:txBody>
       </p:sp>
-      <mc:AlternateContent xmlns:mc="http://schemas.openxmlformats.org/markup-compatibility/2006">
-        <mc:Choice xmlns:a14="http://schemas.microsoft.com/office/drawing/2010/main" Requires="a14">
+      <mc:AlternateContent xmlns:mc="http://schemas.openxmlformats.org/markup-compatibility/2006" xmlns:a14="http://schemas.microsoft.com/office/drawing/2010/main">
+        <mc:Choice Requires="a14">
           <p:sp>
             <p:nvSpPr>
               <p:cNvPr id="19" name="TextBox 18"/>
@@ -17987,6 +18671,7 @@
               </a:bodyPr>
               <a:lstStyle/>
               <a:p>
+                <a:pPr/>
                 <a14:m>
                   <m:oMathPara xmlns:m="http://schemas.openxmlformats.org/officeDocument/2006/math">
                     <m:oMathParaPr>
@@ -18008,7 +18693,7 @@
             </p:txBody>
           </p:sp>
         </mc:Choice>
-        <mc:Fallback>
+        <mc:Fallback xmlns="">
           <p:sp>
             <p:nvSpPr>
               <p:cNvPr id="19" name="TextBox 18"/>
@@ -18103,7 +18788,6 @@
               <a:rPr lang="en-US" dirty="0"/>
               <a:t>m</a:t>
             </a:r>
-            <a:endParaRPr lang="en-US" dirty="0"/>
           </a:p>
         </p:txBody>
       </p:sp>
@@ -18237,297 +18921,6 @@
     <p:extLst>
       <p:ext uri="{BB962C8B-B14F-4D97-AF65-F5344CB8AC3E}">
         <p14:creationId xmlns:p14="http://schemas.microsoft.com/office/powerpoint/2010/main" val="240224685"/>
-      </p:ext>
-    </p:extLst>
-  </p:cSld>
-  <p:clrMapOvr>
-    <a:masterClrMapping/>
-  </p:clrMapOvr>
-  <p:timing>
-    <p:tnLst>
-      <p:par>
-        <p:cTn id="1" dur="indefinite" restart="never" nodeType="tmRoot"/>
-      </p:par>
-    </p:tnLst>
-  </p:timing>
-</p:sld>
-</file>
-
-<file path=ppt/slides/slide9.xml><?xml version="1.0" encoding="utf-8"?>
-<p:sld xmlns:a="http://schemas.openxmlformats.org/drawingml/2006/main" xmlns:r="http://schemas.openxmlformats.org/officeDocument/2006/relationships" xmlns:p="http://schemas.openxmlformats.org/presentationml/2006/main">
-  <p:cSld>
-    <p:spTree>
-      <p:nvGrpSpPr>
-        <p:cNvPr id="1" name=""/>
-        <p:cNvGrpSpPr/>
-        <p:nvPr/>
-      </p:nvGrpSpPr>
-      <p:grpSpPr>
-        <a:xfrm>
-          <a:off x="0" y="0"/>
-          <a:ext cx="0" cy="0"/>
-          <a:chOff x="0" y="0"/>
-          <a:chExt cx="0" cy="0"/>
-        </a:xfrm>
-      </p:grpSpPr>
-      <p:sp>
-        <p:nvSpPr>
-          <p:cNvPr id="2" name="Title 1"/>
-          <p:cNvSpPr>
-            <a:spLocks noGrp="1"/>
-          </p:cNvSpPr>
-          <p:nvPr>
-            <p:ph type="title"/>
-          </p:nvPr>
-        </p:nvSpPr>
-        <p:spPr/>
-        <p:txBody>
-          <a:bodyPr/>
-          <a:lstStyle/>
-          <a:p>
-            <a:r>
-              <a:rPr lang="en-US" dirty="0"/>
-              <a:t>Model Architecture</a:t>
-            </a:r>
-            <a:endParaRPr lang="en-US" dirty="0"/>
-          </a:p>
-        </p:txBody>
-      </p:sp>
-      <p:sp>
-        <p:nvSpPr>
-          <p:cNvPr id="3" name="Content Placeholder 2"/>
-          <p:cNvSpPr>
-            <a:spLocks noGrp="1"/>
-          </p:cNvSpPr>
-          <p:nvPr>
-            <p:ph idx="1"/>
-          </p:nvPr>
-        </p:nvSpPr>
-        <p:spPr/>
-        <p:txBody>
-          <a:bodyPr/>
-          <a:lstStyle/>
-          <a:p>
-            <a:r>
-              <a:rPr lang="en-US" dirty="0" smtClean="0"/>
-              <a:t>Position-wise Feed-Forward Networks </a:t>
-            </a:r>
-            <a:endParaRPr lang="en-US" dirty="0" smtClean="0"/>
-          </a:p>
-          <a:p>
-            <a:endParaRPr lang="en-US" dirty="0" smtClean="0"/>
-          </a:p>
-          <a:p>
-            <a:endParaRPr lang="en-US" dirty="0" smtClean="0"/>
-          </a:p>
-          <a:p>
-            <a:endParaRPr lang="en-US" dirty="0"/>
-          </a:p>
-          <a:p>
-            <a:r>
-              <a:rPr lang="en-US" dirty="0" smtClean="0"/>
-              <a:t>Positional Encoding </a:t>
-            </a:r>
-          </a:p>
-          <a:p>
-            <a:pPr lvl="1"/>
-            <a:r>
-              <a:rPr lang="en-US" dirty="0" smtClean="0"/>
-              <a:t>Ensure sequence of tokens </a:t>
-            </a:r>
-          </a:p>
-          <a:p>
-            <a:pPr lvl="1"/>
-            <a:endParaRPr lang="en-US" dirty="0"/>
-          </a:p>
-          <a:p>
-            <a:r>
-              <a:rPr lang="en-US" dirty="0" smtClean="0"/>
-              <a:t>Why it can extract information in a non-</a:t>
-            </a:r>
-            <a:r>
-              <a:rPr lang="en-US" dirty="0" err="1" smtClean="0"/>
-              <a:t>sequencial</a:t>
-            </a:r>
-            <a:r>
-              <a:rPr lang="en-US" dirty="0" smtClean="0"/>
-              <a:t> way?</a:t>
-            </a:r>
-            <a:endParaRPr lang="en-US" dirty="0"/>
-          </a:p>
-        </p:txBody>
-      </p:sp>
-      <p:pic>
-        <p:nvPicPr>
-          <p:cNvPr id="13" name="Picture 12"/>
-          <p:cNvPicPr>
-            <a:picLocks noChangeAspect="1"/>
-          </p:cNvPicPr>
-          <p:nvPr/>
-        </p:nvPicPr>
-        <p:blipFill>
-          <a:blip r:embed="rId3"/>
-          <a:stretch>
-            <a:fillRect/>
-          </a:stretch>
-        </p:blipFill>
-        <p:spPr>
-          <a:xfrm>
-            <a:off x="1507444" y="3128055"/>
-            <a:ext cx="6829425" cy="971550"/>
-          </a:xfrm>
-          <a:prstGeom prst="rect">
-            <a:avLst/>
-          </a:prstGeom>
-        </p:spPr>
-      </p:pic>
-      <p:pic>
-        <p:nvPicPr>
-          <p:cNvPr id="16" name="Picture 15"/>
-          <p:cNvPicPr>
-            <a:picLocks noChangeAspect="1"/>
-          </p:cNvPicPr>
-          <p:nvPr/>
-        </p:nvPicPr>
-        <p:blipFill>
-          <a:blip r:embed="rId4"/>
-          <a:stretch>
-            <a:fillRect/>
-          </a:stretch>
-        </p:blipFill>
-        <p:spPr>
-          <a:xfrm>
-            <a:off x="9144000" y="457505"/>
-            <a:ext cx="2849562" cy="3127297"/>
-          </a:xfrm>
-          <a:prstGeom prst="rect">
-            <a:avLst/>
-          </a:prstGeom>
-        </p:spPr>
-      </p:pic>
-      <p:sp>
-        <p:nvSpPr>
-          <p:cNvPr id="19" name="AutoShape 2" descr="CS 230 - Recurrent Neural Networks Cheatsheet"/>
-          <p:cNvSpPr>
-            <a:spLocks noChangeAspect="1" noChangeArrowheads="1"/>
-          </p:cNvSpPr>
-          <p:nvPr/>
-        </p:nvSpPr>
-        <p:spPr bwMode="auto">
-          <a:xfrm>
-            <a:off x="155575" y="-144463"/>
-            <a:ext cx="304800" cy="304801"/>
-          </a:xfrm>
-          <a:prstGeom prst="rect">
-            <a:avLst/>
-          </a:prstGeom>
-          <a:noFill/>
-          <a:extLst>
-            <a:ext uri="{909E8E84-426E-40DD-AFC4-6F175D3DCCD1}">
-              <a14:hiddenFill xmlns:a14="http://schemas.microsoft.com/office/drawing/2010/main">
-                <a:solidFill>
-                  <a:srgbClr val="FFFFFF"/>
-                </a:solidFill>
-              </a14:hiddenFill>
-            </a:ext>
-          </a:extLst>
-        </p:spPr>
-        <p:txBody>
-          <a:bodyPr vert="horz" wrap="square" lIns="91440" tIns="45720" rIns="91440" bIns="45720" numCol="1" anchor="t" anchorCtr="0" compatLnSpc="1">
-            <a:prstTxWarp prst="textNoShape">
-              <a:avLst/>
-            </a:prstTxWarp>
-          </a:bodyPr>
-          <a:lstStyle/>
-          <a:p>
-            <a:endParaRPr lang="en-US"/>
-          </a:p>
-        </p:txBody>
-      </p:sp>
-      <p:sp>
-        <p:nvSpPr>
-          <p:cNvPr id="20" name="AutoShape 4" descr="CS 230 - Recurrent Neural Networks Cheatsheet"/>
-          <p:cNvSpPr>
-            <a:spLocks noChangeAspect="1" noChangeArrowheads="1"/>
-          </p:cNvSpPr>
-          <p:nvPr/>
-        </p:nvSpPr>
-        <p:spPr bwMode="auto">
-          <a:xfrm>
-            <a:off x="307975" y="7937"/>
-            <a:ext cx="304800" cy="304801"/>
-          </a:xfrm>
-          <a:prstGeom prst="rect">
-            <a:avLst/>
-          </a:prstGeom>
-          <a:noFill/>
-          <a:extLst>
-            <a:ext uri="{909E8E84-426E-40DD-AFC4-6F175D3DCCD1}">
-              <a14:hiddenFill xmlns:a14="http://schemas.microsoft.com/office/drawing/2010/main">
-                <a:solidFill>
-                  <a:srgbClr val="FFFFFF"/>
-                </a:solidFill>
-              </a14:hiddenFill>
-            </a:ext>
-          </a:extLst>
-        </p:spPr>
-        <p:txBody>
-          <a:bodyPr vert="horz" wrap="square" lIns="91440" tIns="45720" rIns="91440" bIns="45720" numCol="1" anchor="t" anchorCtr="0" compatLnSpc="1">
-            <a:prstTxWarp prst="textNoShape">
-              <a:avLst/>
-            </a:prstTxWarp>
-          </a:bodyPr>
-          <a:lstStyle/>
-          <a:p>
-            <a:endParaRPr lang="en-US"/>
-          </a:p>
-        </p:txBody>
-      </p:sp>
-      <p:pic>
-        <p:nvPicPr>
-          <p:cNvPr id="4102" name="Picture 6" descr="CS 230 - Recurrent Neural Networks Cheatsheet"/>
-          <p:cNvPicPr>
-            <a:picLocks noChangeAspect="1" noChangeArrowheads="1"/>
-          </p:cNvPicPr>
-          <p:nvPr/>
-        </p:nvPicPr>
-        <p:blipFill>
-          <a:blip r:embed="rId5">
-            <a:extLst>
-              <a:ext uri="{28A0092B-C50C-407E-A947-70E740481C1C}">
-                <a14:useLocalDpi xmlns:a14="http://schemas.microsoft.com/office/drawing/2010/main" val="0"/>
-              </a:ext>
-            </a:extLst>
-          </a:blip>
-          <a:srcRect/>
-          <a:stretch>
-            <a:fillRect/>
-          </a:stretch>
-        </p:blipFill>
-        <p:spPr bwMode="auto">
-          <a:xfrm>
-            <a:off x="8224092" y="4319247"/>
-            <a:ext cx="3990975" cy="1773767"/>
-          </a:xfrm>
-          <a:prstGeom prst="rect">
-            <a:avLst/>
-          </a:prstGeom>
-          <a:noFill/>
-          <a:extLst>
-            <a:ext uri="{909E8E84-426E-40DD-AFC4-6F175D3DCCD1}">
-              <a14:hiddenFill xmlns:a14="http://schemas.microsoft.com/office/drawing/2010/main">
-                <a:solidFill>
-                  <a:srgbClr val="FFFFFF"/>
-                </a:solidFill>
-              </a14:hiddenFill>
-            </a:ext>
-          </a:extLst>
-        </p:spPr>
-      </p:pic>
-    </p:spTree>
-    <p:extLst>
-      <p:ext uri="{BB962C8B-B14F-4D97-AF65-F5344CB8AC3E}">
-        <p14:creationId xmlns:p14="http://schemas.microsoft.com/office/powerpoint/2010/main" val="3478385588"/>
       </p:ext>
     </p:extLst>
   </p:cSld>
